--- a/ch3_reference/Presentation_2022__Sholikin.pptx
+++ b/ch3_reference/Presentation_2022__Sholikin.pptx
@@ -5,7 +5,7 @@
     <p:sldMasterId id="2147483648" r:id="rId4"/>
   </p:sldMasterIdLst>
   <p:notesMasterIdLst>
-    <p:notesMasterId r:id="rId13"/>
+    <p:notesMasterId r:id="rId17"/>
   </p:notesMasterIdLst>
   <p:sldIdLst>
     <p:sldId id="259" r:id="rId5"/>
@@ -16,6 +16,10 @@
     <p:sldId id="268" r:id="rId10"/>
     <p:sldId id="270" r:id="rId11"/>
     <p:sldId id="271" r:id="rId12"/>
+    <p:sldId id="272" r:id="rId13"/>
+    <p:sldId id="273" r:id="rId14"/>
+    <p:sldId id="275" r:id="rId15"/>
+    <p:sldId id="274" r:id="rId16"/>
   </p:sldIdLst>
   <p:sldSz cx="12192000" cy="6858000"/>
   <p:notesSz cx="6858000" cy="9144000"/>
@@ -221,7 +225,7 @@
           <a:p>
             <a:fld id="{3D3DD571-E22F-4A38-B450-8CCBD829A548}" type="datetimeFigureOut">
               <a:rPr lang="en-US"/>
-              <a:t>5/16/2022</a:t>
+              <a:t>5/17/2022</a:t>
             </a:fld>
             <a:endParaRPr lang="en-US" dirty="0"/>
           </a:p>
@@ -735,7 +739,7 @@
           <a:p>
             <a:fld id="{703E2F8D-62B3-48AF-BAF5-944399905ED0}" type="datetimeFigureOut">
               <a:rPr lang="en-US" smtClean="0"/>
-              <a:t>5/16/2022</a:t>
+              <a:t>5/17/2022</a:t>
             </a:fld>
             <a:endParaRPr lang="en-US" dirty="0"/>
           </a:p>
@@ -949,7 +953,7 @@
           <a:p>
             <a:fld id="{703E2F8D-62B3-48AF-BAF5-944399905ED0}" type="datetimeFigureOut">
               <a:rPr lang="en-US" smtClean="0"/>
-              <a:t>5/16/2022</a:t>
+              <a:t>5/17/2022</a:t>
             </a:fld>
             <a:endParaRPr lang="en-US" dirty="0"/>
           </a:p>
@@ -1270,7 +1274,7 @@
             <a:fld id="{8BEEBAAA-29B5-4AF5-BC5F-7E580C29002D}" type="datetimeFigureOut">
               <a:rPr lang="en-US" smtClean="0"/>
               <a:pPr/>
-              <a:t>5/16/2022</a:t>
+              <a:t>5/17/2022</a:t>
             </a:fld>
             <a:endParaRPr lang="en-US" dirty="0"/>
           </a:p>
@@ -1966,7 +1970,7 @@
           <a:p>
             <a:fld id="{703E2F8D-62B3-48AF-BAF5-944399905ED0}" type="datetimeFigureOut">
               <a:rPr lang="en-US" smtClean="0"/>
-              <a:t>5/16/2022</a:t>
+              <a:t>5/17/2022</a:t>
             </a:fld>
             <a:endParaRPr lang="en-US" dirty="0"/>
           </a:p>
@@ -2393,7 +2397,7 @@
           <a:p>
             <a:fld id="{703E2F8D-62B3-48AF-BAF5-944399905ED0}" type="datetimeFigureOut">
               <a:rPr lang="en-US" smtClean="0"/>
-              <a:t>5/16/2022</a:t>
+              <a:t>5/17/2022</a:t>
             </a:fld>
             <a:endParaRPr lang="en-US" dirty="0"/>
           </a:p>
@@ -2542,7 +2546,7 @@
           <a:p>
             <a:fld id="{703E2F8D-62B3-48AF-BAF5-944399905ED0}" type="datetimeFigureOut">
               <a:rPr lang="en-US" smtClean="0"/>
-              <a:t>5/16/2022</a:t>
+              <a:t>5/17/2022</a:t>
             </a:fld>
             <a:endParaRPr lang="en-US" dirty="0"/>
           </a:p>
@@ -2655,7 +2659,7 @@
           <a:p>
             <a:fld id="{703E2F8D-62B3-48AF-BAF5-944399905ED0}" type="datetimeFigureOut">
               <a:rPr lang="en-US" smtClean="0"/>
-              <a:t>5/16/2022</a:t>
+              <a:t>5/17/2022</a:t>
             </a:fld>
             <a:endParaRPr lang="en-US" dirty="0"/>
           </a:p>
@@ -2975,7 +2979,7 @@
           <a:p>
             <a:fld id="{703E2F8D-62B3-48AF-BAF5-944399905ED0}" type="datetimeFigureOut">
               <a:rPr lang="en-US" smtClean="0"/>
-              <a:t>5/16/2022</a:t>
+              <a:t>5/17/2022</a:t>
             </a:fld>
             <a:endParaRPr lang="en-US" dirty="0"/>
           </a:p>
@@ -3276,7 +3280,7 @@
           <a:p>
             <a:fld id="{703E2F8D-62B3-48AF-BAF5-944399905ED0}" type="datetimeFigureOut">
               <a:rPr lang="en-US" smtClean="0"/>
-              <a:t>5/16/2022</a:t>
+              <a:t>5/17/2022</a:t>
             </a:fld>
             <a:endParaRPr lang="en-US" dirty="0"/>
           </a:p>
@@ -3520,7 +3524,7 @@
           <a:p>
             <a:fld id="{703E2F8D-62B3-48AF-BAF5-944399905ED0}" type="datetimeFigureOut">
               <a:rPr lang="en-US" smtClean="0"/>
-              <a:t>5/16/2022</a:t>
+              <a:t>5/17/2022</a:t>
             </a:fld>
             <a:endParaRPr lang="en-US" dirty="0"/>
           </a:p>
@@ -4387,6 +4391,4206 @@
 </p:sld>
 </file>
 
+<file path=ppt/slides/slide10.xml><?xml version="1.0" encoding="utf-8"?>
+<p:sld xmlns:a="http://schemas.openxmlformats.org/drawingml/2006/main" xmlns:r="http://schemas.openxmlformats.org/officeDocument/2006/relationships" xmlns:p="http://schemas.openxmlformats.org/presentationml/2006/main">
+  <p:cSld>
+    <p:bg>
+      <p:bgPr>
+        <a:solidFill>
+          <a:schemeClr val="bg1"/>
+        </a:solidFill>
+        <a:effectLst/>
+      </p:bgPr>
+    </p:bg>
+    <p:spTree>
+      <p:nvGrpSpPr>
+        <p:cNvPr id="1" name=""/>
+        <p:cNvGrpSpPr/>
+        <p:nvPr/>
+      </p:nvGrpSpPr>
+      <p:grpSpPr>
+        <a:xfrm>
+          <a:off x="0" y="0"/>
+          <a:ext cx="0" cy="0"/>
+          <a:chOff x="0" y="0"/>
+          <a:chExt cx="0" cy="0"/>
+        </a:xfrm>
+      </p:grpSpPr>
+      <p:sp>
+        <p:nvSpPr>
+          <p:cNvPr id="2" name="Title 1">
+            <a:extLst>
+              <a:ext uri="{FF2B5EF4-FFF2-40B4-BE49-F238E27FC236}">
+                <a16:creationId xmlns:a16="http://schemas.microsoft.com/office/drawing/2014/main" id="{F07E19FF-DAD9-4AB4-9D83-993EE9FE6846}"/>
+              </a:ext>
+            </a:extLst>
+          </p:cNvPr>
+          <p:cNvSpPr>
+            <a:spLocks noGrp="1"/>
+          </p:cNvSpPr>
+          <p:nvPr>
+            <p:ph type="title"/>
+          </p:nvPr>
+        </p:nvSpPr>
+        <p:spPr>
+          <a:xfrm>
+            <a:off x="444500" y="412137"/>
+            <a:ext cx="9385300" cy="640080"/>
+          </a:xfrm>
+        </p:spPr>
+        <p:txBody>
+          <a:bodyPr>
+            <a:normAutofit/>
+          </a:bodyPr>
+          <a:lstStyle/>
+          <a:p>
+            <a:r>
+              <a:rPr lang="en-US" dirty="0">
+                <a:latin typeface="Segoe UI Semibold" panose="020B0502040204020203" pitchFamily="34" charset="0"/>
+                <a:cs typeface="Segoe UI Semibold" panose="020B0502040204020203" pitchFamily="34" charset="0"/>
+              </a:rPr>
+              <a:t>3. </a:t>
+            </a:r>
+            <a:r>
+              <a:rPr lang="en-US" dirty="0" err="1">
+                <a:latin typeface="Segoe UI Semibold" panose="020B0502040204020203" pitchFamily="34" charset="0"/>
+                <a:cs typeface="Segoe UI Semibold" panose="020B0502040204020203" pitchFamily="34" charset="0"/>
+              </a:rPr>
+              <a:t>Contoh</a:t>
+            </a:r>
+            <a:r>
+              <a:rPr lang="en-US" dirty="0">
+                <a:latin typeface="Segoe UI Semibold" panose="020B0502040204020203" pitchFamily="34" charset="0"/>
+                <a:cs typeface="Segoe UI Semibold" panose="020B0502040204020203" pitchFamily="34" charset="0"/>
+              </a:rPr>
+              <a:t>: </a:t>
+            </a:r>
+            <a:r>
+              <a:rPr lang="en-US" dirty="0" err="1">
+                <a:latin typeface="Segoe UI Light" panose="020B0502040204020203" pitchFamily="34" charset="0"/>
+                <a:cs typeface="Segoe UI Light" panose="020B0502040204020203" pitchFamily="34" charset="0"/>
+              </a:rPr>
+              <a:t>Tabulasi</a:t>
+            </a:r>
+            <a:r>
+              <a:rPr lang="en-US" dirty="0">
+                <a:latin typeface="Segoe UI Light" panose="020B0502040204020203" pitchFamily="34" charset="0"/>
+                <a:cs typeface="Segoe UI Light" panose="020B0502040204020203" pitchFamily="34" charset="0"/>
+              </a:rPr>
+              <a:t> data (choi 2013)</a:t>
+            </a:r>
+          </a:p>
+        </p:txBody>
+      </p:sp>
+      <p:pic>
+        <p:nvPicPr>
+          <p:cNvPr id="5" name="Picture 4">
+            <a:extLst>
+              <a:ext uri="{FF2B5EF4-FFF2-40B4-BE49-F238E27FC236}">
+                <a16:creationId xmlns:a16="http://schemas.microsoft.com/office/drawing/2014/main" id="{B63FC9BC-CF96-441B-B7D4-1C2C56CD02B8}"/>
+              </a:ext>
+            </a:extLst>
+          </p:cNvPr>
+          <p:cNvPicPr>
+            <a:picLocks noChangeAspect="1"/>
+          </p:cNvPicPr>
+          <p:nvPr/>
+        </p:nvPicPr>
+        <p:blipFill>
+          <a:blip r:embed="rId2">
+            <a:extLst>
+              <a:ext uri="{28A0092B-C50C-407E-A947-70E740481C1C}">
+                <a14:useLocalDpi xmlns:a14="http://schemas.microsoft.com/office/drawing/2010/main" val="0"/>
+              </a:ext>
+            </a:extLst>
+          </a:blip>
+          <a:stretch>
+            <a:fillRect/>
+          </a:stretch>
+        </p:blipFill>
+        <p:spPr>
+          <a:xfrm>
+            <a:off x="444500" y="1420956"/>
+            <a:ext cx="7940728" cy="4016088"/>
+          </a:xfrm>
+          <a:prstGeom prst="rect">
+            <a:avLst/>
+          </a:prstGeom>
+        </p:spPr>
+      </p:pic>
+      <p:sp>
+        <p:nvSpPr>
+          <p:cNvPr id="21" name="Rectangle 20">
+            <a:extLst>
+              <a:ext uri="{FF2B5EF4-FFF2-40B4-BE49-F238E27FC236}">
+                <a16:creationId xmlns:a16="http://schemas.microsoft.com/office/drawing/2014/main" id="{040504DD-0E6C-478B-AE1D-FD3B64F1BA6D}"/>
+              </a:ext>
+            </a:extLst>
+          </p:cNvPr>
+          <p:cNvSpPr/>
+          <p:nvPr/>
+        </p:nvSpPr>
+        <p:spPr>
+          <a:xfrm>
+            <a:off x="2971800" y="2463978"/>
+            <a:ext cx="2438400" cy="222250"/>
+          </a:xfrm>
+          <a:prstGeom prst="rect">
+            <a:avLst/>
+          </a:prstGeom>
+          <a:solidFill>
+            <a:schemeClr val="accent2">
+              <a:alpha val="50000"/>
+            </a:schemeClr>
+          </a:solidFill>
+          <a:ln>
+            <a:noFill/>
+          </a:ln>
+        </p:spPr>
+        <p:style>
+          <a:lnRef idx="0">
+            <a:scrgbClr r="0" g="0" b="0"/>
+          </a:lnRef>
+          <a:fillRef idx="0">
+            <a:scrgbClr r="0" g="0" b="0"/>
+          </a:fillRef>
+          <a:effectRef idx="0">
+            <a:scrgbClr r="0" g="0" b="0"/>
+          </a:effectRef>
+          <a:fontRef idx="minor">
+            <a:schemeClr val="lt1"/>
+          </a:fontRef>
+        </p:style>
+        <p:txBody>
+          <a:bodyPr rtlCol="0" anchor="ctr"/>
+          <a:lstStyle/>
+          <a:p>
+            <a:pPr algn="ctr"/>
+            <a:endParaRPr lang="en-US"/>
+          </a:p>
+        </p:txBody>
+      </p:sp>
+      <p:grpSp>
+        <p:nvGrpSpPr>
+          <p:cNvPr id="26" name="Group 25">
+            <a:extLst>
+              <a:ext uri="{FF2B5EF4-FFF2-40B4-BE49-F238E27FC236}">
+                <a16:creationId xmlns:a16="http://schemas.microsoft.com/office/drawing/2014/main" id="{880B0ABD-B91D-4F13-BBEB-0F69D9E87B0E}"/>
+              </a:ext>
+            </a:extLst>
+          </p:cNvPr>
+          <p:cNvGrpSpPr/>
+          <p:nvPr/>
+        </p:nvGrpSpPr>
+        <p:grpSpPr>
+          <a:xfrm>
+            <a:off x="8498674" y="1524000"/>
+            <a:ext cx="3248826" cy="616179"/>
+            <a:chOff x="4626746" y="4267200"/>
+            <a:chExt cx="3248826" cy="616179"/>
+          </a:xfrm>
+        </p:grpSpPr>
+        <p:grpSp>
+          <p:nvGrpSpPr>
+            <p:cNvPr id="28" name="Group 27">
+              <a:extLst>
+                <a:ext uri="{FF2B5EF4-FFF2-40B4-BE49-F238E27FC236}">
+                  <a16:creationId xmlns:a16="http://schemas.microsoft.com/office/drawing/2014/main" id="{50BDF9E3-CBCC-4D73-BD59-1B06F134998C}"/>
+                </a:ext>
+              </a:extLst>
+            </p:cNvPr>
+            <p:cNvGrpSpPr/>
+            <p:nvPr/>
+          </p:nvGrpSpPr>
+          <p:grpSpPr>
+            <a:xfrm>
+              <a:off x="4626746" y="4267200"/>
+              <a:ext cx="493917" cy="409838"/>
+              <a:chOff x="2679151" y="3410840"/>
+              <a:chExt cx="493917" cy="409838"/>
+            </a:xfrm>
+          </p:grpSpPr>
+          <p:sp>
+            <p:nvSpPr>
+              <p:cNvPr id="30" name="Oval 29" descr="Small circle">
+                <a:extLst>
+                  <a:ext uri="{FF2B5EF4-FFF2-40B4-BE49-F238E27FC236}">
+                    <a16:creationId xmlns:a16="http://schemas.microsoft.com/office/drawing/2014/main" id="{949A56A2-19C7-48C7-9EEA-EAEB69C602E2}"/>
+                  </a:ext>
+                </a:extLst>
+              </p:cNvPr>
+              <p:cNvSpPr>
+                <a:spLocks noChangeAspect="1"/>
+              </p:cNvSpPr>
+              <p:nvPr/>
+            </p:nvSpPr>
+            <p:spPr bwMode="blackWhite">
+              <a:xfrm>
+                <a:off x="2713764" y="3410840"/>
+                <a:ext cx="409838" cy="409838"/>
+              </a:xfrm>
+              <a:prstGeom prst="ellipse">
+                <a:avLst/>
+              </a:prstGeom>
+              <a:solidFill>
+                <a:srgbClr val="AA0000"/>
+              </a:solidFill>
+              <a:ln>
+                <a:noFill/>
+              </a:ln>
+            </p:spPr>
+            <p:style>
+              <a:lnRef idx="2">
+                <a:schemeClr val="accent1">
+                  <a:shade val="50000"/>
+                </a:schemeClr>
+              </a:lnRef>
+              <a:fillRef idx="1">
+                <a:schemeClr val="accent1"/>
+              </a:fillRef>
+              <a:effectRef idx="0">
+                <a:schemeClr val="accent1"/>
+              </a:effectRef>
+              <a:fontRef idx="minor">
+                <a:schemeClr val="lt1"/>
+              </a:fontRef>
+            </p:style>
+            <p:txBody>
+              <a:bodyPr rtlCol="0" anchor="ctr"/>
+              <a:lstStyle/>
+              <a:p>
+                <a:pPr algn="ctr"/>
+                <a:endParaRPr lang="en-US" dirty="0"/>
+              </a:p>
+            </p:txBody>
+          </p:sp>
+          <p:sp>
+            <p:nvSpPr>
+              <p:cNvPr id="31" name="TextBox 30" descr="Number 2">
+                <a:extLst>
+                  <a:ext uri="{FF2B5EF4-FFF2-40B4-BE49-F238E27FC236}">
+                    <a16:creationId xmlns:a16="http://schemas.microsoft.com/office/drawing/2014/main" id="{88D22C66-EB6D-4014-A90F-5A6456A7E3A8}"/>
+                  </a:ext>
+                </a:extLst>
+              </p:cNvPr>
+              <p:cNvSpPr txBox="1">
+                <a:spLocks noChangeAspect="1"/>
+              </p:cNvSpPr>
+              <p:nvPr/>
+            </p:nvSpPr>
+            <p:spPr bwMode="blackWhite">
+              <a:xfrm>
+                <a:off x="2679151" y="3417878"/>
+                <a:ext cx="493917" cy="369332"/>
+              </a:xfrm>
+              <a:prstGeom prst="rect">
+                <a:avLst/>
+              </a:prstGeom>
+              <a:noFill/>
+            </p:spPr>
+            <p:txBody>
+              <a:bodyPr wrap="square" rtlCol="0">
+                <a:spAutoFit/>
+              </a:bodyPr>
+              <a:lstStyle/>
+              <a:p>
+                <a:pPr algn="ctr"/>
+                <a:r>
+                  <a:rPr lang="en-US" dirty="0" err="1">
+                    <a:solidFill>
+                      <a:schemeClr val="bg1"/>
+                    </a:solidFill>
+                    <a:cs typeface="Segoe UI Semibold" panose="020B0702040204020203" pitchFamily="34" charset="0"/>
+                  </a:rPr>
+                  <a:t>i</a:t>
+                </a:r>
+                <a:endParaRPr lang="en-US" dirty="0">
+                  <a:solidFill>
+                    <a:schemeClr val="bg1"/>
+                  </a:solidFill>
+                  <a:cs typeface="Segoe UI Semibold" panose="020B0702040204020203" pitchFamily="34" charset="0"/>
+                </a:endParaRPr>
+              </a:p>
+            </p:txBody>
+          </p:sp>
+        </p:grpSp>
+        <p:sp>
+          <p:nvSpPr>
+            <p:cNvPr id="29" name="TextBox 28">
+              <a:extLst>
+                <a:ext uri="{FF2B5EF4-FFF2-40B4-BE49-F238E27FC236}">
+                  <a16:creationId xmlns:a16="http://schemas.microsoft.com/office/drawing/2014/main" id="{AF21953D-969C-41B3-B78B-51961AA484D3}"/>
+                </a:ext>
+              </a:extLst>
+            </p:cNvPr>
+            <p:cNvSpPr txBox="1"/>
+            <p:nvPr/>
+          </p:nvSpPr>
+          <p:spPr>
+            <a:xfrm>
+              <a:off x="5120663" y="4298604"/>
+              <a:ext cx="2754909" cy="584775"/>
+            </a:xfrm>
+            <a:prstGeom prst="rect">
+              <a:avLst/>
+            </a:prstGeom>
+            <a:noFill/>
+          </p:spPr>
+          <p:txBody>
+            <a:bodyPr wrap="square">
+              <a:spAutoFit/>
+            </a:bodyPr>
+            <a:lstStyle/>
+            <a:p>
+              <a:pPr marL="0" indent="0">
+                <a:spcAft>
+                  <a:spcPts val="1200"/>
+                </a:spcAft>
+                <a:buNone/>
+              </a:pPr>
+              <a:r>
+                <a:rPr lang="en-US" sz="1600" dirty="0" err="1">
+                  <a:solidFill>
+                    <a:schemeClr val="tx1"/>
+                  </a:solidFill>
+                </a:rPr>
+                <a:t>Pengumpulan</a:t>
+              </a:r>
+              <a:r>
+                <a:rPr lang="en-US" sz="1600" dirty="0">
+                  <a:solidFill>
+                    <a:schemeClr val="tx1"/>
+                  </a:solidFill>
+                </a:rPr>
+                <a:t> data </a:t>
+              </a:r>
+              <a:r>
+                <a:rPr lang="en-US" sz="1600" dirty="0" err="1">
+                  <a:solidFill>
+                    <a:schemeClr val="tx1"/>
+                  </a:solidFill>
+                </a:rPr>
+                <a:t>dari</a:t>
+              </a:r>
+              <a:r>
+                <a:rPr lang="en-US" sz="1600" dirty="0">
+                  <a:solidFill>
+                    <a:schemeClr val="tx1"/>
+                  </a:solidFill>
+                </a:rPr>
+                <a:t> KTI </a:t>
+              </a:r>
+              <a:r>
+                <a:rPr lang="en-US" sz="1600" dirty="0" err="1">
+                  <a:solidFill>
+                    <a:schemeClr val="tx1"/>
+                  </a:solidFill>
+                </a:rPr>
+                <a:t>ke</a:t>
+              </a:r>
+              <a:r>
+                <a:rPr lang="en-US" sz="1600" dirty="0">
+                  <a:solidFill>
+                    <a:schemeClr val="tx1"/>
+                  </a:solidFill>
+                </a:rPr>
+                <a:t> </a:t>
+              </a:r>
+              <a:r>
+                <a:rPr lang="en-US" sz="1600" dirty="0" err="1">
+                  <a:solidFill>
+                    <a:schemeClr val="tx1"/>
+                  </a:solidFill>
+                </a:rPr>
+                <a:t>dalam</a:t>
+              </a:r>
+              <a:r>
+                <a:rPr lang="en-US" sz="1600" dirty="0">
+                  <a:solidFill>
+                    <a:schemeClr val="tx1"/>
+                  </a:solidFill>
+                </a:rPr>
+                <a:t> </a:t>
+              </a:r>
+              <a:r>
+                <a:rPr lang="en-US" sz="1600" i="1" dirty="0">
+                  <a:solidFill>
+                    <a:schemeClr val="tx1"/>
+                  </a:solidFill>
+                </a:rPr>
+                <a:t>spreadsheet</a:t>
+              </a:r>
+            </a:p>
+          </p:txBody>
+        </p:sp>
+      </p:grpSp>
+      <p:sp>
+        <p:nvSpPr>
+          <p:cNvPr id="32" name="Rectangle 31">
+            <a:extLst>
+              <a:ext uri="{FF2B5EF4-FFF2-40B4-BE49-F238E27FC236}">
+                <a16:creationId xmlns:a16="http://schemas.microsoft.com/office/drawing/2014/main" id="{F376C59E-35CD-490B-B209-FD267A6D40C0}"/>
+              </a:ext>
+            </a:extLst>
+          </p:cNvPr>
+          <p:cNvSpPr/>
+          <p:nvPr/>
+        </p:nvSpPr>
+        <p:spPr>
+          <a:xfrm>
+            <a:off x="533400" y="2463978"/>
+            <a:ext cx="1143000" cy="507822"/>
+          </a:xfrm>
+          <a:prstGeom prst="rect">
+            <a:avLst/>
+          </a:prstGeom>
+          <a:solidFill>
+            <a:schemeClr val="accent4">
+              <a:alpha val="50000"/>
+            </a:schemeClr>
+          </a:solidFill>
+          <a:ln>
+            <a:noFill/>
+          </a:ln>
+        </p:spPr>
+        <p:style>
+          <a:lnRef idx="0">
+            <a:scrgbClr r="0" g="0" b="0"/>
+          </a:lnRef>
+          <a:fillRef idx="0">
+            <a:scrgbClr r="0" g="0" b="0"/>
+          </a:fillRef>
+          <a:effectRef idx="0">
+            <a:scrgbClr r="0" g="0" b="0"/>
+          </a:effectRef>
+          <a:fontRef idx="minor">
+            <a:schemeClr val="lt1"/>
+          </a:fontRef>
+        </p:style>
+        <p:txBody>
+          <a:bodyPr rtlCol="0" anchor="ctr"/>
+          <a:lstStyle/>
+          <a:p>
+            <a:pPr algn="ctr"/>
+            <a:endParaRPr lang="en-US"/>
+          </a:p>
+        </p:txBody>
+      </p:sp>
+    </p:spTree>
+    <p:extLst>
+      <p:ext uri="{BB962C8B-B14F-4D97-AF65-F5344CB8AC3E}">
+        <p14:creationId xmlns:p14="http://schemas.microsoft.com/office/powerpoint/2010/main" val="2981026974"/>
+      </p:ext>
+    </p:extLst>
+  </p:cSld>
+  <p:clrMapOvr>
+    <a:masterClrMapping/>
+  </p:clrMapOvr>
+</p:sld>
+</file>
+
+<file path=ppt/slides/slide11.xml><?xml version="1.0" encoding="utf-8"?>
+<p:sld xmlns:a="http://schemas.openxmlformats.org/drawingml/2006/main" xmlns:r="http://schemas.openxmlformats.org/officeDocument/2006/relationships" xmlns:p="http://schemas.openxmlformats.org/presentationml/2006/main">
+  <p:cSld>
+    <p:bg>
+      <p:bgPr>
+        <a:solidFill>
+          <a:schemeClr val="bg1"/>
+        </a:solidFill>
+        <a:effectLst/>
+      </p:bgPr>
+    </p:bg>
+    <p:spTree>
+      <p:nvGrpSpPr>
+        <p:cNvPr id="1" name=""/>
+        <p:cNvGrpSpPr/>
+        <p:nvPr/>
+      </p:nvGrpSpPr>
+      <p:grpSpPr>
+        <a:xfrm>
+          <a:off x="0" y="0"/>
+          <a:ext cx="0" cy="0"/>
+          <a:chOff x="0" y="0"/>
+          <a:chExt cx="0" cy="0"/>
+        </a:xfrm>
+      </p:grpSpPr>
+      <p:sp>
+        <p:nvSpPr>
+          <p:cNvPr id="2" name="Title 1">
+            <a:extLst>
+              <a:ext uri="{FF2B5EF4-FFF2-40B4-BE49-F238E27FC236}">
+                <a16:creationId xmlns:a16="http://schemas.microsoft.com/office/drawing/2014/main" id="{F07E19FF-DAD9-4AB4-9D83-993EE9FE6846}"/>
+              </a:ext>
+            </a:extLst>
+          </p:cNvPr>
+          <p:cNvSpPr>
+            <a:spLocks noGrp="1"/>
+          </p:cNvSpPr>
+          <p:nvPr>
+            <p:ph type="title"/>
+          </p:nvPr>
+        </p:nvSpPr>
+        <p:spPr>
+          <a:xfrm>
+            <a:off x="444500" y="412137"/>
+            <a:ext cx="9385300" cy="640080"/>
+          </a:xfrm>
+        </p:spPr>
+        <p:txBody>
+          <a:bodyPr>
+            <a:normAutofit/>
+          </a:bodyPr>
+          <a:lstStyle/>
+          <a:p>
+            <a:r>
+              <a:rPr lang="en-US" dirty="0">
+                <a:latin typeface="Segoe UI Semibold" panose="020B0502040204020203" pitchFamily="34" charset="0"/>
+                <a:cs typeface="Segoe UI Semibold" panose="020B0502040204020203" pitchFamily="34" charset="0"/>
+              </a:rPr>
+              <a:t>3. </a:t>
+            </a:r>
+            <a:r>
+              <a:rPr lang="en-US" dirty="0" err="1">
+                <a:latin typeface="Segoe UI Semibold" panose="020B0502040204020203" pitchFamily="34" charset="0"/>
+                <a:cs typeface="Segoe UI Semibold" panose="020B0502040204020203" pitchFamily="34" charset="0"/>
+              </a:rPr>
+              <a:t>Contoh</a:t>
+            </a:r>
+            <a:r>
+              <a:rPr lang="en-US" dirty="0">
+                <a:latin typeface="Segoe UI Semibold" panose="020B0502040204020203" pitchFamily="34" charset="0"/>
+                <a:cs typeface="Segoe UI Semibold" panose="020B0502040204020203" pitchFamily="34" charset="0"/>
+              </a:rPr>
+              <a:t>: </a:t>
+            </a:r>
+            <a:r>
+              <a:rPr lang="en-US" dirty="0" err="1">
+                <a:latin typeface="Segoe UI Light" panose="020B0502040204020203" pitchFamily="34" charset="0"/>
+                <a:cs typeface="Segoe UI Light" panose="020B0502040204020203" pitchFamily="34" charset="0"/>
+              </a:rPr>
+              <a:t>Tabulasi</a:t>
+            </a:r>
+            <a:r>
+              <a:rPr lang="en-US" dirty="0">
+                <a:latin typeface="Segoe UI Light" panose="020B0502040204020203" pitchFamily="34" charset="0"/>
+                <a:cs typeface="Segoe UI Light" panose="020B0502040204020203" pitchFamily="34" charset="0"/>
+              </a:rPr>
+              <a:t> data (choi 2013)</a:t>
+            </a:r>
+          </a:p>
+        </p:txBody>
+      </p:sp>
+      <p:graphicFrame>
+        <p:nvGraphicFramePr>
+          <p:cNvPr id="8" name="Table 8">
+            <a:extLst>
+              <a:ext uri="{FF2B5EF4-FFF2-40B4-BE49-F238E27FC236}">
+                <a16:creationId xmlns:a16="http://schemas.microsoft.com/office/drawing/2014/main" id="{A037DDC7-ED0F-46BD-B7E3-84AD9D9EDD9C}"/>
+              </a:ext>
+            </a:extLst>
+          </p:cNvPr>
+          <p:cNvGraphicFramePr>
+            <a:graphicFrameLocks noGrp="1"/>
+          </p:cNvGraphicFramePr>
+          <p:nvPr>
+            <p:extLst>
+              <p:ext uri="{D42A27DB-BD31-4B8C-83A1-F6EECF244321}">
+                <p14:modId xmlns:p14="http://schemas.microsoft.com/office/powerpoint/2010/main" val="1669177897"/>
+              </p:ext>
+            </p:extLst>
+          </p:nvPr>
+        </p:nvGraphicFramePr>
+        <p:xfrm>
+          <a:off x="533400" y="1371600"/>
+          <a:ext cx="11125205" cy="4092448"/>
+        </p:xfrm>
+        <a:graphic>
+          <a:graphicData uri="http://schemas.openxmlformats.org/drawingml/2006/table">
+            <a:tbl>
+              <a:tblPr firstRow="1" bandRow="1">
+                <a:tableStyleId>{0E3FDE45-AF77-4B5C-9715-49D594BDF05E}</a:tableStyleId>
+              </a:tblPr>
+              <a:tblGrid>
+                <a:gridCol w="457200">
+                  <a:extLst>
+                    <a:ext uri="{9D8B030D-6E8A-4147-A177-3AD203B41FA5}">
+                      <a16:colId xmlns:a16="http://schemas.microsoft.com/office/drawing/2014/main" val="1781328174"/>
+                    </a:ext>
+                  </a:extLst>
+                </a:gridCol>
+                <a:gridCol w="1143000">
+                  <a:extLst>
+                    <a:ext uri="{9D8B030D-6E8A-4147-A177-3AD203B41FA5}">
+                      <a16:colId xmlns:a16="http://schemas.microsoft.com/office/drawing/2014/main" val="2693826592"/>
+                    </a:ext>
+                  </a:extLst>
+                </a:gridCol>
+                <a:gridCol w="609600">
+                  <a:extLst>
+                    <a:ext uri="{9D8B030D-6E8A-4147-A177-3AD203B41FA5}">
+                      <a16:colId xmlns:a16="http://schemas.microsoft.com/office/drawing/2014/main" val="1205440188"/>
+                    </a:ext>
+                  </a:extLst>
+                </a:gridCol>
+                <a:gridCol w="990600">
+                  <a:extLst>
+                    <a:ext uri="{9D8B030D-6E8A-4147-A177-3AD203B41FA5}">
+                      <a16:colId xmlns:a16="http://schemas.microsoft.com/office/drawing/2014/main" val="266005891"/>
+                    </a:ext>
+                  </a:extLst>
+                </a:gridCol>
+                <a:gridCol w="1295400">
+                  <a:extLst>
+                    <a:ext uri="{9D8B030D-6E8A-4147-A177-3AD203B41FA5}">
+                      <a16:colId xmlns:a16="http://schemas.microsoft.com/office/drawing/2014/main" val="799461236"/>
+                    </a:ext>
+                  </a:extLst>
+                </a:gridCol>
+                <a:gridCol w="838200">
+                  <a:extLst>
+                    <a:ext uri="{9D8B030D-6E8A-4147-A177-3AD203B41FA5}">
+                      <a16:colId xmlns:a16="http://schemas.microsoft.com/office/drawing/2014/main" val="1359158692"/>
+                    </a:ext>
+                  </a:extLst>
+                </a:gridCol>
+                <a:gridCol w="762000">
+                  <a:extLst>
+                    <a:ext uri="{9D8B030D-6E8A-4147-A177-3AD203B41FA5}">
+                      <a16:colId xmlns:a16="http://schemas.microsoft.com/office/drawing/2014/main" val="1471719720"/>
+                    </a:ext>
+                  </a:extLst>
+                </a:gridCol>
+                <a:gridCol w="750280">
+                  <a:extLst>
+                    <a:ext uri="{9D8B030D-6E8A-4147-A177-3AD203B41FA5}">
+                      <a16:colId xmlns:a16="http://schemas.microsoft.com/office/drawing/2014/main" val="2067154959"/>
+                    </a:ext>
+                  </a:extLst>
+                </a:gridCol>
+                <a:gridCol w="773720">
+                  <a:extLst>
+                    <a:ext uri="{9D8B030D-6E8A-4147-A177-3AD203B41FA5}">
+                      <a16:colId xmlns:a16="http://schemas.microsoft.com/office/drawing/2014/main" val="2982018839"/>
+                    </a:ext>
+                  </a:extLst>
+                </a:gridCol>
+                <a:gridCol w="762000">
+                  <a:extLst>
+                    <a:ext uri="{9D8B030D-6E8A-4147-A177-3AD203B41FA5}">
+                      <a16:colId xmlns:a16="http://schemas.microsoft.com/office/drawing/2014/main" val="2663494276"/>
+                    </a:ext>
+                  </a:extLst>
+                </a:gridCol>
+                <a:gridCol w="1031635">
+                  <a:extLst>
+                    <a:ext uri="{9D8B030D-6E8A-4147-A177-3AD203B41FA5}">
+                      <a16:colId xmlns:a16="http://schemas.microsoft.com/office/drawing/2014/main" val="3589348563"/>
+                    </a:ext>
+                  </a:extLst>
+                </a:gridCol>
+                <a:gridCol w="1025765">
+                  <a:extLst>
+                    <a:ext uri="{9D8B030D-6E8A-4147-A177-3AD203B41FA5}">
+                      <a16:colId xmlns:a16="http://schemas.microsoft.com/office/drawing/2014/main" val="1543130912"/>
+                    </a:ext>
+                  </a:extLst>
+                </a:gridCol>
+                <a:gridCol w="685805">
+                  <a:extLst>
+                    <a:ext uri="{9D8B030D-6E8A-4147-A177-3AD203B41FA5}">
+                      <a16:colId xmlns:a16="http://schemas.microsoft.com/office/drawing/2014/main" val="1063972037"/>
+                    </a:ext>
+                  </a:extLst>
+                </a:gridCol>
+              </a:tblGrid>
+              <a:tr h="370840">
+                <a:tc>
+                  <a:txBody>
+                    <a:bodyPr/>
+                    <a:lstStyle/>
+                    <a:p>
+                      <a:pPr algn="l" fontAlgn="b"/>
+                      <a:r>
+                        <a:rPr lang="en-US" sz="1200" b="1" u="none" strike="noStrike" dirty="0" err="1">
+                          <a:effectLst/>
+                        </a:rPr>
+                        <a:t>studi</a:t>
+                      </a:r>
+                      <a:endParaRPr lang="en-US" sz="1200" b="1" i="0" u="none" strike="noStrike" dirty="0">
+                        <a:effectLst/>
+                        <a:latin typeface="Arial" panose="020B0604020202020204" pitchFamily="34" charset="0"/>
+                      </a:endParaRPr>
+                    </a:p>
+                  </a:txBody>
+                  <a:tcPr marL="27432" marR="27432" marT="9144" marB="9144" anchor="ctr"/>
+                </a:tc>
+                <a:tc>
+                  <a:txBody>
+                    <a:bodyPr/>
+                    <a:lstStyle/>
+                    <a:p>
+                      <a:pPr algn="l" fontAlgn="b"/>
+                      <a:r>
+                        <a:rPr lang="en-US" sz="1200" b="1" u="none" strike="noStrike" dirty="0" err="1">
+                          <a:effectLst/>
+                        </a:rPr>
+                        <a:t>pengarang</a:t>
+                      </a:r>
+                      <a:endParaRPr lang="en-US" sz="1200" b="1" i="0" u="none" strike="noStrike" dirty="0">
+                        <a:effectLst/>
+                        <a:latin typeface="Arial" panose="020B0604020202020204" pitchFamily="34" charset="0"/>
+                      </a:endParaRPr>
+                    </a:p>
+                  </a:txBody>
+                  <a:tcPr marL="27432" marR="27432" marT="9144" marB="9144" anchor="ctr"/>
+                </a:tc>
+                <a:tc>
+                  <a:txBody>
+                    <a:bodyPr/>
+                    <a:lstStyle/>
+                    <a:p>
+                      <a:pPr algn="l" fontAlgn="b"/>
+                      <a:r>
+                        <a:rPr lang="en-US" sz="1200" b="1" u="none" strike="noStrike" dirty="0" err="1">
+                          <a:effectLst/>
+                        </a:rPr>
+                        <a:t>tahun</a:t>
+                      </a:r>
+                      <a:endParaRPr lang="en-US" sz="1200" b="1" i="0" u="none" strike="noStrike" dirty="0">
+                        <a:effectLst/>
+                        <a:latin typeface="Arial" panose="020B0604020202020204" pitchFamily="34" charset="0"/>
+                      </a:endParaRPr>
+                    </a:p>
+                  </a:txBody>
+                  <a:tcPr marL="27432" marR="27432" marT="9144" marB="9144" anchor="ctr"/>
+                </a:tc>
+                <a:tc>
+                  <a:txBody>
+                    <a:bodyPr/>
+                    <a:lstStyle/>
+                    <a:p>
+                      <a:pPr algn="l" fontAlgn="b"/>
+                      <a:r>
+                        <a:rPr lang="en-US" sz="1200" b="1" u="none" strike="noStrike" dirty="0">
+                          <a:effectLst/>
+                        </a:rPr>
+                        <a:t>PAM</a:t>
+                      </a:r>
+                      <a:endParaRPr lang="en-US" sz="1200" b="1" i="0" u="none" strike="noStrike" dirty="0">
+                        <a:effectLst/>
+                        <a:latin typeface="Arial" panose="020B0604020202020204" pitchFamily="34" charset="0"/>
+                      </a:endParaRPr>
+                    </a:p>
+                  </a:txBody>
+                  <a:tcPr marL="27432" marR="27432" marT="9144" marB="9144" anchor="ctr"/>
+                </a:tc>
+                <a:tc>
+                  <a:txBody>
+                    <a:bodyPr/>
+                    <a:lstStyle/>
+                    <a:p>
+                      <a:pPr algn="l" fontAlgn="b"/>
+                      <a:r>
+                        <a:rPr lang="en-US" sz="1200" b="1" u="none" strike="noStrike" dirty="0">
+                          <a:effectLst/>
+                        </a:rPr>
+                        <a:t>Level (mg/Kg as fed)</a:t>
+                      </a:r>
+                      <a:endParaRPr lang="en-US" sz="1200" b="1" i="0" u="none" strike="noStrike" dirty="0">
+                        <a:effectLst/>
+                        <a:latin typeface="Arial" panose="020B0604020202020204" pitchFamily="34" charset="0"/>
+                      </a:endParaRPr>
+                    </a:p>
+                  </a:txBody>
+                  <a:tcPr marL="27432" marR="27432" marT="9144" marB="9144" anchor="ctr"/>
+                </a:tc>
+                <a:tc>
+                  <a:txBody>
+                    <a:bodyPr/>
+                    <a:lstStyle/>
+                    <a:p>
+                      <a:pPr algn="l" fontAlgn="b"/>
+                      <a:r>
+                        <a:rPr lang="en-US" sz="1200" b="1" u="none" strike="noStrike" dirty="0">
+                          <a:effectLst/>
+                        </a:rPr>
+                        <a:t>breed</a:t>
+                      </a:r>
+                      <a:endParaRPr lang="en-US" sz="1200" b="1" i="0" u="none" strike="noStrike" dirty="0">
+                        <a:effectLst/>
+                        <a:latin typeface="Arial" panose="020B0604020202020204" pitchFamily="34" charset="0"/>
+                      </a:endParaRPr>
+                    </a:p>
+                  </a:txBody>
+                  <a:tcPr marL="27432" marR="27432" marT="9144" marB="9144" anchor="ctr"/>
+                </a:tc>
+                <a:tc>
+                  <a:txBody>
+                    <a:bodyPr/>
+                    <a:lstStyle/>
+                    <a:p>
+                      <a:pPr algn="l" fontAlgn="b"/>
+                      <a:r>
+                        <a:rPr lang="en-US" sz="1200" b="1" u="none" strike="noStrike" dirty="0" err="1">
+                          <a:effectLst/>
+                        </a:rPr>
+                        <a:t>periode</a:t>
+                      </a:r>
+                      <a:r>
+                        <a:rPr lang="en-US" sz="1200" b="1" u="none" strike="noStrike" dirty="0">
+                          <a:effectLst/>
+                        </a:rPr>
+                        <a:t> starter</a:t>
+                      </a:r>
+                      <a:endParaRPr lang="en-US" sz="1200" b="1" i="0" u="none" strike="noStrike" dirty="0">
+                        <a:effectLst/>
+                        <a:latin typeface="Arial" panose="020B0604020202020204" pitchFamily="34" charset="0"/>
+                      </a:endParaRPr>
+                    </a:p>
+                  </a:txBody>
+                  <a:tcPr marL="27432" marR="27432" marT="9144" marB="9144" anchor="ctr"/>
+                </a:tc>
+                <a:tc>
+                  <a:txBody>
+                    <a:bodyPr/>
+                    <a:lstStyle/>
+                    <a:p>
+                      <a:pPr algn="l" fontAlgn="b"/>
+                      <a:r>
+                        <a:rPr lang="en-US" sz="1200" b="1" u="none" strike="noStrike">
+                          <a:effectLst/>
+                        </a:rPr>
+                        <a:t>periode finisher</a:t>
+                      </a:r>
+                      <a:endParaRPr lang="en-US" sz="1200" b="1" i="0" u="none" strike="noStrike">
+                        <a:effectLst/>
+                        <a:latin typeface="Arial" panose="020B0604020202020204" pitchFamily="34" charset="0"/>
+                      </a:endParaRPr>
+                    </a:p>
+                  </a:txBody>
+                  <a:tcPr marL="27432" marR="27432" marT="9144" marB="9144" anchor="ctr"/>
+                </a:tc>
+                <a:tc>
+                  <a:txBody>
+                    <a:bodyPr/>
+                    <a:lstStyle/>
+                    <a:p>
+                      <a:pPr algn="l" fontAlgn="b"/>
+                      <a:r>
+                        <a:rPr lang="en-US" sz="1200" b="1" u="none" strike="noStrike" dirty="0">
+                          <a:effectLst/>
+                        </a:rPr>
+                        <a:t>total </a:t>
+                      </a:r>
+                      <a:r>
+                        <a:rPr lang="en-US" sz="1200" b="1" u="none" strike="noStrike" dirty="0" err="1">
+                          <a:effectLst/>
+                        </a:rPr>
+                        <a:t>periode</a:t>
+                      </a:r>
+                      <a:endParaRPr lang="en-US" sz="1200" b="1" i="0" u="none" strike="noStrike" dirty="0">
+                        <a:effectLst/>
+                        <a:latin typeface="Arial" panose="020B0604020202020204" pitchFamily="34" charset="0"/>
+                      </a:endParaRPr>
+                    </a:p>
+                  </a:txBody>
+                  <a:tcPr marL="27432" marR="27432" marT="9144" marB="9144" anchor="ctr"/>
+                </a:tc>
+                <a:tc>
+                  <a:txBody>
+                    <a:bodyPr/>
+                    <a:lstStyle/>
+                    <a:p>
+                      <a:pPr algn="l" fontAlgn="b"/>
+                      <a:r>
+                        <a:rPr lang="en-US" sz="1200" b="1" u="none" strike="noStrike" dirty="0">
+                          <a:effectLst/>
+                        </a:rPr>
+                        <a:t>starter bb, Kg</a:t>
+                      </a:r>
+                      <a:endParaRPr lang="en-US" sz="1200" b="1" i="0" u="none" strike="noStrike" dirty="0">
+                        <a:effectLst/>
+                        <a:latin typeface="Arial" panose="020B0604020202020204" pitchFamily="34" charset="0"/>
+                      </a:endParaRPr>
+                    </a:p>
+                  </a:txBody>
+                  <a:tcPr marL="27432" marR="27432" marT="9144" marB="9144" anchor="ctr"/>
+                </a:tc>
+                <a:tc>
+                  <a:txBody>
+                    <a:bodyPr/>
+                    <a:lstStyle/>
+                    <a:p>
+                      <a:pPr algn="l" fontAlgn="b"/>
+                      <a:r>
+                        <a:rPr lang="en-US" sz="1200" b="1" u="none" strike="noStrike" dirty="0">
+                          <a:effectLst/>
+                        </a:rPr>
+                        <a:t>starter </a:t>
+                      </a:r>
+                      <a:r>
+                        <a:rPr lang="en-US" sz="1200" b="1" u="none" strike="noStrike" dirty="0" err="1">
+                          <a:effectLst/>
+                        </a:rPr>
+                        <a:t>pbbh</a:t>
+                      </a:r>
+                      <a:r>
+                        <a:rPr lang="en-US" sz="1200" b="1" u="none" strike="noStrike" dirty="0">
+                          <a:effectLst/>
+                        </a:rPr>
+                        <a:t>, g/</a:t>
+                      </a:r>
+                      <a:r>
+                        <a:rPr lang="en-US" sz="1200" b="1" u="none" strike="noStrike" dirty="0" err="1">
+                          <a:effectLst/>
+                        </a:rPr>
+                        <a:t>hari</a:t>
+                      </a:r>
+                      <a:endParaRPr lang="en-US" sz="1200" b="1" i="0" u="none" strike="noStrike" dirty="0">
+                        <a:effectLst/>
+                        <a:latin typeface="Arial" panose="020B0604020202020204" pitchFamily="34" charset="0"/>
+                      </a:endParaRPr>
+                    </a:p>
+                  </a:txBody>
+                  <a:tcPr marL="27432" marR="27432" marT="9144" marB="9144" anchor="ctr"/>
+                </a:tc>
+                <a:tc>
+                  <a:txBody>
+                    <a:bodyPr/>
+                    <a:lstStyle/>
+                    <a:p>
+                      <a:pPr algn="l" fontAlgn="b"/>
+                      <a:r>
+                        <a:rPr lang="en-US" sz="1200" b="1" u="none" strike="noStrike">
+                          <a:effectLst/>
+                        </a:rPr>
+                        <a:t>starter kph, g/hari</a:t>
+                      </a:r>
+                      <a:endParaRPr lang="en-US" sz="1200" b="1" i="0" u="none" strike="noStrike">
+                        <a:effectLst/>
+                        <a:latin typeface="Arial" panose="020B0604020202020204" pitchFamily="34" charset="0"/>
+                      </a:endParaRPr>
+                    </a:p>
+                  </a:txBody>
+                  <a:tcPr marL="27432" marR="27432" marT="9144" marB="9144" anchor="ctr"/>
+                </a:tc>
+                <a:tc>
+                  <a:txBody>
+                    <a:bodyPr/>
+                    <a:lstStyle/>
+                    <a:p>
+                      <a:pPr algn="l" fontAlgn="b"/>
+                      <a:r>
+                        <a:rPr lang="en-US" sz="1200" b="1" u="none" strike="noStrike" dirty="0">
+                          <a:effectLst/>
+                        </a:rPr>
+                        <a:t>starter </a:t>
+                      </a:r>
+                      <a:r>
+                        <a:rPr lang="en-US" sz="1200" b="1" u="none" strike="noStrike" dirty="0" err="1">
+                          <a:effectLst/>
+                        </a:rPr>
+                        <a:t>fcr</a:t>
+                      </a:r>
+                      <a:endParaRPr lang="en-US" sz="1200" b="1" i="0" u="none" strike="noStrike" dirty="0">
+                        <a:effectLst/>
+                        <a:latin typeface="Arial" panose="020B0604020202020204" pitchFamily="34" charset="0"/>
+                      </a:endParaRPr>
+                    </a:p>
+                  </a:txBody>
+                  <a:tcPr marL="27432" marR="27432" marT="9144" marB="9144" anchor="ctr"/>
+                </a:tc>
+                <a:extLst>
+                  <a:ext uri="{0D108BD9-81ED-4DB2-BD59-A6C34878D82A}">
+                    <a16:rowId xmlns:a16="http://schemas.microsoft.com/office/drawing/2014/main" val="1193450864"/>
+                  </a:ext>
+                </a:extLst>
+              </a:tr>
+              <a:tr h="370840">
+                <a:tc>
+                  <a:txBody>
+                    <a:bodyPr/>
+                    <a:lstStyle/>
+                    <a:p>
+                      <a:pPr algn="l" fontAlgn="b"/>
+                      <a:r>
+                        <a:rPr lang="en-US" sz="1200" b="0" u="none" strike="noStrike" dirty="0">
+                          <a:effectLst/>
+                        </a:rPr>
+                        <a:t>1</a:t>
+                      </a:r>
+                      <a:endParaRPr lang="en-US" sz="1200" b="0" i="0" u="none" strike="noStrike" dirty="0">
+                        <a:effectLst/>
+                        <a:latin typeface="Arial" panose="020B0604020202020204" pitchFamily="34" charset="0"/>
+                      </a:endParaRPr>
+                    </a:p>
+                  </a:txBody>
+                  <a:tcPr marL="27432" marR="27432" marT="9144" marB="9144" anchor="ctr"/>
+                </a:tc>
+                <a:tc>
+                  <a:txBody>
+                    <a:bodyPr/>
+                    <a:lstStyle/>
+                    <a:p>
+                      <a:pPr algn="l" fontAlgn="b"/>
+                      <a:r>
+                        <a:rPr lang="en-US" sz="1200" b="0" u="none" strike="noStrike" dirty="0">
+                          <a:effectLst/>
+                        </a:rPr>
+                        <a:t>Choi et al.</a:t>
+                      </a:r>
+                      <a:endParaRPr lang="en-US" sz="1200" b="0" i="0" u="none" strike="noStrike" dirty="0">
+                        <a:effectLst/>
+                        <a:latin typeface="Arial" panose="020B0604020202020204" pitchFamily="34" charset="0"/>
+                      </a:endParaRPr>
+                    </a:p>
+                  </a:txBody>
+                  <a:tcPr marL="27432" marR="27432" marT="9144" marB="9144" anchor="ctr"/>
+                </a:tc>
+                <a:tc>
+                  <a:txBody>
+                    <a:bodyPr/>
+                    <a:lstStyle/>
+                    <a:p>
+                      <a:pPr algn="r" fontAlgn="b"/>
+                      <a:r>
+                        <a:rPr lang="en-US" sz="1200" b="0" u="none" strike="noStrike" dirty="0">
+                          <a:effectLst/>
+                        </a:rPr>
+                        <a:t>2013</a:t>
+                      </a:r>
+                      <a:endParaRPr lang="en-US" sz="1200" b="0" i="0" u="none" strike="noStrike" dirty="0">
+                        <a:effectLst/>
+                        <a:latin typeface="Arial" panose="020B0604020202020204" pitchFamily="34" charset="0"/>
+                      </a:endParaRPr>
+                    </a:p>
+                  </a:txBody>
+                  <a:tcPr marL="27432" marR="27432" marT="9144" marB="9144" anchor="ctr"/>
+                </a:tc>
+                <a:tc>
+                  <a:txBody>
+                    <a:bodyPr/>
+                    <a:lstStyle/>
+                    <a:p>
+                      <a:pPr algn="l" fontAlgn="b"/>
+                      <a:r>
+                        <a:rPr lang="en-US" sz="1200" b="0" u="none" strike="noStrike">
+                          <a:effectLst/>
+                        </a:rPr>
+                        <a:t>Kontrol</a:t>
+                      </a:r>
+                      <a:endParaRPr lang="en-US" sz="1200" b="0" i="0" u="none" strike="noStrike">
+                        <a:effectLst/>
+                        <a:latin typeface="Arial" panose="020B0604020202020204" pitchFamily="34" charset="0"/>
+                      </a:endParaRPr>
+                    </a:p>
+                  </a:txBody>
+                  <a:tcPr marL="27432" marR="27432" marT="9144" marB="9144" anchor="ctr"/>
+                </a:tc>
+                <a:tc>
+                  <a:txBody>
+                    <a:bodyPr/>
+                    <a:lstStyle/>
+                    <a:p>
+                      <a:pPr algn="r" fontAlgn="b"/>
+                      <a:r>
+                        <a:rPr lang="en-US" sz="1200" b="0" u="none" strike="noStrike" dirty="0">
+                          <a:effectLst/>
+                        </a:rPr>
+                        <a:t>0.0000</a:t>
+                      </a:r>
+                      <a:endParaRPr lang="en-US" sz="1200" b="0" i="0" u="none" strike="noStrike" dirty="0">
+                        <a:effectLst/>
+                        <a:latin typeface="Arial" panose="020B0604020202020204" pitchFamily="34" charset="0"/>
+                      </a:endParaRPr>
+                    </a:p>
+                  </a:txBody>
+                  <a:tcPr marL="27432" marR="27432" marT="9144" marB="9144" anchor="ctr"/>
+                </a:tc>
+                <a:tc>
+                  <a:txBody>
+                    <a:bodyPr/>
+                    <a:lstStyle/>
+                    <a:p>
+                      <a:pPr algn="l" fontAlgn="b"/>
+                      <a:r>
+                        <a:rPr lang="en-US" sz="1200" b="0" u="none" strike="noStrike">
+                          <a:effectLst/>
+                        </a:rPr>
+                        <a:t>ROSS 308</a:t>
+                      </a:r>
+                      <a:endParaRPr lang="en-US" sz="1200" b="0" i="0" u="none" strike="noStrike">
+                        <a:effectLst/>
+                        <a:latin typeface="Arial" panose="020B0604020202020204" pitchFamily="34" charset="0"/>
+                      </a:endParaRPr>
+                    </a:p>
+                  </a:txBody>
+                  <a:tcPr marL="27432" marR="27432" marT="9144" marB="9144" anchor="ctr"/>
+                </a:tc>
+                <a:tc>
+                  <a:txBody>
+                    <a:bodyPr/>
+                    <a:lstStyle/>
+                    <a:p>
+                      <a:pPr algn="l" fontAlgn="b"/>
+                      <a:r>
+                        <a:rPr lang="en-US" sz="1200" b="0" u="none" strike="noStrike">
+                          <a:effectLst/>
+                        </a:rPr>
+                        <a:t>1-21</a:t>
+                      </a:r>
+                      <a:endParaRPr lang="en-US" sz="1200" b="0" i="0" u="none" strike="noStrike">
+                        <a:effectLst/>
+                        <a:latin typeface="Arial" panose="020B0604020202020204" pitchFamily="34" charset="0"/>
+                      </a:endParaRPr>
+                    </a:p>
+                  </a:txBody>
+                  <a:tcPr marL="27432" marR="27432" marT="9144" marB="9144" anchor="ctr"/>
+                </a:tc>
+                <a:tc>
+                  <a:txBody>
+                    <a:bodyPr/>
+                    <a:lstStyle/>
+                    <a:p>
+                      <a:pPr algn="l" fontAlgn="b"/>
+                      <a:r>
+                        <a:rPr lang="en-US" sz="1200" b="0" u="none" strike="noStrike" dirty="0">
+                          <a:effectLst/>
+                        </a:rPr>
+                        <a:t>22-35</a:t>
+                      </a:r>
+                      <a:endParaRPr lang="en-US" sz="1200" b="0" i="0" u="none" strike="noStrike" dirty="0">
+                        <a:effectLst/>
+                        <a:latin typeface="Arial" panose="020B0604020202020204" pitchFamily="34" charset="0"/>
+                      </a:endParaRPr>
+                    </a:p>
+                  </a:txBody>
+                  <a:tcPr marL="27432" marR="27432" marT="9144" marB="9144" anchor="ctr"/>
+                </a:tc>
+                <a:tc>
+                  <a:txBody>
+                    <a:bodyPr/>
+                    <a:lstStyle/>
+                    <a:p>
+                      <a:pPr algn="l" fontAlgn="b"/>
+                      <a:r>
+                        <a:rPr lang="en-US" sz="1200" b="0" u="none" strike="noStrike" dirty="0">
+                          <a:effectLst/>
+                        </a:rPr>
+                        <a:t>1-35</a:t>
+                      </a:r>
+                      <a:endParaRPr lang="en-US" sz="1200" b="0" i="0" u="none" strike="noStrike" dirty="0">
+                        <a:effectLst/>
+                        <a:latin typeface="Arial" panose="020B0604020202020204" pitchFamily="34" charset="0"/>
+                      </a:endParaRPr>
+                    </a:p>
+                  </a:txBody>
+                  <a:tcPr marL="27432" marR="27432" marT="9144" marB="9144" anchor="ctr"/>
+                </a:tc>
+                <a:tc>
+                  <a:txBody>
+                    <a:bodyPr/>
+                    <a:lstStyle/>
+                    <a:p>
+                      <a:pPr algn="r" fontAlgn="b"/>
+                      <a:r>
+                        <a:rPr lang="en-US" sz="1200" b="0" u="none" strike="noStrike" dirty="0">
+                          <a:effectLst/>
+                        </a:rPr>
+                        <a:t>737.0000</a:t>
+                      </a:r>
+                      <a:endParaRPr lang="en-US" sz="1200" b="0" i="0" u="none" strike="noStrike" dirty="0">
+                        <a:effectLst/>
+                        <a:latin typeface="Arial" panose="020B0604020202020204" pitchFamily="34" charset="0"/>
+                      </a:endParaRPr>
+                    </a:p>
+                  </a:txBody>
+                  <a:tcPr marL="27432" marR="27432" marT="9144" marB="9144" anchor="ctr"/>
+                </a:tc>
+                <a:tc>
+                  <a:txBody>
+                    <a:bodyPr/>
+                    <a:lstStyle/>
+                    <a:p>
+                      <a:pPr algn="r" fontAlgn="b"/>
+                      <a:r>
+                        <a:rPr lang="en-US" sz="1200" b="0" u="none" strike="noStrike" dirty="0">
+                          <a:effectLst/>
+                        </a:rPr>
+                        <a:t>33.0000</a:t>
+                      </a:r>
+                      <a:endParaRPr lang="en-US" sz="1200" b="0" i="0" u="none" strike="noStrike" dirty="0">
+                        <a:effectLst/>
+                        <a:latin typeface="Arial" panose="020B0604020202020204" pitchFamily="34" charset="0"/>
+                      </a:endParaRPr>
+                    </a:p>
+                  </a:txBody>
+                  <a:tcPr marL="27432" marR="27432" marT="9144" marB="9144" anchor="ctr"/>
+                </a:tc>
+                <a:tc>
+                  <a:txBody>
+                    <a:bodyPr/>
+                    <a:lstStyle/>
+                    <a:p>
+                      <a:pPr algn="r" fontAlgn="b"/>
+                      <a:r>
+                        <a:rPr lang="en-US" sz="1200" b="0" u="none" strike="noStrike" dirty="0">
+                          <a:effectLst/>
+                        </a:rPr>
+                        <a:t>53.0500</a:t>
+                      </a:r>
+                      <a:endParaRPr lang="en-US" sz="1200" b="0" i="0" u="none" strike="noStrike" dirty="0">
+                        <a:effectLst/>
+                        <a:latin typeface="Arial" panose="020B0604020202020204" pitchFamily="34" charset="0"/>
+                      </a:endParaRPr>
+                    </a:p>
+                  </a:txBody>
+                  <a:tcPr marL="27432" marR="27432" marT="9144" marB="9144" anchor="ctr"/>
+                </a:tc>
+                <a:tc>
+                  <a:txBody>
+                    <a:bodyPr/>
+                    <a:lstStyle/>
+                    <a:p>
+                      <a:pPr algn="r" fontAlgn="b"/>
+                      <a:r>
+                        <a:rPr lang="en-US" sz="1200" b="0" u="none" strike="noStrike" dirty="0">
+                          <a:effectLst/>
+                        </a:rPr>
+                        <a:t>1.6100</a:t>
+                      </a:r>
+                      <a:endParaRPr lang="en-US" sz="1200" b="0" i="0" u="none" strike="noStrike" dirty="0">
+                        <a:effectLst/>
+                        <a:latin typeface="Arial" panose="020B0604020202020204" pitchFamily="34" charset="0"/>
+                      </a:endParaRPr>
+                    </a:p>
+                  </a:txBody>
+                  <a:tcPr marL="27432" marR="27432" marT="9144" marB="9144" anchor="ctr"/>
+                </a:tc>
+                <a:extLst>
+                  <a:ext uri="{0D108BD9-81ED-4DB2-BD59-A6C34878D82A}">
+                    <a16:rowId xmlns:a16="http://schemas.microsoft.com/office/drawing/2014/main" val="2495598578"/>
+                  </a:ext>
+                </a:extLst>
+              </a:tr>
+              <a:tr h="370840">
+                <a:tc>
+                  <a:txBody>
+                    <a:bodyPr/>
+                    <a:lstStyle/>
+                    <a:p>
+                      <a:pPr algn="l" fontAlgn="b"/>
+                      <a:r>
+                        <a:rPr lang="en-US" sz="1200" b="0" u="none" strike="noStrike">
+                          <a:effectLst/>
+                        </a:rPr>
+                        <a:t>1</a:t>
+                      </a:r>
+                      <a:endParaRPr lang="en-US" sz="1200" b="0" i="0" u="none" strike="noStrike">
+                        <a:effectLst/>
+                        <a:latin typeface="Arial" panose="020B0604020202020204" pitchFamily="34" charset="0"/>
+                      </a:endParaRPr>
+                    </a:p>
+                  </a:txBody>
+                  <a:tcPr marL="27432" marR="27432" marT="9144" marB="9144" anchor="ctr"/>
+                </a:tc>
+                <a:tc>
+                  <a:txBody>
+                    <a:bodyPr/>
+                    <a:lstStyle/>
+                    <a:p>
+                      <a:pPr algn="l" fontAlgn="b"/>
+                      <a:r>
+                        <a:rPr lang="en-US" sz="1200" b="0" u="none" strike="noStrike">
+                          <a:effectLst/>
+                        </a:rPr>
+                        <a:t>Choi et al.</a:t>
+                      </a:r>
+                      <a:endParaRPr lang="en-US" sz="1200" b="0" i="0" u="none" strike="noStrike">
+                        <a:effectLst/>
+                        <a:latin typeface="Arial" panose="020B0604020202020204" pitchFamily="34" charset="0"/>
+                      </a:endParaRPr>
+                    </a:p>
+                  </a:txBody>
+                  <a:tcPr marL="27432" marR="27432" marT="9144" marB="9144" anchor="ctr"/>
+                </a:tc>
+                <a:tc>
+                  <a:txBody>
+                    <a:bodyPr/>
+                    <a:lstStyle/>
+                    <a:p>
+                      <a:pPr algn="r" fontAlgn="b"/>
+                      <a:r>
+                        <a:rPr lang="en-US" sz="1200" b="0" u="none" strike="noStrike">
+                          <a:effectLst/>
+                        </a:rPr>
+                        <a:t>2013</a:t>
+                      </a:r>
+                      <a:endParaRPr lang="en-US" sz="1200" b="0" i="0" u="none" strike="noStrike">
+                        <a:effectLst/>
+                        <a:latin typeface="Arial" panose="020B0604020202020204" pitchFamily="34" charset="0"/>
+                      </a:endParaRPr>
+                    </a:p>
+                  </a:txBody>
+                  <a:tcPr marL="27432" marR="27432" marT="9144" marB="9144" anchor="ctr"/>
+                </a:tc>
+                <a:tc>
+                  <a:txBody>
+                    <a:bodyPr/>
+                    <a:lstStyle/>
+                    <a:p>
+                      <a:pPr algn="l" fontAlgn="b"/>
+                      <a:r>
+                        <a:rPr lang="en-US" sz="1200" b="0" u="none" strike="noStrike">
+                          <a:effectLst/>
+                        </a:rPr>
+                        <a:t>PAM A3</a:t>
+                      </a:r>
+                      <a:endParaRPr lang="en-US" sz="1200" b="0" i="0" u="none" strike="noStrike">
+                        <a:effectLst/>
+                        <a:latin typeface="Arial" panose="020B0604020202020204" pitchFamily="34" charset="0"/>
+                      </a:endParaRPr>
+                    </a:p>
+                  </a:txBody>
+                  <a:tcPr marL="27432" marR="27432" marT="9144" marB="9144" anchor="ctr"/>
+                </a:tc>
+                <a:tc>
+                  <a:txBody>
+                    <a:bodyPr/>
+                    <a:lstStyle/>
+                    <a:p>
+                      <a:pPr algn="r" fontAlgn="b"/>
+                      <a:r>
+                        <a:rPr lang="en-US" sz="1200" b="0" u="none" strike="noStrike" dirty="0">
+                          <a:effectLst/>
+                        </a:rPr>
+                        <a:t>60.0000</a:t>
+                      </a:r>
+                      <a:endParaRPr lang="en-US" sz="1200" b="0" i="0" u="none" strike="noStrike" dirty="0">
+                        <a:effectLst/>
+                        <a:latin typeface="Arial" panose="020B0604020202020204" pitchFamily="34" charset="0"/>
+                      </a:endParaRPr>
+                    </a:p>
+                  </a:txBody>
+                  <a:tcPr marL="27432" marR="27432" marT="9144" marB="9144" anchor="ctr"/>
+                </a:tc>
+                <a:tc>
+                  <a:txBody>
+                    <a:bodyPr/>
+                    <a:lstStyle/>
+                    <a:p>
+                      <a:pPr algn="l" fontAlgn="b"/>
+                      <a:r>
+                        <a:rPr lang="en-US" sz="1200" b="0" u="none" strike="noStrike">
+                          <a:effectLst/>
+                        </a:rPr>
+                        <a:t>ROSS 308</a:t>
+                      </a:r>
+                      <a:endParaRPr lang="en-US" sz="1200" b="0" i="0" u="none" strike="noStrike">
+                        <a:effectLst/>
+                        <a:latin typeface="Arial" panose="020B0604020202020204" pitchFamily="34" charset="0"/>
+                      </a:endParaRPr>
+                    </a:p>
+                  </a:txBody>
+                  <a:tcPr marL="27432" marR="27432" marT="9144" marB="9144" anchor="ctr"/>
+                </a:tc>
+                <a:tc>
+                  <a:txBody>
+                    <a:bodyPr/>
+                    <a:lstStyle/>
+                    <a:p>
+                      <a:pPr algn="l" fontAlgn="b"/>
+                      <a:r>
+                        <a:rPr lang="en-US" sz="1200" b="0" u="none" strike="noStrike">
+                          <a:effectLst/>
+                        </a:rPr>
+                        <a:t>1-21</a:t>
+                      </a:r>
+                      <a:endParaRPr lang="en-US" sz="1200" b="0" i="0" u="none" strike="noStrike">
+                        <a:effectLst/>
+                        <a:latin typeface="Arial" panose="020B0604020202020204" pitchFamily="34" charset="0"/>
+                      </a:endParaRPr>
+                    </a:p>
+                  </a:txBody>
+                  <a:tcPr marL="27432" marR="27432" marT="9144" marB="9144" anchor="ctr"/>
+                </a:tc>
+                <a:tc>
+                  <a:txBody>
+                    <a:bodyPr/>
+                    <a:lstStyle/>
+                    <a:p>
+                      <a:pPr algn="l" fontAlgn="b"/>
+                      <a:r>
+                        <a:rPr lang="en-US" sz="1200" b="0" u="none" strike="noStrike">
+                          <a:effectLst/>
+                        </a:rPr>
+                        <a:t>22-35</a:t>
+                      </a:r>
+                      <a:endParaRPr lang="en-US" sz="1200" b="0" i="0" u="none" strike="noStrike">
+                        <a:effectLst/>
+                        <a:latin typeface="Arial" panose="020B0604020202020204" pitchFamily="34" charset="0"/>
+                      </a:endParaRPr>
+                    </a:p>
+                  </a:txBody>
+                  <a:tcPr marL="27432" marR="27432" marT="9144" marB="9144" anchor="ctr"/>
+                </a:tc>
+                <a:tc>
+                  <a:txBody>
+                    <a:bodyPr/>
+                    <a:lstStyle/>
+                    <a:p>
+                      <a:pPr algn="l" fontAlgn="b"/>
+                      <a:r>
+                        <a:rPr lang="en-US" sz="1200" b="0" u="none" strike="noStrike">
+                          <a:effectLst/>
+                        </a:rPr>
+                        <a:t>1-35</a:t>
+                      </a:r>
+                      <a:endParaRPr lang="en-US" sz="1200" b="0" i="0" u="none" strike="noStrike">
+                        <a:effectLst/>
+                        <a:latin typeface="Arial" panose="020B0604020202020204" pitchFamily="34" charset="0"/>
+                      </a:endParaRPr>
+                    </a:p>
+                  </a:txBody>
+                  <a:tcPr marL="27432" marR="27432" marT="9144" marB="9144" anchor="ctr"/>
+                </a:tc>
+                <a:tc>
+                  <a:txBody>
+                    <a:bodyPr/>
+                    <a:lstStyle/>
+                    <a:p>
+                      <a:pPr algn="r" fontAlgn="b"/>
+                      <a:r>
+                        <a:rPr lang="en-US" sz="1200" b="0" u="none" strike="noStrike">
+                          <a:effectLst/>
+                        </a:rPr>
+                        <a:t>747.9200</a:t>
+                      </a:r>
+                      <a:endParaRPr lang="en-US" sz="1200" b="0" i="0" u="none" strike="noStrike">
+                        <a:effectLst/>
+                        <a:latin typeface="Arial" panose="020B0604020202020204" pitchFamily="34" charset="0"/>
+                      </a:endParaRPr>
+                    </a:p>
+                  </a:txBody>
+                  <a:tcPr marL="27432" marR="27432" marT="9144" marB="9144" anchor="ctr"/>
+                </a:tc>
+                <a:tc>
+                  <a:txBody>
+                    <a:bodyPr/>
+                    <a:lstStyle/>
+                    <a:p>
+                      <a:pPr algn="r" fontAlgn="b"/>
+                      <a:r>
+                        <a:rPr lang="en-US" sz="1200" b="0" u="none" strike="noStrike" dirty="0">
+                          <a:effectLst/>
+                        </a:rPr>
+                        <a:t>33.5200</a:t>
+                      </a:r>
+                      <a:endParaRPr lang="en-US" sz="1200" b="0" i="0" u="none" strike="noStrike" dirty="0">
+                        <a:effectLst/>
+                        <a:latin typeface="Arial" panose="020B0604020202020204" pitchFamily="34" charset="0"/>
+                      </a:endParaRPr>
+                    </a:p>
+                  </a:txBody>
+                  <a:tcPr marL="27432" marR="27432" marT="9144" marB="9144" anchor="ctr"/>
+                </a:tc>
+                <a:tc>
+                  <a:txBody>
+                    <a:bodyPr/>
+                    <a:lstStyle/>
+                    <a:p>
+                      <a:pPr algn="r" fontAlgn="b"/>
+                      <a:r>
+                        <a:rPr lang="en-US" sz="1200" b="0" u="none" strike="noStrike" dirty="0">
+                          <a:effectLst/>
+                        </a:rPr>
+                        <a:t>53.4800</a:t>
+                      </a:r>
+                      <a:endParaRPr lang="en-US" sz="1200" b="0" i="0" u="none" strike="noStrike" dirty="0">
+                        <a:effectLst/>
+                        <a:latin typeface="Arial" panose="020B0604020202020204" pitchFamily="34" charset="0"/>
+                      </a:endParaRPr>
+                    </a:p>
+                  </a:txBody>
+                  <a:tcPr marL="27432" marR="27432" marT="9144" marB="9144" anchor="ctr"/>
+                </a:tc>
+                <a:tc>
+                  <a:txBody>
+                    <a:bodyPr/>
+                    <a:lstStyle/>
+                    <a:p>
+                      <a:pPr algn="r" fontAlgn="b"/>
+                      <a:r>
+                        <a:rPr lang="en-US" sz="1200" b="0" u="none" strike="noStrike">
+                          <a:effectLst/>
+                        </a:rPr>
+                        <a:t>1.6000</a:t>
+                      </a:r>
+                      <a:endParaRPr lang="en-US" sz="1200" b="0" i="0" u="none" strike="noStrike">
+                        <a:effectLst/>
+                        <a:latin typeface="Arial" panose="020B0604020202020204" pitchFamily="34" charset="0"/>
+                      </a:endParaRPr>
+                    </a:p>
+                  </a:txBody>
+                  <a:tcPr marL="27432" marR="27432" marT="9144" marB="9144" anchor="ctr"/>
+                </a:tc>
+                <a:extLst>
+                  <a:ext uri="{0D108BD9-81ED-4DB2-BD59-A6C34878D82A}">
+                    <a16:rowId xmlns:a16="http://schemas.microsoft.com/office/drawing/2014/main" val="586262381"/>
+                  </a:ext>
+                </a:extLst>
+              </a:tr>
+              <a:tr h="370840">
+                <a:tc>
+                  <a:txBody>
+                    <a:bodyPr/>
+                    <a:lstStyle/>
+                    <a:p>
+                      <a:pPr algn="l" fontAlgn="b"/>
+                      <a:r>
+                        <a:rPr lang="en-US" sz="1200" b="0" u="none" strike="noStrike">
+                          <a:effectLst/>
+                        </a:rPr>
+                        <a:t>1</a:t>
+                      </a:r>
+                      <a:endParaRPr lang="en-US" sz="1200" b="0" i="0" u="none" strike="noStrike">
+                        <a:effectLst/>
+                        <a:latin typeface="Arial" panose="020B0604020202020204" pitchFamily="34" charset="0"/>
+                      </a:endParaRPr>
+                    </a:p>
+                  </a:txBody>
+                  <a:tcPr marL="27432" marR="27432" marT="9144" marB="9144" anchor="ctr"/>
+                </a:tc>
+                <a:tc>
+                  <a:txBody>
+                    <a:bodyPr/>
+                    <a:lstStyle/>
+                    <a:p>
+                      <a:pPr algn="l" fontAlgn="b"/>
+                      <a:r>
+                        <a:rPr lang="en-US" sz="1200" b="0" u="none" strike="noStrike">
+                          <a:effectLst/>
+                        </a:rPr>
+                        <a:t>Choi et al.</a:t>
+                      </a:r>
+                      <a:endParaRPr lang="en-US" sz="1200" b="0" i="0" u="none" strike="noStrike">
+                        <a:effectLst/>
+                        <a:latin typeface="Arial" panose="020B0604020202020204" pitchFamily="34" charset="0"/>
+                      </a:endParaRPr>
+                    </a:p>
+                  </a:txBody>
+                  <a:tcPr marL="27432" marR="27432" marT="9144" marB="9144" anchor="ctr"/>
+                </a:tc>
+                <a:tc>
+                  <a:txBody>
+                    <a:bodyPr/>
+                    <a:lstStyle/>
+                    <a:p>
+                      <a:pPr algn="r" fontAlgn="b"/>
+                      <a:r>
+                        <a:rPr lang="en-US" sz="1200" b="0" u="none" strike="noStrike">
+                          <a:effectLst/>
+                        </a:rPr>
+                        <a:t>2013</a:t>
+                      </a:r>
+                      <a:endParaRPr lang="en-US" sz="1200" b="0" i="0" u="none" strike="noStrike">
+                        <a:effectLst/>
+                        <a:latin typeface="Arial" panose="020B0604020202020204" pitchFamily="34" charset="0"/>
+                      </a:endParaRPr>
+                    </a:p>
+                  </a:txBody>
+                  <a:tcPr marL="27432" marR="27432" marT="9144" marB="9144" anchor="ctr"/>
+                </a:tc>
+                <a:tc>
+                  <a:txBody>
+                    <a:bodyPr/>
+                    <a:lstStyle/>
+                    <a:p>
+                      <a:pPr algn="l" fontAlgn="b"/>
+                      <a:r>
+                        <a:rPr lang="en-US" sz="1200" b="0" u="none" strike="noStrike" dirty="0">
+                          <a:effectLst/>
+                        </a:rPr>
+                        <a:t>PAM A3</a:t>
+                      </a:r>
+                      <a:endParaRPr lang="en-US" sz="1200" b="0" i="0" u="none" strike="noStrike" dirty="0">
+                        <a:effectLst/>
+                        <a:latin typeface="Arial" panose="020B0604020202020204" pitchFamily="34" charset="0"/>
+                      </a:endParaRPr>
+                    </a:p>
+                  </a:txBody>
+                  <a:tcPr marL="27432" marR="27432" marT="9144" marB="9144" anchor="ctr"/>
+                </a:tc>
+                <a:tc>
+                  <a:txBody>
+                    <a:bodyPr/>
+                    <a:lstStyle/>
+                    <a:p>
+                      <a:pPr algn="r" fontAlgn="b"/>
+                      <a:r>
+                        <a:rPr lang="en-US" sz="1200" b="0" u="none" strike="noStrike">
+                          <a:effectLst/>
+                        </a:rPr>
+                        <a:t>90.0000</a:t>
+                      </a:r>
+                      <a:endParaRPr lang="en-US" sz="1200" b="0" i="0" u="none" strike="noStrike">
+                        <a:effectLst/>
+                        <a:latin typeface="Arial" panose="020B0604020202020204" pitchFamily="34" charset="0"/>
+                      </a:endParaRPr>
+                    </a:p>
+                  </a:txBody>
+                  <a:tcPr marL="27432" marR="27432" marT="9144" marB="9144" anchor="ctr"/>
+                </a:tc>
+                <a:tc>
+                  <a:txBody>
+                    <a:bodyPr/>
+                    <a:lstStyle/>
+                    <a:p>
+                      <a:pPr algn="l" fontAlgn="b"/>
+                      <a:r>
+                        <a:rPr lang="en-US" sz="1200" b="0" u="none" strike="noStrike">
+                          <a:effectLst/>
+                        </a:rPr>
+                        <a:t>ROSS 308</a:t>
+                      </a:r>
+                      <a:endParaRPr lang="en-US" sz="1200" b="0" i="0" u="none" strike="noStrike">
+                        <a:effectLst/>
+                        <a:latin typeface="Arial" panose="020B0604020202020204" pitchFamily="34" charset="0"/>
+                      </a:endParaRPr>
+                    </a:p>
+                  </a:txBody>
+                  <a:tcPr marL="27432" marR="27432" marT="9144" marB="9144" anchor="ctr"/>
+                </a:tc>
+                <a:tc>
+                  <a:txBody>
+                    <a:bodyPr/>
+                    <a:lstStyle/>
+                    <a:p>
+                      <a:pPr algn="l" fontAlgn="b"/>
+                      <a:r>
+                        <a:rPr lang="en-US" sz="1200" b="0" u="none" strike="noStrike">
+                          <a:effectLst/>
+                        </a:rPr>
+                        <a:t>1-21</a:t>
+                      </a:r>
+                      <a:endParaRPr lang="en-US" sz="1200" b="0" i="0" u="none" strike="noStrike">
+                        <a:effectLst/>
+                        <a:latin typeface="Arial" panose="020B0604020202020204" pitchFamily="34" charset="0"/>
+                      </a:endParaRPr>
+                    </a:p>
+                  </a:txBody>
+                  <a:tcPr marL="27432" marR="27432" marT="9144" marB="9144" anchor="ctr"/>
+                </a:tc>
+                <a:tc>
+                  <a:txBody>
+                    <a:bodyPr/>
+                    <a:lstStyle/>
+                    <a:p>
+                      <a:pPr algn="l" fontAlgn="b"/>
+                      <a:r>
+                        <a:rPr lang="en-US" sz="1200" b="0" u="none" strike="noStrike">
+                          <a:effectLst/>
+                        </a:rPr>
+                        <a:t>22-35</a:t>
+                      </a:r>
+                      <a:endParaRPr lang="en-US" sz="1200" b="0" i="0" u="none" strike="noStrike">
+                        <a:effectLst/>
+                        <a:latin typeface="Arial" panose="020B0604020202020204" pitchFamily="34" charset="0"/>
+                      </a:endParaRPr>
+                    </a:p>
+                  </a:txBody>
+                  <a:tcPr marL="27432" marR="27432" marT="9144" marB="9144" anchor="ctr"/>
+                </a:tc>
+                <a:tc>
+                  <a:txBody>
+                    <a:bodyPr/>
+                    <a:lstStyle/>
+                    <a:p>
+                      <a:pPr algn="l" fontAlgn="b"/>
+                      <a:r>
+                        <a:rPr lang="en-US" sz="1200" b="0" u="none" strike="noStrike">
+                          <a:effectLst/>
+                        </a:rPr>
+                        <a:t>1-35</a:t>
+                      </a:r>
+                      <a:endParaRPr lang="en-US" sz="1200" b="0" i="0" u="none" strike="noStrike">
+                        <a:effectLst/>
+                        <a:latin typeface="Arial" panose="020B0604020202020204" pitchFamily="34" charset="0"/>
+                      </a:endParaRPr>
+                    </a:p>
+                  </a:txBody>
+                  <a:tcPr marL="27432" marR="27432" marT="9144" marB="9144" anchor="ctr"/>
+                </a:tc>
+                <a:tc>
+                  <a:txBody>
+                    <a:bodyPr/>
+                    <a:lstStyle/>
+                    <a:p>
+                      <a:pPr algn="r" fontAlgn="b"/>
+                      <a:r>
+                        <a:rPr lang="en-US" sz="1200" b="0" u="none" strike="noStrike">
+                          <a:effectLst/>
+                        </a:rPr>
+                        <a:t>765.9800</a:t>
+                      </a:r>
+                      <a:endParaRPr lang="en-US" sz="1200" b="0" i="0" u="none" strike="noStrike">
+                        <a:effectLst/>
+                        <a:latin typeface="Arial" panose="020B0604020202020204" pitchFamily="34" charset="0"/>
+                      </a:endParaRPr>
+                    </a:p>
+                  </a:txBody>
+                  <a:tcPr marL="27432" marR="27432" marT="9144" marB="9144" anchor="ctr"/>
+                </a:tc>
+                <a:tc>
+                  <a:txBody>
+                    <a:bodyPr/>
+                    <a:lstStyle/>
+                    <a:p>
+                      <a:pPr algn="r" fontAlgn="b"/>
+                      <a:r>
+                        <a:rPr lang="en-US" sz="1200" b="0" u="none" strike="noStrike">
+                          <a:effectLst/>
+                        </a:rPr>
+                        <a:t>34.3800</a:t>
+                      </a:r>
+                      <a:endParaRPr lang="en-US" sz="1200" b="0" i="0" u="none" strike="noStrike">
+                        <a:effectLst/>
+                        <a:latin typeface="Arial" panose="020B0604020202020204" pitchFamily="34" charset="0"/>
+                      </a:endParaRPr>
+                    </a:p>
+                  </a:txBody>
+                  <a:tcPr marL="27432" marR="27432" marT="9144" marB="9144" anchor="ctr"/>
+                </a:tc>
+                <a:tc>
+                  <a:txBody>
+                    <a:bodyPr/>
+                    <a:lstStyle/>
+                    <a:p>
+                      <a:pPr algn="r" fontAlgn="b"/>
+                      <a:r>
+                        <a:rPr lang="en-US" sz="1200" b="0" u="none" strike="noStrike">
+                          <a:effectLst/>
+                        </a:rPr>
+                        <a:t>54.1000</a:t>
+                      </a:r>
+                      <a:endParaRPr lang="en-US" sz="1200" b="0" i="0" u="none" strike="noStrike">
+                        <a:effectLst/>
+                        <a:latin typeface="Arial" panose="020B0604020202020204" pitchFamily="34" charset="0"/>
+                      </a:endParaRPr>
+                    </a:p>
+                  </a:txBody>
+                  <a:tcPr marL="27432" marR="27432" marT="9144" marB="9144" anchor="ctr"/>
+                </a:tc>
+                <a:tc>
+                  <a:txBody>
+                    <a:bodyPr/>
+                    <a:lstStyle/>
+                    <a:p>
+                      <a:pPr algn="r" fontAlgn="b"/>
+                      <a:r>
+                        <a:rPr lang="en-US" sz="1200" b="0" u="none" strike="noStrike">
+                          <a:effectLst/>
+                        </a:rPr>
+                        <a:t>1.5700</a:t>
+                      </a:r>
+                      <a:endParaRPr lang="en-US" sz="1200" b="0" i="0" u="none" strike="noStrike">
+                        <a:effectLst/>
+                        <a:latin typeface="Arial" panose="020B0604020202020204" pitchFamily="34" charset="0"/>
+                      </a:endParaRPr>
+                    </a:p>
+                  </a:txBody>
+                  <a:tcPr marL="27432" marR="27432" marT="9144" marB="9144" anchor="ctr"/>
+                </a:tc>
+                <a:extLst>
+                  <a:ext uri="{0D108BD9-81ED-4DB2-BD59-A6C34878D82A}">
+                    <a16:rowId xmlns:a16="http://schemas.microsoft.com/office/drawing/2014/main" val="2573734292"/>
+                  </a:ext>
+                </a:extLst>
+              </a:tr>
+              <a:tr h="370840">
+                <a:tc>
+                  <a:txBody>
+                    <a:bodyPr/>
+                    <a:lstStyle/>
+                    <a:p>
+                      <a:pPr algn="l" fontAlgn="b"/>
+                      <a:r>
+                        <a:rPr lang="en-US" sz="1200" b="0" u="none" strike="noStrike">
+                          <a:effectLst/>
+                        </a:rPr>
+                        <a:t>2</a:t>
+                      </a:r>
+                      <a:endParaRPr lang="en-US" sz="1200" b="0" i="0" u="none" strike="noStrike">
+                        <a:effectLst/>
+                        <a:latin typeface="Arial" panose="020B0604020202020204" pitchFamily="34" charset="0"/>
+                      </a:endParaRPr>
+                    </a:p>
+                  </a:txBody>
+                  <a:tcPr marL="27432" marR="27432" marT="9144" marB="9144" anchor="ctr"/>
+                </a:tc>
+                <a:tc>
+                  <a:txBody>
+                    <a:bodyPr/>
+                    <a:lstStyle/>
+                    <a:p>
+                      <a:pPr algn="l" fontAlgn="b"/>
+                      <a:r>
+                        <a:rPr lang="en-US" sz="1200" b="0" u="none" strike="noStrike">
+                          <a:effectLst/>
+                        </a:rPr>
+                        <a:t>Choi et al.</a:t>
+                      </a:r>
+                      <a:endParaRPr lang="en-US" sz="1200" b="0" i="0" u="none" strike="noStrike">
+                        <a:effectLst/>
+                        <a:latin typeface="Arial" panose="020B0604020202020204" pitchFamily="34" charset="0"/>
+                      </a:endParaRPr>
+                    </a:p>
+                  </a:txBody>
+                  <a:tcPr marL="27432" marR="27432" marT="9144" marB="9144" anchor="ctr"/>
+                </a:tc>
+                <a:tc>
+                  <a:txBody>
+                    <a:bodyPr/>
+                    <a:lstStyle/>
+                    <a:p>
+                      <a:pPr algn="r" fontAlgn="b"/>
+                      <a:r>
+                        <a:rPr lang="en-US" sz="1200" b="0" u="none" strike="noStrike">
+                          <a:effectLst/>
+                        </a:rPr>
+                        <a:t>2013</a:t>
+                      </a:r>
+                      <a:endParaRPr lang="en-US" sz="1200" b="0" i="0" u="none" strike="noStrike">
+                        <a:effectLst/>
+                        <a:latin typeface="Arial" panose="020B0604020202020204" pitchFamily="34" charset="0"/>
+                      </a:endParaRPr>
+                    </a:p>
+                  </a:txBody>
+                  <a:tcPr marL="27432" marR="27432" marT="9144" marB="9144" anchor="ctr"/>
+                </a:tc>
+                <a:tc>
+                  <a:txBody>
+                    <a:bodyPr/>
+                    <a:lstStyle/>
+                    <a:p>
+                      <a:pPr algn="l" fontAlgn="b"/>
+                      <a:r>
+                        <a:rPr lang="en-US" sz="1200" b="0" u="none" strike="noStrike">
+                          <a:effectLst/>
+                        </a:rPr>
+                        <a:t>Kontrol</a:t>
+                      </a:r>
+                      <a:endParaRPr lang="en-US" sz="1200" b="0" i="0" u="none" strike="noStrike">
+                        <a:effectLst/>
+                        <a:latin typeface="Arial" panose="020B0604020202020204" pitchFamily="34" charset="0"/>
+                      </a:endParaRPr>
+                    </a:p>
+                  </a:txBody>
+                  <a:tcPr marL="27432" marR="27432" marT="9144" marB="9144" anchor="ctr"/>
+                </a:tc>
+                <a:tc>
+                  <a:txBody>
+                    <a:bodyPr/>
+                    <a:lstStyle/>
+                    <a:p>
+                      <a:pPr algn="r" fontAlgn="b"/>
+                      <a:r>
+                        <a:rPr lang="en-US" sz="1200" b="0" u="none" strike="noStrike" dirty="0">
+                          <a:effectLst/>
+                        </a:rPr>
+                        <a:t>0.0000</a:t>
+                      </a:r>
+                      <a:endParaRPr lang="en-US" sz="1200" b="0" i="0" u="none" strike="noStrike" dirty="0">
+                        <a:effectLst/>
+                        <a:latin typeface="Arial" panose="020B0604020202020204" pitchFamily="34" charset="0"/>
+                      </a:endParaRPr>
+                    </a:p>
+                  </a:txBody>
+                  <a:tcPr marL="27432" marR="27432" marT="9144" marB="9144" anchor="ctr"/>
+                </a:tc>
+                <a:tc>
+                  <a:txBody>
+                    <a:bodyPr/>
+                    <a:lstStyle/>
+                    <a:p>
+                      <a:pPr algn="l" fontAlgn="b"/>
+                      <a:r>
+                        <a:rPr lang="en-US" sz="1200" b="0" u="none" strike="noStrike">
+                          <a:effectLst/>
+                        </a:rPr>
+                        <a:t>ROSS 308</a:t>
+                      </a:r>
+                      <a:endParaRPr lang="en-US" sz="1200" b="0" i="0" u="none" strike="noStrike">
+                        <a:effectLst/>
+                        <a:latin typeface="Arial" panose="020B0604020202020204" pitchFamily="34" charset="0"/>
+                      </a:endParaRPr>
+                    </a:p>
+                  </a:txBody>
+                  <a:tcPr marL="27432" marR="27432" marT="9144" marB="9144" anchor="ctr"/>
+                </a:tc>
+                <a:tc>
+                  <a:txBody>
+                    <a:bodyPr/>
+                    <a:lstStyle/>
+                    <a:p>
+                      <a:pPr algn="l" fontAlgn="b"/>
+                      <a:r>
+                        <a:rPr lang="en-US" sz="1200" b="0" u="none" strike="noStrike">
+                          <a:effectLst/>
+                        </a:rPr>
+                        <a:t>1-21</a:t>
+                      </a:r>
+                      <a:endParaRPr lang="en-US" sz="1200" b="0" i="0" u="none" strike="noStrike">
+                        <a:effectLst/>
+                        <a:latin typeface="Arial" panose="020B0604020202020204" pitchFamily="34" charset="0"/>
+                      </a:endParaRPr>
+                    </a:p>
+                  </a:txBody>
+                  <a:tcPr marL="27432" marR="27432" marT="9144" marB="9144" anchor="ctr"/>
+                </a:tc>
+                <a:tc>
+                  <a:txBody>
+                    <a:bodyPr/>
+                    <a:lstStyle/>
+                    <a:p>
+                      <a:pPr algn="l" fontAlgn="b"/>
+                      <a:r>
+                        <a:rPr lang="en-US" sz="1200" b="0" u="none" strike="noStrike">
+                          <a:effectLst/>
+                        </a:rPr>
+                        <a:t>22-35</a:t>
+                      </a:r>
+                      <a:endParaRPr lang="en-US" sz="1200" b="0" i="0" u="none" strike="noStrike">
+                        <a:effectLst/>
+                        <a:latin typeface="Arial" panose="020B0604020202020204" pitchFamily="34" charset="0"/>
+                      </a:endParaRPr>
+                    </a:p>
+                  </a:txBody>
+                  <a:tcPr marL="27432" marR="27432" marT="9144" marB="9144" anchor="ctr"/>
+                </a:tc>
+                <a:tc>
+                  <a:txBody>
+                    <a:bodyPr/>
+                    <a:lstStyle/>
+                    <a:p>
+                      <a:pPr algn="l" fontAlgn="b"/>
+                      <a:r>
+                        <a:rPr lang="en-US" sz="1200" b="0" u="none" strike="noStrike">
+                          <a:effectLst/>
+                        </a:rPr>
+                        <a:t>1-35</a:t>
+                      </a:r>
+                      <a:endParaRPr lang="en-US" sz="1200" b="0" i="0" u="none" strike="noStrike">
+                        <a:effectLst/>
+                        <a:latin typeface="Arial" panose="020B0604020202020204" pitchFamily="34" charset="0"/>
+                      </a:endParaRPr>
+                    </a:p>
+                  </a:txBody>
+                  <a:tcPr marL="27432" marR="27432" marT="9144" marB="9144" anchor="ctr"/>
+                </a:tc>
+                <a:tc>
+                  <a:txBody>
+                    <a:bodyPr/>
+                    <a:lstStyle/>
+                    <a:p>
+                      <a:pPr algn="r" fontAlgn="b"/>
+                      <a:r>
+                        <a:rPr lang="en-US" sz="1200" b="0" u="none" strike="noStrike">
+                          <a:effectLst/>
+                        </a:rPr>
+                        <a:t>803.9900</a:t>
+                      </a:r>
+                      <a:endParaRPr lang="en-US" sz="1200" b="0" i="0" u="none" strike="noStrike">
+                        <a:effectLst/>
+                        <a:latin typeface="Arial" panose="020B0604020202020204" pitchFamily="34" charset="0"/>
+                      </a:endParaRPr>
+                    </a:p>
+                  </a:txBody>
+                  <a:tcPr marL="27432" marR="27432" marT="9144" marB="9144" anchor="ctr"/>
+                </a:tc>
+                <a:tc>
+                  <a:txBody>
+                    <a:bodyPr/>
+                    <a:lstStyle/>
+                    <a:p>
+                      <a:pPr algn="r" fontAlgn="b"/>
+                      <a:r>
+                        <a:rPr lang="en-US" sz="1200" b="0" u="none" strike="noStrike">
+                          <a:effectLst/>
+                        </a:rPr>
+                        <a:t>36.1900</a:t>
+                      </a:r>
+                      <a:endParaRPr lang="en-US" sz="1200" b="0" i="0" u="none" strike="noStrike">
+                        <a:effectLst/>
+                        <a:latin typeface="Arial" panose="020B0604020202020204" pitchFamily="34" charset="0"/>
+                      </a:endParaRPr>
+                    </a:p>
+                  </a:txBody>
+                  <a:tcPr marL="27432" marR="27432" marT="9144" marB="9144" anchor="ctr"/>
+                </a:tc>
+                <a:tc>
+                  <a:txBody>
+                    <a:bodyPr/>
+                    <a:lstStyle/>
+                    <a:p>
+                      <a:pPr algn="r" fontAlgn="b"/>
+                      <a:r>
+                        <a:rPr lang="en-US" sz="1200" b="0" u="none" strike="noStrike">
+                          <a:effectLst/>
+                        </a:rPr>
+                        <a:t>55.9500</a:t>
+                      </a:r>
+                      <a:endParaRPr lang="en-US" sz="1200" b="0" i="0" u="none" strike="noStrike">
+                        <a:effectLst/>
+                        <a:latin typeface="Arial" panose="020B0604020202020204" pitchFamily="34" charset="0"/>
+                      </a:endParaRPr>
+                    </a:p>
+                  </a:txBody>
+                  <a:tcPr marL="27432" marR="27432" marT="9144" marB="9144" anchor="ctr"/>
+                </a:tc>
+                <a:tc>
+                  <a:txBody>
+                    <a:bodyPr/>
+                    <a:lstStyle/>
+                    <a:p>
+                      <a:pPr algn="r" fontAlgn="b"/>
+                      <a:r>
+                        <a:rPr lang="en-US" sz="1200" b="0" u="none" strike="noStrike">
+                          <a:effectLst/>
+                        </a:rPr>
+                        <a:t>1.5500</a:t>
+                      </a:r>
+                      <a:endParaRPr lang="en-US" sz="1200" b="0" i="0" u="none" strike="noStrike">
+                        <a:effectLst/>
+                        <a:latin typeface="Arial" panose="020B0604020202020204" pitchFamily="34" charset="0"/>
+                      </a:endParaRPr>
+                    </a:p>
+                  </a:txBody>
+                  <a:tcPr marL="27432" marR="27432" marT="9144" marB="9144" anchor="ctr"/>
+                </a:tc>
+                <a:extLst>
+                  <a:ext uri="{0D108BD9-81ED-4DB2-BD59-A6C34878D82A}">
+                    <a16:rowId xmlns:a16="http://schemas.microsoft.com/office/drawing/2014/main" val="2831564369"/>
+                  </a:ext>
+                </a:extLst>
+              </a:tr>
+              <a:tr h="370840">
+                <a:tc>
+                  <a:txBody>
+                    <a:bodyPr/>
+                    <a:lstStyle/>
+                    <a:p>
+                      <a:pPr algn="l" fontAlgn="b"/>
+                      <a:r>
+                        <a:rPr lang="en-US" sz="1200" b="0" u="none" strike="noStrike">
+                          <a:effectLst/>
+                        </a:rPr>
+                        <a:t>2</a:t>
+                      </a:r>
+                      <a:endParaRPr lang="en-US" sz="1200" b="0" i="0" u="none" strike="noStrike">
+                        <a:effectLst/>
+                        <a:latin typeface="Arial" panose="020B0604020202020204" pitchFamily="34" charset="0"/>
+                      </a:endParaRPr>
+                    </a:p>
+                  </a:txBody>
+                  <a:tcPr marL="27432" marR="27432" marT="9144" marB="9144" anchor="ctr"/>
+                </a:tc>
+                <a:tc>
+                  <a:txBody>
+                    <a:bodyPr/>
+                    <a:lstStyle/>
+                    <a:p>
+                      <a:pPr algn="l" fontAlgn="b"/>
+                      <a:r>
+                        <a:rPr lang="en-US" sz="1200" b="0" u="none" strike="noStrike">
+                          <a:effectLst/>
+                        </a:rPr>
+                        <a:t>Choi et al.</a:t>
+                      </a:r>
+                      <a:endParaRPr lang="en-US" sz="1200" b="0" i="0" u="none" strike="noStrike">
+                        <a:effectLst/>
+                        <a:latin typeface="Arial" panose="020B0604020202020204" pitchFamily="34" charset="0"/>
+                      </a:endParaRPr>
+                    </a:p>
+                  </a:txBody>
+                  <a:tcPr marL="27432" marR="27432" marT="9144" marB="9144" anchor="ctr"/>
+                </a:tc>
+                <a:tc>
+                  <a:txBody>
+                    <a:bodyPr/>
+                    <a:lstStyle/>
+                    <a:p>
+                      <a:pPr algn="r" fontAlgn="b"/>
+                      <a:r>
+                        <a:rPr lang="en-US" sz="1200" b="0" u="none" strike="noStrike">
+                          <a:effectLst/>
+                        </a:rPr>
+                        <a:t>2013</a:t>
+                      </a:r>
+                      <a:endParaRPr lang="en-US" sz="1200" b="0" i="0" u="none" strike="noStrike">
+                        <a:effectLst/>
+                        <a:latin typeface="Arial" panose="020B0604020202020204" pitchFamily="34" charset="0"/>
+                      </a:endParaRPr>
+                    </a:p>
+                  </a:txBody>
+                  <a:tcPr marL="27432" marR="27432" marT="9144" marB="9144" anchor="ctr"/>
+                </a:tc>
+                <a:tc>
+                  <a:txBody>
+                    <a:bodyPr/>
+                    <a:lstStyle/>
+                    <a:p>
+                      <a:pPr algn="l" fontAlgn="b"/>
+                      <a:r>
+                        <a:rPr lang="en-US" sz="1200" b="0" u="none" strike="noStrike">
+                          <a:effectLst/>
+                        </a:rPr>
+                        <a:t>PAM P5</a:t>
+                      </a:r>
+                      <a:endParaRPr lang="en-US" sz="1200" b="0" i="0" u="none" strike="noStrike">
+                        <a:effectLst/>
+                        <a:latin typeface="Arial" panose="020B0604020202020204" pitchFamily="34" charset="0"/>
+                      </a:endParaRPr>
+                    </a:p>
+                  </a:txBody>
+                  <a:tcPr marL="27432" marR="27432" marT="9144" marB="9144" anchor="ctr"/>
+                </a:tc>
+                <a:tc>
+                  <a:txBody>
+                    <a:bodyPr/>
+                    <a:lstStyle/>
+                    <a:p>
+                      <a:pPr algn="r" fontAlgn="b"/>
+                      <a:r>
+                        <a:rPr lang="en-US" sz="1200" b="0" u="none" strike="noStrike">
+                          <a:effectLst/>
+                        </a:rPr>
+                        <a:t>40.0000</a:t>
+                      </a:r>
+                      <a:endParaRPr lang="en-US" sz="1200" b="0" i="0" u="none" strike="noStrike">
+                        <a:effectLst/>
+                        <a:latin typeface="Arial" panose="020B0604020202020204" pitchFamily="34" charset="0"/>
+                      </a:endParaRPr>
+                    </a:p>
+                  </a:txBody>
+                  <a:tcPr marL="27432" marR="27432" marT="9144" marB="9144" anchor="ctr"/>
+                </a:tc>
+                <a:tc>
+                  <a:txBody>
+                    <a:bodyPr/>
+                    <a:lstStyle/>
+                    <a:p>
+                      <a:pPr algn="l" fontAlgn="b"/>
+                      <a:r>
+                        <a:rPr lang="en-US" sz="1200" b="0" u="none" strike="noStrike">
+                          <a:effectLst/>
+                        </a:rPr>
+                        <a:t>ROSS 308</a:t>
+                      </a:r>
+                      <a:endParaRPr lang="en-US" sz="1200" b="0" i="0" u="none" strike="noStrike">
+                        <a:effectLst/>
+                        <a:latin typeface="Arial" panose="020B0604020202020204" pitchFamily="34" charset="0"/>
+                      </a:endParaRPr>
+                    </a:p>
+                  </a:txBody>
+                  <a:tcPr marL="27432" marR="27432" marT="9144" marB="9144" anchor="ctr"/>
+                </a:tc>
+                <a:tc>
+                  <a:txBody>
+                    <a:bodyPr/>
+                    <a:lstStyle/>
+                    <a:p>
+                      <a:pPr algn="l" fontAlgn="b"/>
+                      <a:r>
+                        <a:rPr lang="en-US" sz="1200" b="0" u="none" strike="noStrike">
+                          <a:effectLst/>
+                        </a:rPr>
+                        <a:t>1-21</a:t>
+                      </a:r>
+                      <a:endParaRPr lang="en-US" sz="1200" b="0" i="0" u="none" strike="noStrike">
+                        <a:effectLst/>
+                        <a:latin typeface="Arial" panose="020B0604020202020204" pitchFamily="34" charset="0"/>
+                      </a:endParaRPr>
+                    </a:p>
+                  </a:txBody>
+                  <a:tcPr marL="27432" marR="27432" marT="9144" marB="9144" anchor="ctr"/>
+                </a:tc>
+                <a:tc>
+                  <a:txBody>
+                    <a:bodyPr/>
+                    <a:lstStyle/>
+                    <a:p>
+                      <a:pPr algn="l" fontAlgn="b"/>
+                      <a:r>
+                        <a:rPr lang="en-US" sz="1200" b="0" u="none" strike="noStrike">
+                          <a:effectLst/>
+                        </a:rPr>
+                        <a:t>22-35</a:t>
+                      </a:r>
+                      <a:endParaRPr lang="en-US" sz="1200" b="0" i="0" u="none" strike="noStrike">
+                        <a:effectLst/>
+                        <a:latin typeface="Arial" panose="020B0604020202020204" pitchFamily="34" charset="0"/>
+                      </a:endParaRPr>
+                    </a:p>
+                  </a:txBody>
+                  <a:tcPr marL="27432" marR="27432" marT="9144" marB="9144" anchor="ctr"/>
+                </a:tc>
+                <a:tc>
+                  <a:txBody>
+                    <a:bodyPr/>
+                    <a:lstStyle/>
+                    <a:p>
+                      <a:pPr algn="l" fontAlgn="b"/>
+                      <a:r>
+                        <a:rPr lang="en-US" sz="1200" b="0" u="none" strike="noStrike">
+                          <a:effectLst/>
+                        </a:rPr>
+                        <a:t>1-35</a:t>
+                      </a:r>
+                      <a:endParaRPr lang="en-US" sz="1200" b="0" i="0" u="none" strike="noStrike">
+                        <a:effectLst/>
+                        <a:latin typeface="Arial" panose="020B0604020202020204" pitchFamily="34" charset="0"/>
+                      </a:endParaRPr>
+                    </a:p>
+                  </a:txBody>
+                  <a:tcPr marL="27432" marR="27432" marT="9144" marB="9144" anchor="ctr"/>
+                </a:tc>
+                <a:tc>
+                  <a:txBody>
+                    <a:bodyPr/>
+                    <a:lstStyle/>
+                    <a:p>
+                      <a:pPr algn="r" fontAlgn="b"/>
+                      <a:r>
+                        <a:rPr lang="en-US" sz="1200" b="0" u="none" strike="noStrike">
+                          <a:effectLst/>
+                        </a:rPr>
+                        <a:t>821.0000</a:t>
+                      </a:r>
+                      <a:endParaRPr lang="en-US" sz="1200" b="0" i="0" u="none" strike="noStrike">
+                        <a:effectLst/>
+                        <a:latin typeface="Arial" panose="020B0604020202020204" pitchFamily="34" charset="0"/>
+                      </a:endParaRPr>
+                    </a:p>
+                  </a:txBody>
+                  <a:tcPr marL="27432" marR="27432" marT="9144" marB="9144" anchor="ctr"/>
+                </a:tc>
+                <a:tc>
+                  <a:txBody>
+                    <a:bodyPr/>
+                    <a:lstStyle/>
+                    <a:p>
+                      <a:pPr algn="r" fontAlgn="b"/>
+                      <a:r>
+                        <a:rPr lang="en-US" sz="1200" b="0" u="none" strike="noStrike">
+                          <a:effectLst/>
+                        </a:rPr>
+                        <a:t>37.0000</a:t>
+                      </a:r>
+                      <a:endParaRPr lang="en-US" sz="1200" b="0" i="0" u="none" strike="noStrike">
+                        <a:effectLst/>
+                        <a:latin typeface="Arial" panose="020B0604020202020204" pitchFamily="34" charset="0"/>
+                      </a:endParaRPr>
+                    </a:p>
+                  </a:txBody>
+                  <a:tcPr marL="27432" marR="27432" marT="9144" marB="9144" anchor="ctr"/>
+                </a:tc>
+                <a:tc>
+                  <a:txBody>
+                    <a:bodyPr/>
+                    <a:lstStyle/>
+                    <a:p>
+                      <a:pPr algn="r" fontAlgn="b"/>
+                      <a:r>
+                        <a:rPr lang="en-US" sz="1200" b="0" u="none" strike="noStrike">
+                          <a:effectLst/>
+                        </a:rPr>
+                        <a:t>56.5200</a:t>
+                      </a:r>
+                      <a:endParaRPr lang="en-US" sz="1200" b="0" i="0" u="none" strike="noStrike">
+                        <a:effectLst/>
+                        <a:latin typeface="Arial" panose="020B0604020202020204" pitchFamily="34" charset="0"/>
+                      </a:endParaRPr>
+                    </a:p>
+                  </a:txBody>
+                  <a:tcPr marL="27432" marR="27432" marT="9144" marB="9144" anchor="ctr"/>
+                </a:tc>
+                <a:tc>
+                  <a:txBody>
+                    <a:bodyPr/>
+                    <a:lstStyle/>
+                    <a:p>
+                      <a:pPr algn="r" fontAlgn="b"/>
+                      <a:r>
+                        <a:rPr lang="en-US" sz="1200" b="0" u="none" strike="noStrike">
+                          <a:effectLst/>
+                        </a:rPr>
+                        <a:t>1.5300</a:t>
+                      </a:r>
+                      <a:endParaRPr lang="en-US" sz="1200" b="0" i="0" u="none" strike="noStrike">
+                        <a:effectLst/>
+                        <a:latin typeface="Arial" panose="020B0604020202020204" pitchFamily="34" charset="0"/>
+                      </a:endParaRPr>
+                    </a:p>
+                  </a:txBody>
+                  <a:tcPr marL="27432" marR="27432" marT="9144" marB="9144" anchor="ctr"/>
+                </a:tc>
+                <a:extLst>
+                  <a:ext uri="{0D108BD9-81ED-4DB2-BD59-A6C34878D82A}">
+                    <a16:rowId xmlns:a16="http://schemas.microsoft.com/office/drawing/2014/main" val="4137524055"/>
+                  </a:ext>
+                </a:extLst>
+              </a:tr>
+              <a:tr h="370840">
+                <a:tc>
+                  <a:txBody>
+                    <a:bodyPr/>
+                    <a:lstStyle/>
+                    <a:p>
+                      <a:pPr algn="l" fontAlgn="b"/>
+                      <a:r>
+                        <a:rPr lang="en-US" sz="1200" b="0" u="none" strike="noStrike">
+                          <a:effectLst/>
+                        </a:rPr>
+                        <a:t>2</a:t>
+                      </a:r>
+                      <a:endParaRPr lang="en-US" sz="1200" b="0" i="0" u="none" strike="noStrike">
+                        <a:effectLst/>
+                        <a:latin typeface="Arial" panose="020B0604020202020204" pitchFamily="34" charset="0"/>
+                      </a:endParaRPr>
+                    </a:p>
+                  </a:txBody>
+                  <a:tcPr marL="27432" marR="27432" marT="9144" marB="9144" anchor="ctr"/>
+                </a:tc>
+                <a:tc>
+                  <a:txBody>
+                    <a:bodyPr/>
+                    <a:lstStyle/>
+                    <a:p>
+                      <a:pPr algn="l" fontAlgn="b"/>
+                      <a:r>
+                        <a:rPr lang="en-US" sz="1200" b="0" u="none" strike="noStrike">
+                          <a:effectLst/>
+                        </a:rPr>
+                        <a:t>Choi et al.</a:t>
+                      </a:r>
+                      <a:endParaRPr lang="en-US" sz="1200" b="0" i="0" u="none" strike="noStrike">
+                        <a:effectLst/>
+                        <a:latin typeface="Arial" panose="020B0604020202020204" pitchFamily="34" charset="0"/>
+                      </a:endParaRPr>
+                    </a:p>
+                  </a:txBody>
+                  <a:tcPr marL="27432" marR="27432" marT="9144" marB="9144" anchor="ctr"/>
+                </a:tc>
+                <a:tc>
+                  <a:txBody>
+                    <a:bodyPr/>
+                    <a:lstStyle/>
+                    <a:p>
+                      <a:pPr algn="r" fontAlgn="b"/>
+                      <a:r>
+                        <a:rPr lang="en-US" sz="1200" b="0" u="none" strike="noStrike">
+                          <a:effectLst/>
+                        </a:rPr>
+                        <a:t>2013</a:t>
+                      </a:r>
+                      <a:endParaRPr lang="en-US" sz="1200" b="0" i="0" u="none" strike="noStrike">
+                        <a:effectLst/>
+                        <a:latin typeface="Arial" panose="020B0604020202020204" pitchFamily="34" charset="0"/>
+                      </a:endParaRPr>
+                    </a:p>
+                  </a:txBody>
+                  <a:tcPr marL="27432" marR="27432" marT="9144" marB="9144" anchor="ctr"/>
+                </a:tc>
+                <a:tc>
+                  <a:txBody>
+                    <a:bodyPr/>
+                    <a:lstStyle/>
+                    <a:p>
+                      <a:pPr algn="l" fontAlgn="b"/>
+                      <a:r>
+                        <a:rPr lang="en-US" sz="1200" b="0" u="none" strike="noStrike">
+                          <a:effectLst/>
+                        </a:rPr>
+                        <a:t>PAM P5</a:t>
+                      </a:r>
+                      <a:endParaRPr lang="en-US" sz="1200" b="0" i="0" u="none" strike="noStrike">
+                        <a:effectLst/>
+                        <a:latin typeface="Arial" panose="020B0604020202020204" pitchFamily="34" charset="0"/>
+                      </a:endParaRPr>
+                    </a:p>
+                  </a:txBody>
+                  <a:tcPr marL="27432" marR="27432" marT="9144" marB="9144" anchor="ctr"/>
+                </a:tc>
+                <a:tc>
+                  <a:txBody>
+                    <a:bodyPr/>
+                    <a:lstStyle/>
+                    <a:p>
+                      <a:pPr algn="r" fontAlgn="b"/>
+                      <a:r>
+                        <a:rPr lang="en-US" sz="1200" b="0" u="none" strike="noStrike" dirty="0">
+                          <a:effectLst/>
+                        </a:rPr>
+                        <a:t>60.0000</a:t>
+                      </a:r>
+                      <a:endParaRPr lang="en-US" sz="1200" b="0" i="0" u="none" strike="noStrike" dirty="0">
+                        <a:effectLst/>
+                        <a:latin typeface="Arial" panose="020B0604020202020204" pitchFamily="34" charset="0"/>
+                      </a:endParaRPr>
+                    </a:p>
+                  </a:txBody>
+                  <a:tcPr marL="27432" marR="27432" marT="9144" marB="9144" anchor="ctr"/>
+                </a:tc>
+                <a:tc>
+                  <a:txBody>
+                    <a:bodyPr/>
+                    <a:lstStyle/>
+                    <a:p>
+                      <a:pPr algn="l" fontAlgn="b"/>
+                      <a:r>
+                        <a:rPr lang="en-US" sz="1200" b="0" u="none" strike="noStrike" dirty="0">
+                          <a:effectLst/>
+                        </a:rPr>
+                        <a:t>ROSS 308</a:t>
+                      </a:r>
+                      <a:endParaRPr lang="en-US" sz="1200" b="0" i="0" u="none" strike="noStrike" dirty="0">
+                        <a:effectLst/>
+                        <a:latin typeface="Arial" panose="020B0604020202020204" pitchFamily="34" charset="0"/>
+                      </a:endParaRPr>
+                    </a:p>
+                  </a:txBody>
+                  <a:tcPr marL="27432" marR="27432" marT="9144" marB="9144" anchor="ctr"/>
+                </a:tc>
+                <a:tc>
+                  <a:txBody>
+                    <a:bodyPr/>
+                    <a:lstStyle/>
+                    <a:p>
+                      <a:pPr algn="l" fontAlgn="b"/>
+                      <a:r>
+                        <a:rPr lang="en-US" sz="1200" b="0" u="none" strike="noStrike">
+                          <a:effectLst/>
+                        </a:rPr>
+                        <a:t>1-21</a:t>
+                      </a:r>
+                      <a:endParaRPr lang="en-US" sz="1200" b="0" i="0" u="none" strike="noStrike">
+                        <a:effectLst/>
+                        <a:latin typeface="Arial" panose="020B0604020202020204" pitchFamily="34" charset="0"/>
+                      </a:endParaRPr>
+                    </a:p>
+                  </a:txBody>
+                  <a:tcPr marL="27432" marR="27432" marT="9144" marB="9144" anchor="ctr"/>
+                </a:tc>
+                <a:tc>
+                  <a:txBody>
+                    <a:bodyPr/>
+                    <a:lstStyle/>
+                    <a:p>
+                      <a:pPr algn="l" fontAlgn="b"/>
+                      <a:r>
+                        <a:rPr lang="en-US" sz="1200" b="0" u="none" strike="noStrike">
+                          <a:effectLst/>
+                        </a:rPr>
+                        <a:t>22-35</a:t>
+                      </a:r>
+                      <a:endParaRPr lang="en-US" sz="1200" b="0" i="0" u="none" strike="noStrike">
+                        <a:effectLst/>
+                        <a:latin typeface="Arial" panose="020B0604020202020204" pitchFamily="34" charset="0"/>
+                      </a:endParaRPr>
+                    </a:p>
+                  </a:txBody>
+                  <a:tcPr marL="27432" marR="27432" marT="9144" marB="9144" anchor="ctr"/>
+                </a:tc>
+                <a:tc>
+                  <a:txBody>
+                    <a:bodyPr/>
+                    <a:lstStyle/>
+                    <a:p>
+                      <a:pPr algn="l" fontAlgn="b"/>
+                      <a:r>
+                        <a:rPr lang="en-US" sz="1200" b="0" u="none" strike="noStrike" dirty="0">
+                          <a:effectLst/>
+                        </a:rPr>
+                        <a:t>1-35</a:t>
+                      </a:r>
+                      <a:endParaRPr lang="en-US" sz="1200" b="0" i="0" u="none" strike="noStrike" dirty="0">
+                        <a:effectLst/>
+                        <a:latin typeface="Arial" panose="020B0604020202020204" pitchFamily="34" charset="0"/>
+                      </a:endParaRPr>
+                    </a:p>
+                  </a:txBody>
+                  <a:tcPr marL="27432" marR="27432" marT="9144" marB="9144" anchor="ctr"/>
+                </a:tc>
+                <a:tc>
+                  <a:txBody>
+                    <a:bodyPr/>
+                    <a:lstStyle/>
+                    <a:p>
+                      <a:pPr algn="r" fontAlgn="b"/>
+                      <a:r>
+                        <a:rPr lang="en-US" sz="1200" b="0" u="none" strike="noStrike">
+                          <a:effectLst/>
+                        </a:rPr>
+                        <a:t>836.9600</a:t>
+                      </a:r>
+                      <a:endParaRPr lang="en-US" sz="1200" b="0" i="0" u="none" strike="noStrike">
+                        <a:effectLst/>
+                        <a:latin typeface="Arial" panose="020B0604020202020204" pitchFamily="34" charset="0"/>
+                      </a:endParaRPr>
+                    </a:p>
+                  </a:txBody>
+                  <a:tcPr marL="27432" marR="27432" marT="9144" marB="9144" anchor="ctr"/>
+                </a:tc>
+                <a:tc>
+                  <a:txBody>
+                    <a:bodyPr/>
+                    <a:lstStyle/>
+                    <a:p>
+                      <a:pPr algn="r" fontAlgn="b"/>
+                      <a:r>
+                        <a:rPr lang="en-US" sz="1200" b="0" u="none" strike="noStrike">
+                          <a:effectLst/>
+                        </a:rPr>
+                        <a:t>37.7600</a:t>
+                      </a:r>
+                      <a:endParaRPr lang="en-US" sz="1200" b="0" i="0" u="none" strike="noStrike">
+                        <a:effectLst/>
+                        <a:latin typeface="Arial" panose="020B0604020202020204" pitchFamily="34" charset="0"/>
+                      </a:endParaRPr>
+                    </a:p>
+                  </a:txBody>
+                  <a:tcPr marL="27432" marR="27432" marT="9144" marB="9144" anchor="ctr"/>
+                </a:tc>
+                <a:tc>
+                  <a:txBody>
+                    <a:bodyPr/>
+                    <a:lstStyle/>
+                    <a:p>
+                      <a:pPr algn="r" fontAlgn="b"/>
+                      <a:r>
+                        <a:rPr lang="en-US" sz="1200" b="0" u="none" strike="noStrike">
+                          <a:effectLst/>
+                        </a:rPr>
+                        <a:t>56.7100</a:t>
+                      </a:r>
+                      <a:endParaRPr lang="en-US" sz="1200" b="0" i="0" u="none" strike="noStrike">
+                        <a:effectLst/>
+                        <a:latin typeface="Arial" panose="020B0604020202020204" pitchFamily="34" charset="0"/>
+                      </a:endParaRPr>
+                    </a:p>
+                  </a:txBody>
+                  <a:tcPr marL="27432" marR="27432" marT="9144" marB="9144" anchor="ctr"/>
+                </a:tc>
+                <a:tc>
+                  <a:txBody>
+                    <a:bodyPr/>
+                    <a:lstStyle/>
+                    <a:p>
+                      <a:pPr algn="r" fontAlgn="b"/>
+                      <a:r>
+                        <a:rPr lang="en-US" sz="1200" b="0" u="none" strike="noStrike">
+                          <a:effectLst/>
+                        </a:rPr>
+                        <a:t>1.5000</a:t>
+                      </a:r>
+                      <a:endParaRPr lang="en-US" sz="1200" b="0" i="0" u="none" strike="noStrike">
+                        <a:effectLst/>
+                        <a:latin typeface="Arial" panose="020B0604020202020204" pitchFamily="34" charset="0"/>
+                      </a:endParaRPr>
+                    </a:p>
+                  </a:txBody>
+                  <a:tcPr marL="27432" marR="27432" marT="9144" marB="9144" anchor="ctr"/>
+                </a:tc>
+                <a:extLst>
+                  <a:ext uri="{0D108BD9-81ED-4DB2-BD59-A6C34878D82A}">
+                    <a16:rowId xmlns:a16="http://schemas.microsoft.com/office/drawing/2014/main" val="761609834"/>
+                  </a:ext>
+                </a:extLst>
+              </a:tr>
+              <a:tr h="370840">
+                <a:tc>
+                  <a:txBody>
+                    <a:bodyPr/>
+                    <a:lstStyle/>
+                    <a:p>
+                      <a:pPr algn="l" fontAlgn="b"/>
+                      <a:r>
+                        <a:rPr lang="en-US" sz="1200" b="0" u="none" strike="noStrike" dirty="0">
+                          <a:effectLst/>
+                        </a:rPr>
+                        <a:t>3</a:t>
+                      </a:r>
+                      <a:endParaRPr lang="en-US" sz="1200" b="0" i="0" u="none" strike="noStrike" dirty="0">
+                        <a:effectLst/>
+                        <a:latin typeface="Arial" panose="020B0604020202020204" pitchFamily="34" charset="0"/>
+                      </a:endParaRPr>
+                    </a:p>
+                  </a:txBody>
+                  <a:tcPr marL="27432" marR="27432" marT="9144" marB="9144" anchor="ctr"/>
+                </a:tc>
+                <a:tc>
+                  <a:txBody>
+                    <a:bodyPr/>
+                    <a:lstStyle/>
+                    <a:p>
+                      <a:pPr algn="l" fontAlgn="b"/>
+                      <a:r>
+                        <a:rPr lang="en-US" sz="1200" b="0" u="none" strike="noStrike">
+                          <a:effectLst/>
+                        </a:rPr>
+                        <a:t>Wen and He</a:t>
+                      </a:r>
+                      <a:endParaRPr lang="en-US" sz="1200" b="0" i="0" u="none" strike="noStrike">
+                        <a:effectLst/>
+                        <a:latin typeface="Arial" panose="020B0604020202020204" pitchFamily="34" charset="0"/>
+                      </a:endParaRPr>
+                    </a:p>
+                  </a:txBody>
+                  <a:tcPr marL="27432" marR="27432" marT="9144" marB="9144" anchor="ctr"/>
+                </a:tc>
+                <a:tc>
+                  <a:txBody>
+                    <a:bodyPr/>
+                    <a:lstStyle/>
+                    <a:p>
+                      <a:pPr algn="r" fontAlgn="b"/>
+                      <a:r>
+                        <a:rPr lang="en-US" sz="1200" b="0" u="none" strike="noStrike">
+                          <a:effectLst/>
+                        </a:rPr>
+                        <a:t>2012</a:t>
+                      </a:r>
+                      <a:endParaRPr lang="en-US" sz="1200" b="0" i="0" u="none" strike="noStrike">
+                        <a:effectLst/>
+                        <a:latin typeface="Arial" panose="020B0604020202020204" pitchFamily="34" charset="0"/>
+                      </a:endParaRPr>
+                    </a:p>
+                  </a:txBody>
+                  <a:tcPr marL="27432" marR="27432" marT="9144" marB="9144" anchor="ctr"/>
+                </a:tc>
+                <a:tc>
+                  <a:txBody>
+                    <a:bodyPr/>
+                    <a:lstStyle/>
+                    <a:p>
+                      <a:pPr algn="l" fontAlgn="b"/>
+                      <a:r>
+                        <a:rPr lang="en-US" sz="1200" b="0" u="none" strike="noStrike">
+                          <a:effectLst/>
+                        </a:rPr>
+                        <a:t>Kontrol</a:t>
+                      </a:r>
+                      <a:endParaRPr lang="en-US" sz="1200" b="0" i="0" u="none" strike="noStrike">
+                        <a:effectLst/>
+                        <a:latin typeface="Arial" panose="020B0604020202020204" pitchFamily="34" charset="0"/>
+                      </a:endParaRPr>
+                    </a:p>
+                  </a:txBody>
+                  <a:tcPr marL="27432" marR="27432" marT="9144" marB="9144" anchor="ctr"/>
+                </a:tc>
+                <a:tc>
+                  <a:txBody>
+                    <a:bodyPr/>
+                    <a:lstStyle/>
+                    <a:p>
+                      <a:pPr algn="r" fontAlgn="b"/>
+                      <a:r>
+                        <a:rPr lang="en-US" sz="1200" b="0" u="none" strike="noStrike" dirty="0">
+                          <a:effectLst/>
+                        </a:rPr>
+                        <a:t>0.0000</a:t>
+                      </a:r>
+                      <a:endParaRPr lang="en-US" sz="1200" b="0" i="0" u="none" strike="noStrike" dirty="0">
+                        <a:effectLst/>
+                        <a:latin typeface="Arial" panose="020B0604020202020204" pitchFamily="34" charset="0"/>
+                      </a:endParaRPr>
+                    </a:p>
+                  </a:txBody>
+                  <a:tcPr marL="27432" marR="27432" marT="9144" marB="9144" anchor="ctr"/>
+                </a:tc>
+                <a:tc>
+                  <a:txBody>
+                    <a:bodyPr/>
+                    <a:lstStyle/>
+                    <a:p>
+                      <a:pPr algn="l" fontAlgn="b"/>
+                      <a:r>
+                        <a:rPr lang="en-US" sz="1200" b="0" u="none" strike="noStrike">
+                          <a:effectLst/>
+                        </a:rPr>
+                        <a:t>Lingnan</a:t>
+                      </a:r>
+                      <a:endParaRPr lang="en-US" sz="1200" b="0" i="0" u="none" strike="noStrike">
+                        <a:effectLst/>
+                        <a:latin typeface="Arial" panose="020B0604020202020204" pitchFamily="34" charset="0"/>
+                      </a:endParaRPr>
+                    </a:p>
+                  </a:txBody>
+                  <a:tcPr marL="27432" marR="27432" marT="9144" marB="9144" anchor="ctr"/>
+                </a:tc>
+                <a:tc>
+                  <a:txBody>
+                    <a:bodyPr/>
+                    <a:lstStyle/>
+                    <a:p>
+                      <a:pPr algn="l" fontAlgn="b"/>
+                      <a:r>
+                        <a:rPr lang="en-US" sz="1200" b="0" u="none" strike="noStrike">
+                          <a:effectLst/>
+                        </a:rPr>
+                        <a:t>14-28</a:t>
+                      </a:r>
+                      <a:endParaRPr lang="en-US" sz="1200" b="0" i="0" u="none" strike="noStrike">
+                        <a:effectLst/>
+                        <a:latin typeface="Arial" panose="020B0604020202020204" pitchFamily="34" charset="0"/>
+                      </a:endParaRPr>
+                    </a:p>
+                  </a:txBody>
+                  <a:tcPr marL="27432" marR="27432" marT="9144" marB="9144" anchor="ctr"/>
+                </a:tc>
+                <a:tc>
+                  <a:txBody>
+                    <a:bodyPr/>
+                    <a:lstStyle/>
+                    <a:p>
+                      <a:pPr algn="l" fontAlgn="b"/>
+                      <a:r>
+                        <a:rPr lang="en-US" sz="1200" b="0" u="none" strike="noStrike">
+                          <a:effectLst/>
+                        </a:rPr>
+                        <a:t>29-42</a:t>
+                      </a:r>
+                      <a:endParaRPr lang="en-US" sz="1200" b="0" i="0" u="none" strike="noStrike">
+                        <a:effectLst/>
+                        <a:latin typeface="Arial" panose="020B0604020202020204" pitchFamily="34" charset="0"/>
+                      </a:endParaRPr>
+                    </a:p>
+                  </a:txBody>
+                  <a:tcPr marL="27432" marR="27432" marT="9144" marB="9144" anchor="ctr"/>
+                </a:tc>
+                <a:tc>
+                  <a:txBody>
+                    <a:bodyPr/>
+                    <a:lstStyle/>
+                    <a:p>
+                      <a:pPr algn="l" fontAlgn="b"/>
+                      <a:r>
+                        <a:rPr lang="en-US" sz="1200" b="0" u="none" strike="noStrike">
+                          <a:effectLst/>
+                        </a:rPr>
+                        <a:t>14-42</a:t>
+                      </a:r>
+                      <a:endParaRPr lang="en-US" sz="1200" b="0" i="0" u="none" strike="noStrike">
+                        <a:effectLst/>
+                        <a:latin typeface="Arial" panose="020B0604020202020204" pitchFamily="34" charset="0"/>
+                      </a:endParaRPr>
+                    </a:p>
+                  </a:txBody>
+                  <a:tcPr marL="27432" marR="27432" marT="9144" marB="9144" anchor="ctr"/>
+                </a:tc>
+                <a:tc>
+                  <a:txBody>
+                    <a:bodyPr/>
+                    <a:lstStyle/>
+                    <a:p>
+                      <a:pPr algn="r" fontAlgn="b"/>
+                      <a:r>
+                        <a:rPr lang="en-US" sz="1200" b="0" u="none" strike="noStrike">
+                          <a:effectLst/>
+                        </a:rPr>
+                        <a:t>542.0000</a:t>
+                      </a:r>
+                      <a:endParaRPr lang="en-US" sz="1200" b="0" i="0" u="none" strike="noStrike">
+                        <a:effectLst/>
+                        <a:latin typeface="Arial" panose="020B0604020202020204" pitchFamily="34" charset="0"/>
+                      </a:endParaRPr>
+                    </a:p>
+                  </a:txBody>
+                  <a:tcPr marL="27432" marR="27432" marT="9144" marB="9144" anchor="ctr"/>
+                </a:tc>
+                <a:tc>
+                  <a:txBody>
+                    <a:bodyPr/>
+                    <a:lstStyle/>
+                    <a:p>
+                      <a:pPr algn="r" fontAlgn="b"/>
+                      <a:r>
+                        <a:rPr lang="en-US" sz="1200" b="0" u="none" strike="noStrike">
+                          <a:effectLst/>
+                        </a:rPr>
+                        <a:t>21.4000</a:t>
+                      </a:r>
+                      <a:endParaRPr lang="en-US" sz="1200" b="0" i="0" u="none" strike="noStrike">
+                        <a:effectLst/>
+                        <a:latin typeface="Arial" panose="020B0604020202020204" pitchFamily="34" charset="0"/>
+                      </a:endParaRPr>
+                    </a:p>
+                  </a:txBody>
+                  <a:tcPr marL="27432" marR="27432" marT="9144" marB="9144" anchor="ctr"/>
+                </a:tc>
+                <a:tc>
+                  <a:txBody>
+                    <a:bodyPr/>
+                    <a:lstStyle/>
+                    <a:p>
+                      <a:pPr algn="r" fontAlgn="b"/>
+                      <a:r>
+                        <a:rPr lang="en-US" sz="1200" b="0" u="none" strike="noStrike">
+                          <a:effectLst/>
+                        </a:rPr>
+                        <a:t>41.3000</a:t>
+                      </a:r>
+                      <a:endParaRPr lang="en-US" sz="1200" b="0" i="0" u="none" strike="noStrike">
+                        <a:effectLst/>
+                        <a:latin typeface="Arial" panose="020B0604020202020204" pitchFamily="34" charset="0"/>
+                      </a:endParaRPr>
+                    </a:p>
+                  </a:txBody>
+                  <a:tcPr marL="27432" marR="27432" marT="9144" marB="9144" anchor="ctr"/>
+                </a:tc>
+                <a:tc>
+                  <a:txBody>
+                    <a:bodyPr/>
+                    <a:lstStyle/>
+                    <a:p>
+                      <a:pPr algn="r" fontAlgn="b"/>
+                      <a:r>
+                        <a:rPr lang="en-US" sz="1200" b="0" u="none" strike="noStrike">
+                          <a:effectLst/>
+                        </a:rPr>
+                        <a:t>1.9300</a:t>
+                      </a:r>
+                      <a:endParaRPr lang="en-US" sz="1200" b="0" i="0" u="none" strike="noStrike">
+                        <a:effectLst/>
+                        <a:latin typeface="Arial" panose="020B0604020202020204" pitchFamily="34" charset="0"/>
+                      </a:endParaRPr>
+                    </a:p>
+                  </a:txBody>
+                  <a:tcPr marL="27432" marR="27432" marT="9144" marB="9144" anchor="ctr"/>
+                </a:tc>
+                <a:extLst>
+                  <a:ext uri="{0D108BD9-81ED-4DB2-BD59-A6C34878D82A}">
+                    <a16:rowId xmlns:a16="http://schemas.microsoft.com/office/drawing/2014/main" val="3462407696"/>
+                  </a:ext>
+                </a:extLst>
+              </a:tr>
+              <a:tr h="370840">
+                <a:tc>
+                  <a:txBody>
+                    <a:bodyPr/>
+                    <a:lstStyle/>
+                    <a:p>
+                      <a:pPr algn="l" fontAlgn="b"/>
+                      <a:r>
+                        <a:rPr lang="en-US" sz="1200" b="0" u="none" strike="noStrike" dirty="0">
+                          <a:effectLst/>
+                        </a:rPr>
+                        <a:t>3</a:t>
+                      </a:r>
+                      <a:endParaRPr lang="en-US" sz="1200" b="0" i="0" u="none" strike="noStrike" dirty="0">
+                        <a:effectLst/>
+                        <a:latin typeface="Arial" panose="020B0604020202020204" pitchFamily="34" charset="0"/>
+                      </a:endParaRPr>
+                    </a:p>
+                  </a:txBody>
+                  <a:tcPr marL="27432" marR="27432" marT="9144" marB="9144" anchor="ctr"/>
+                </a:tc>
+                <a:tc>
+                  <a:txBody>
+                    <a:bodyPr/>
+                    <a:lstStyle/>
+                    <a:p>
+                      <a:pPr algn="l" fontAlgn="b"/>
+                      <a:r>
+                        <a:rPr lang="en-US" sz="1200" b="0" u="none" strike="noStrike">
+                          <a:effectLst/>
+                        </a:rPr>
+                        <a:t>Wen and He</a:t>
+                      </a:r>
+                      <a:endParaRPr lang="en-US" sz="1200" b="0" i="0" u="none" strike="noStrike">
+                        <a:effectLst/>
+                        <a:latin typeface="Arial" panose="020B0604020202020204" pitchFamily="34" charset="0"/>
+                      </a:endParaRPr>
+                    </a:p>
+                  </a:txBody>
+                  <a:tcPr marL="27432" marR="27432" marT="9144" marB="9144" anchor="ctr"/>
+                </a:tc>
+                <a:tc>
+                  <a:txBody>
+                    <a:bodyPr/>
+                    <a:lstStyle/>
+                    <a:p>
+                      <a:pPr algn="r" fontAlgn="b"/>
+                      <a:r>
+                        <a:rPr lang="en-US" sz="1200" b="0" u="none" strike="noStrike">
+                          <a:effectLst/>
+                        </a:rPr>
+                        <a:t>2012</a:t>
+                      </a:r>
+                      <a:endParaRPr lang="en-US" sz="1200" b="0" i="0" u="none" strike="noStrike">
+                        <a:effectLst/>
+                        <a:latin typeface="Arial" panose="020B0604020202020204" pitchFamily="34" charset="0"/>
+                      </a:endParaRPr>
+                    </a:p>
+                  </a:txBody>
+                  <a:tcPr marL="27432" marR="27432" marT="9144" marB="9144" anchor="ctr"/>
+                </a:tc>
+                <a:tc>
+                  <a:txBody>
+                    <a:bodyPr/>
+                    <a:lstStyle/>
+                    <a:p>
+                      <a:pPr algn="l" fontAlgn="b"/>
+                      <a:r>
+                        <a:rPr lang="en-US" sz="1200" b="0" u="none" strike="noStrike">
+                          <a:effectLst/>
+                        </a:rPr>
+                        <a:t>Cecropin A</a:t>
+                      </a:r>
+                      <a:endParaRPr lang="en-US" sz="1200" b="0" i="0" u="none" strike="noStrike">
+                        <a:effectLst/>
+                        <a:latin typeface="Arial" panose="020B0604020202020204" pitchFamily="34" charset="0"/>
+                      </a:endParaRPr>
+                    </a:p>
+                  </a:txBody>
+                  <a:tcPr marL="27432" marR="27432" marT="9144" marB="9144" anchor="ctr"/>
+                </a:tc>
+                <a:tc>
+                  <a:txBody>
+                    <a:bodyPr/>
+                    <a:lstStyle/>
+                    <a:p>
+                      <a:pPr algn="r" fontAlgn="b"/>
+                      <a:r>
+                        <a:rPr lang="en-US" sz="1200" b="0" u="none" strike="noStrike" dirty="0">
+                          <a:effectLst/>
+                        </a:rPr>
+                        <a:t>2.0000</a:t>
+                      </a:r>
+                      <a:endParaRPr lang="en-US" sz="1200" b="0" i="0" u="none" strike="noStrike" dirty="0">
+                        <a:effectLst/>
+                        <a:latin typeface="Arial" panose="020B0604020202020204" pitchFamily="34" charset="0"/>
+                      </a:endParaRPr>
+                    </a:p>
+                  </a:txBody>
+                  <a:tcPr marL="27432" marR="27432" marT="9144" marB="9144" anchor="ctr"/>
+                </a:tc>
+                <a:tc>
+                  <a:txBody>
+                    <a:bodyPr/>
+                    <a:lstStyle/>
+                    <a:p>
+                      <a:pPr algn="l" fontAlgn="b"/>
+                      <a:r>
+                        <a:rPr lang="en-US" sz="1200" b="0" u="none" strike="noStrike">
+                          <a:effectLst/>
+                        </a:rPr>
+                        <a:t>Lingnan</a:t>
+                      </a:r>
+                      <a:endParaRPr lang="en-US" sz="1200" b="0" i="0" u="none" strike="noStrike">
+                        <a:effectLst/>
+                        <a:latin typeface="Arial" panose="020B0604020202020204" pitchFamily="34" charset="0"/>
+                      </a:endParaRPr>
+                    </a:p>
+                  </a:txBody>
+                  <a:tcPr marL="27432" marR="27432" marT="9144" marB="9144" anchor="ctr"/>
+                </a:tc>
+                <a:tc>
+                  <a:txBody>
+                    <a:bodyPr/>
+                    <a:lstStyle/>
+                    <a:p>
+                      <a:pPr algn="l" fontAlgn="b"/>
+                      <a:r>
+                        <a:rPr lang="en-US" sz="1200" b="0" u="none" strike="noStrike" dirty="0">
+                          <a:effectLst/>
+                        </a:rPr>
+                        <a:t>14-28</a:t>
+                      </a:r>
+                      <a:endParaRPr lang="en-US" sz="1200" b="0" i="0" u="none" strike="noStrike" dirty="0">
+                        <a:effectLst/>
+                        <a:latin typeface="Arial" panose="020B0604020202020204" pitchFamily="34" charset="0"/>
+                      </a:endParaRPr>
+                    </a:p>
+                  </a:txBody>
+                  <a:tcPr marL="27432" marR="27432" marT="9144" marB="9144" anchor="ctr"/>
+                </a:tc>
+                <a:tc>
+                  <a:txBody>
+                    <a:bodyPr/>
+                    <a:lstStyle/>
+                    <a:p>
+                      <a:pPr algn="l" fontAlgn="b"/>
+                      <a:r>
+                        <a:rPr lang="en-US" sz="1200" b="0" u="none" strike="noStrike">
+                          <a:effectLst/>
+                        </a:rPr>
+                        <a:t>29-42</a:t>
+                      </a:r>
+                      <a:endParaRPr lang="en-US" sz="1200" b="0" i="0" u="none" strike="noStrike">
+                        <a:effectLst/>
+                        <a:latin typeface="Arial" panose="020B0604020202020204" pitchFamily="34" charset="0"/>
+                      </a:endParaRPr>
+                    </a:p>
+                  </a:txBody>
+                  <a:tcPr marL="27432" marR="27432" marT="9144" marB="9144" anchor="ctr"/>
+                </a:tc>
+                <a:tc>
+                  <a:txBody>
+                    <a:bodyPr/>
+                    <a:lstStyle/>
+                    <a:p>
+                      <a:pPr algn="l" fontAlgn="b"/>
+                      <a:r>
+                        <a:rPr lang="en-US" sz="1200" b="0" u="none" strike="noStrike">
+                          <a:effectLst/>
+                        </a:rPr>
+                        <a:t>14-42</a:t>
+                      </a:r>
+                      <a:endParaRPr lang="en-US" sz="1200" b="0" i="0" u="none" strike="noStrike">
+                        <a:effectLst/>
+                        <a:latin typeface="Arial" panose="020B0604020202020204" pitchFamily="34" charset="0"/>
+                      </a:endParaRPr>
+                    </a:p>
+                  </a:txBody>
+                  <a:tcPr marL="27432" marR="27432" marT="9144" marB="9144" anchor="ctr"/>
+                </a:tc>
+                <a:tc>
+                  <a:txBody>
+                    <a:bodyPr/>
+                    <a:lstStyle/>
+                    <a:p>
+                      <a:pPr algn="r" fontAlgn="b"/>
+                      <a:r>
+                        <a:rPr lang="en-US" sz="1200" b="0" u="none" strike="noStrike">
+                          <a:effectLst/>
+                        </a:rPr>
+                        <a:t>545.5000</a:t>
+                      </a:r>
+                      <a:endParaRPr lang="en-US" sz="1200" b="0" i="0" u="none" strike="noStrike">
+                        <a:effectLst/>
+                        <a:latin typeface="Arial" panose="020B0604020202020204" pitchFamily="34" charset="0"/>
+                      </a:endParaRPr>
+                    </a:p>
+                  </a:txBody>
+                  <a:tcPr marL="27432" marR="27432" marT="9144" marB="9144" anchor="ctr"/>
+                </a:tc>
+                <a:tc>
+                  <a:txBody>
+                    <a:bodyPr/>
+                    <a:lstStyle/>
+                    <a:p>
+                      <a:pPr algn="r" fontAlgn="b"/>
+                      <a:r>
+                        <a:rPr lang="en-US" sz="1200" b="0" u="none" strike="noStrike">
+                          <a:effectLst/>
+                        </a:rPr>
+                        <a:t>21.5000</a:t>
+                      </a:r>
+                      <a:endParaRPr lang="en-US" sz="1200" b="0" i="0" u="none" strike="noStrike">
+                        <a:effectLst/>
+                        <a:latin typeface="Arial" panose="020B0604020202020204" pitchFamily="34" charset="0"/>
+                      </a:endParaRPr>
+                    </a:p>
+                  </a:txBody>
+                  <a:tcPr marL="27432" marR="27432" marT="9144" marB="9144" anchor="ctr"/>
+                </a:tc>
+                <a:tc>
+                  <a:txBody>
+                    <a:bodyPr/>
+                    <a:lstStyle/>
+                    <a:p>
+                      <a:pPr algn="r" fontAlgn="b"/>
+                      <a:r>
+                        <a:rPr lang="en-US" sz="1200" b="0" u="none" strike="noStrike">
+                          <a:effectLst/>
+                        </a:rPr>
+                        <a:t>39.4000</a:t>
+                      </a:r>
+                      <a:endParaRPr lang="en-US" sz="1200" b="0" i="0" u="none" strike="noStrike">
+                        <a:effectLst/>
+                        <a:latin typeface="Arial" panose="020B0604020202020204" pitchFamily="34" charset="0"/>
+                      </a:endParaRPr>
+                    </a:p>
+                  </a:txBody>
+                  <a:tcPr marL="27432" marR="27432" marT="9144" marB="9144" anchor="ctr"/>
+                </a:tc>
+                <a:tc>
+                  <a:txBody>
+                    <a:bodyPr/>
+                    <a:lstStyle/>
+                    <a:p>
+                      <a:pPr algn="r" fontAlgn="b"/>
+                      <a:r>
+                        <a:rPr lang="en-US" sz="1200" b="0" u="none" strike="noStrike">
+                          <a:effectLst/>
+                        </a:rPr>
+                        <a:t>1.8300</a:t>
+                      </a:r>
+                      <a:endParaRPr lang="en-US" sz="1200" b="0" i="0" u="none" strike="noStrike">
+                        <a:effectLst/>
+                        <a:latin typeface="Arial" panose="020B0604020202020204" pitchFamily="34" charset="0"/>
+                      </a:endParaRPr>
+                    </a:p>
+                  </a:txBody>
+                  <a:tcPr marL="27432" marR="27432" marT="9144" marB="9144" anchor="ctr"/>
+                </a:tc>
+                <a:extLst>
+                  <a:ext uri="{0D108BD9-81ED-4DB2-BD59-A6C34878D82A}">
+                    <a16:rowId xmlns:a16="http://schemas.microsoft.com/office/drawing/2014/main" val="2776096499"/>
+                  </a:ext>
+                </a:extLst>
+              </a:tr>
+              <a:tr h="370840">
+                <a:tc>
+                  <a:txBody>
+                    <a:bodyPr/>
+                    <a:lstStyle/>
+                    <a:p>
+                      <a:pPr algn="l" fontAlgn="b"/>
+                      <a:r>
+                        <a:rPr lang="en-US" sz="1200" b="0" u="none" strike="noStrike">
+                          <a:effectLst/>
+                        </a:rPr>
+                        <a:t>3</a:t>
+                      </a:r>
+                      <a:endParaRPr lang="en-US" sz="1200" b="0" i="0" u="none" strike="noStrike">
+                        <a:effectLst/>
+                        <a:latin typeface="Arial" panose="020B0604020202020204" pitchFamily="34" charset="0"/>
+                      </a:endParaRPr>
+                    </a:p>
+                  </a:txBody>
+                  <a:tcPr marL="27432" marR="27432" marT="9144" marB="9144" anchor="ctr"/>
+                </a:tc>
+                <a:tc>
+                  <a:txBody>
+                    <a:bodyPr/>
+                    <a:lstStyle/>
+                    <a:p>
+                      <a:pPr algn="l" fontAlgn="b"/>
+                      <a:r>
+                        <a:rPr lang="en-US" sz="1200" b="0" u="none" strike="noStrike">
+                          <a:effectLst/>
+                        </a:rPr>
+                        <a:t>Wen and He</a:t>
+                      </a:r>
+                      <a:endParaRPr lang="en-US" sz="1200" b="0" i="0" u="none" strike="noStrike">
+                        <a:effectLst/>
+                        <a:latin typeface="Arial" panose="020B0604020202020204" pitchFamily="34" charset="0"/>
+                      </a:endParaRPr>
+                    </a:p>
+                  </a:txBody>
+                  <a:tcPr marL="27432" marR="27432" marT="9144" marB="9144" anchor="ctr"/>
+                </a:tc>
+                <a:tc>
+                  <a:txBody>
+                    <a:bodyPr/>
+                    <a:lstStyle/>
+                    <a:p>
+                      <a:pPr algn="r" fontAlgn="b"/>
+                      <a:r>
+                        <a:rPr lang="en-US" sz="1200" b="0" u="none" strike="noStrike">
+                          <a:effectLst/>
+                        </a:rPr>
+                        <a:t>2012</a:t>
+                      </a:r>
+                      <a:endParaRPr lang="en-US" sz="1200" b="0" i="0" u="none" strike="noStrike">
+                        <a:effectLst/>
+                        <a:latin typeface="Arial" panose="020B0604020202020204" pitchFamily="34" charset="0"/>
+                      </a:endParaRPr>
+                    </a:p>
+                  </a:txBody>
+                  <a:tcPr marL="27432" marR="27432" marT="9144" marB="9144" anchor="ctr"/>
+                </a:tc>
+                <a:tc>
+                  <a:txBody>
+                    <a:bodyPr/>
+                    <a:lstStyle/>
+                    <a:p>
+                      <a:pPr algn="l" fontAlgn="b"/>
+                      <a:r>
+                        <a:rPr lang="en-US" sz="1200" b="0" u="none" strike="noStrike">
+                          <a:effectLst/>
+                        </a:rPr>
+                        <a:t>Cecropin A</a:t>
+                      </a:r>
+                      <a:endParaRPr lang="en-US" sz="1200" b="0" i="0" u="none" strike="noStrike">
+                        <a:effectLst/>
+                        <a:latin typeface="Arial" panose="020B0604020202020204" pitchFamily="34" charset="0"/>
+                      </a:endParaRPr>
+                    </a:p>
+                  </a:txBody>
+                  <a:tcPr marL="27432" marR="27432" marT="9144" marB="9144" anchor="ctr"/>
+                </a:tc>
+                <a:tc>
+                  <a:txBody>
+                    <a:bodyPr/>
+                    <a:lstStyle/>
+                    <a:p>
+                      <a:pPr algn="r" fontAlgn="b"/>
+                      <a:r>
+                        <a:rPr lang="en-US" sz="1200" b="0" u="none" strike="noStrike" dirty="0">
+                          <a:effectLst/>
+                        </a:rPr>
+                        <a:t>4.0000</a:t>
+                      </a:r>
+                      <a:endParaRPr lang="en-US" sz="1200" b="0" i="0" u="none" strike="noStrike" dirty="0">
+                        <a:effectLst/>
+                        <a:latin typeface="Arial" panose="020B0604020202020204" pitchFamily="34" charset="0"/>
+                      </a:endParaRPr>
+                    </a:p>
+                  </a:txBody>
+                  <a:tcPr marL="27432" marR="27432" marT="9144" marB="9144" anchor="ctr"/>
+                </a:tc>
+                <a:tc>
+                  <a:txBody>
+                    <a:bodyPr/>
+                    <a:lstStyle/>
+                    <a:p>
+                      <a:pPr algn="l" fontAlgn="b"/>
+                      <a:r>
+                        <a:rPr lang="en-US" sz="1200" b="0" u="none" strike="noStrike">
+                          <a:effectLst/>
+                        </a:rPr>
+                        <a:t>Lingnan</a:t>
+                      </a:r>
+                      <a:endParaRPr lang="en-US" sz="1200" b="0" i="0" u="none" strike="noStrike">
+                        <a:effectLst/>
+                        <a:latin typeface="Arial" panose="020B0604020202020204" pitchFamily="34" charset="0"/>
+                      </a:endParaRPr>
+                    </a:p>
+                  </a:txBody>
+                  <a:tcPr marL="27432" marR="27432" marT="9144" marB="9144" anchor="ctr"/>
+                </a:tc>
+                <a:tc>
+                  <a:txBody>
+                    <a:bodyPr/>
+                    <a:lstStyle/>
+                    <a:p>
+                      <a:pPr algn="l" fontAlgn="b"/>
+                      <a:r>
+                        <a:rPr lang="en-US" sz="1200" b="0" u="none" strike="noStrike">
+                          <a:effectLst/>
+                        </a:rPr>
+                        <a:t>14-28</a:t>
+                      </a:r>
+                      <a:endParaRPr lang="en-US" sz="1200" b="0" i="0" u="none" strike="noStrike">
+                        <a:effectLst/>
+                        <a:latin typeface="Arial" panose="020B0604020202020204" pitchFamily="34" charset="0"/>
+                      </a:endParaRPr>
+                    </a:p>
+                  </a:txBody>
+                  <a:tcPr marL="27432" marR="27432" marT="9144" marB="9144" anchor="ctr"/>
+                </a:tc>
+                <a:tc>
+                  <a:txBody>
+                    <a:bodyPr/>
+                    <a:lstStyle/>
+                    <a:p>
+                      <a:pPr algn="l" fontAlgn="b"/>
+                      <a:r>
+                        <a:rPr lang="en-US" sz="1200" b="0" u="none" strike="noStrike" dirty="0">
+                          <a:effectLst/>
+                        </a:rPr>
+                        <a:t>29-42</a:t>
+                      </a:r>
+                      <a:endParaRPr lang="en-US" sz="1200" b="0" i="0" u="none" strike="noStrike" dirty="0">
+                        <a:effectLst/>
+                        <a:latin typeface="Arial" panose="020B0604020202020204" pitchFamily="34" charset="0"/>
+                      </a:endParaRPr>
+                    </a:p>
+                  </a:txBody>
+                  <a:tcPr marL="27432" marR="27432" marT="9144" marB="9144" anchor="ctr"/>
+                </a:tc>
+                <a:tc>
+                  <a:txBody>
+                    <a:bodyPr/>
+                    <a:lstStyle/>
+                    <a:p>
+                      <a:pPr algn="l" fontAlgn="b"/>
+                      <a:r>
+                        <a:rPr lang="en-US" sz="1200" b="0" u="none" strike="noStrike">
+                          <a:effectLst/>
+                        </a:rPr>
+                        <a:t>14-42</a:t>
+                      </a:r>
+                      <a:endParaRPr lang="en-US" sz="1200" b="0" i="0" u="none" strike="noStrike">
+                        <a:effectLst/>
+                        <a:latin typeface="Arial" panose="020B0604020202020204" pitchFamily="34" charset="0"/>
+                      </a:endParaRPr>
+                    </a:p>
+                  </a:txBody>
+                  <a:tcPr marL="27432" marR="27432" marT="9144" marB="9144" anchor="ctr"/>
+                </a:tc>
+                <a:tc>
+                  <a:txBody>
+                    <a:bodyPr/>
+                    <a:lstStyle/>
+                    <a:p>
+                      <a:pPr algn="r" fontAlgn="b"/>
+                      <a:r>
+                        <a:rPr lang="en-US" sz="1200" b="0" u="none" strike="noStrike">
+                          <a:effectLst/>
+                        </a:rPr>
+                        <a:t>551.5000</a:t>
+                      </a:r>
+                      <a:endParaRPr lang="en-US" sz="1200" b="0" i="0" u="none" strike="noStrike">
+                        <a:effectLst/>
+                        <a:latin typeface="Arial" panose="020B0604020202020204" pitchFamily="34" charset="0"/>
+                      </a:endParaRPr>
+                    </a:p>
+                  </a:txBody>
+                  <a:tcPr marL="27432" marR="27432" marT="9144" marB="9144" anchor="ctr"/>
+                </a:tc>
+                <a:tc>
+                  <a:txBody>
+                    <a:bodyPr/>
+                    <a:lstStyle/>
+                    <a:p>
+                      <a:pPr algn="r" fontAlgn="b"/>
+                      <a:r>
+                        <a:rPr lang="en-US" sz="1200" b="0" u="none" strike="noStrike" dirty="0">
+                          <a:effectLst/>
+                        </a:rPr>
+                        <a:t>21.9000</a:t>
+                      </a:r>
+                      <a:endParaRPr lang="en-US" sz="1200" b="0" i="0" u="none" strike="noStrike" dirty="0">
+                        <a:effectLst/>
+                        <a:latin typeface="Arial" panose="020B0604020202020204" pitchFamily="34" charset="0"/>
+                      </a:endParaRPr>
+                    </a:p>
+                  </a:txBody>
+                  <a:tcPr marL="27432" marR="27432" marT="9144" marB="9144" anchor="ctr"/>
+                </a:tc>
+                <a:tc>
+                  <a:txBody>
+                    <a:bodyPr/>
+                    <a:lstStyle/>
+                    <a:p>
+                      <a:pPr algn="r" fontAlgn="b"/>
+                      <a:r>
+                        <a:rPr lang="en-US" sz="1200" b="0" u="none" strike="noStrike" dirty="0">
+                          <a:effectLst/>
+                        </a:rPr>
+                        <a:t>38.9000</a:t>
+                      </a:r>
+                      <a:endParaRPr lang="en-US" sz="1200" b="0" i="0" u="none" strike="noStrike" dirty="0">
+                        <a:effectLst/>
+                        <a:latin typeface="Arial" panose="020B0604020202020204" pitchFamily="34" charset="0"/>
+                      </a:endParaRPr>
+                    </a:p>
+                  </a:txBody>
+                  <a:tcPr marL="27432" marR="27432" marT="9144" marB="9144" anchor="ctr"/>
+                </a:tc>
+                <a:tc>
+                  <a:txBody>
+                    <a:bodyPr/>
+                    <a:lstStyle/>
+                    <a:p>
+                      <a:pPr algn="r" fontAlgn="b"/>
+                      <a:r>
+                        <a:rPr lang="en-US" sz="1200" b="0" u="none" strike="noStrike">
+                          <a:effectLst/>
+                        </a:rPr>
+                        <a:t>1.7800</a:t>
+                      </a:r>
+                      <a:endParaRPr lang="en-US" sz="1200" b="0" i="0" u="none" strike="noStrike">
+                        <a:effectLst/>
+                        <a:latin typeface="Arial" panose="020B0604020202020204" pitchFamily="34" charset="0"/>
+                      </a:endParaRPr>
+                    </a:p>
+                  </a:txBody>
+                  <a:tcPr marL="27432" marR="27432" marT="9144" marB="9144" anchor="ctr"/>
+                </a:tc>
+                <a:extLst>
+                  <a:ext uri="{0D108BD9-81ED-4DB2-BD59-A6C34878D82A}">
+                    <a16:rowId xmlns:a16="http://schemas.microsoft.com/office/drawing/2014/main" val="839431553"/>
+                  </a:ext>
+                </a:extLst>
+              </a:tr>
+              <a:tr h="370840">
+                <a:tc>
+                  <a:txBody>
+                    <a:bodyPr/>
+                    <a:lstStyle/>
+                    <a:p>
+                      <a:pPr algn="l" fontAlgn="b"/>
+                      <a:r>
+                        <a:rPr lang="en-US" sz="1200" b="0" u="none" strike="noStrike" dirty="0">
+                          <a:effectLst/>
+                        </a:rPr>
+                        <a:t>3</a:t>
+                      </a:r>
+                      <a:endParaRPr lang="en-US" sz="1200" b="0" i="0" u="none" strike="noStrike" dirty="0">
+                        <a:effectLst/>
+                        <a:latin typeface="Arial" panose="020B0604020202020204" pitchFamily="34" charset="0"/>
+                      </a:endParaRPr>
+                    </a:p>
+                  </a:txBody>
+                  <a:tcPr marL="27432" marR="27432" marT="9144" marB="9144" anchor="ctr"/>
+                </a:tc>
+                <a:tc>
+                  <a:txBody>
+                    <a:bodyPr/>
+                    <a:lstStyle/>
+                    <a:p>
+                      <a:pPr algn="l" fontAlgn="b"/>
+                      <a:r>
+                        <a:rPr lang="en-US" sz="1200" b="0" u="none" strike="noStrike">
+                          <a:effectLst/>
+                        </a:rPr>
+                        <a:t>Wen and He</a:t>
+                      </a:r>
+                      <a:endParaRPr lang="en-US" sz="1200" b="0" i="0" u="none" strike="noStrike">
+                        <a:effectLst/>
+                        <a:latin typeface="Arial" panose="020B0604020202020204" pitchFamily="34" charset="0"/>
+                      </a:endParaRPr>
+                    </a:p>
+                  </a:txBody>
+                  <a:tcPr marL="27432" marR="27432" marT="9144" marB="9144" anchor="ctr"/>
+                </a:tc>
+                <a:tc>
+                  <a:txBody>
+                    <a:bodyPr/>
+                    <a:lstStyle/>
+                    <a:p>
+                      <a:pPr algn="r" fontAlgn="b"/>
+                      <a:r>
+                        <a:rPr lang="en-US" sz="1200" b="0" u="none" strike="noStrike">
+                          <a:effectLst/>
+                        </a:rPr>
+                        <a:t>2012</a:t>
+                      </a:r>
+                      <a:endParaRPr lang="en-US" sz="1200" b="0" i="0" u="none" strike="noStrike">
+                        <a:effectLst/>
+                        <a:latin typeface="Arial" panose="020B0604020202020204" pitchFamily="34" charset="0"/>
+                      </a:endParaRPr>
+                    </a:p>
+                  </a:txBody>
+                  <a:tcPr marL="27432" marR="27432" marT="9144" marB="9144" anchor="ctr"/>
+                </a:tc>
+                <a:tc>
+                  <a:txBody>
+                    <a:bodyPr/>
+                    <a:lstStyle/>
+                    <a:p>
+                      <a:pPr algn="l" fontAlgn="b"/>
+                      <a:r>
+                        <a:rPr lang="en-US" sz="1200" b="0" u="none" strike="noStrike">
+                          <a:effectLst/>
+                        </a:rPr>
+                        <a:t>Cecropin A</a:t>
+                      </a:r>
+                      <a:endParaRPr lang="en-US" sz="1200" b="0" i="0" u="none" strike="noStrike">
+                        <a:effectLst/>
+                        <a:latin typeface="Arial" panose="020B0604020202020204" pitchFamily="34" charset="0"/>
+                      </a:endParaRPr>
+                    </a:p>
+                  </a:txBody>
+                  <a:tcPr marL="27432" marR="27432" marT="9144" marB="9144" anchor="ctr"/>
+                </a:tc>
+                <a:tc>
+                  <a:txBody>
+                    <a:bodyPr/>
+                    <a:lstStyle/>
+                    <a:p>
+                      <a:pPr algn="r" fontAlgn="b"/>
+                      <a:r>
+                        <a:rPr lang="en-US" sz="1200" b="0" u="none" strike="noStrike" dirty="0">
+                          <a:effectLst/>
+                        </a:rPr>
+                        <a:t>6.0000</a:t>
+                      </a:r>
+                      <a:endParaRPr lang="en-US" sz="1200" b="0" i="0" u="none" strike="noStrike" dirty="0">
+                        <a:effectLst/>
+                        <a:latin typeface="Arial" panose="020B0604020202020204" pitchFamily="34" charset="0"/>
+                      </a:endParaRPr>
+                    </a:p>
+                  </a:txBody>
+                  <a:tcPr marL="27432" marR="27432" marT="9144" marB="9144" anchor="ctr"/>
+                </a:tc>
+                <a:tc>
+                  <a:txBody>
+                    <a:bodyPr/>
+                    <a:lstStyle/>
+                    <a:p>
+                      <a:pPr algn="l" fontAlgn="b"/>
+                      <a:r>
+                        <a:rPr lang="en-US" sz="1200" b="0" u="none" strike="noStrike">
+                          <a:effectLst/>
+                        </a:rPr>
+                        <a:t>Lingnan</a:t>
+                      </a:r>
+                      <a:endParaRPr lang="en-US" sz="1200" b="0" i="0" u="none" strike="noStrike">
+                        <a:effectLst/>
+                        <a:latin typeface="Arial" panose="020B0604020202020204" pitchFamily="34" charset="0"/>
+                      </a:endParaRPr>
+                    </a:p>
+                  </a:txBody>
+                  <a:tcPr marL="27432" marR="27432" marT="9144" marB="9144" anchor="ctr"/>
+                </a:tc>
+                <a:tc>
+                  <a:txBody>
+                    <a:bodyPr/>
+                    <a:lstStyle/>
+                    <a:p>
+                      <a:pPr algn="l" fontAlgn="b"/>
+                      <a:r>
+                        <a:rPr lang="en-US" sz="1200" b="0" u="none" strike="noStrike">
+                          <a:effectLst/>
+                        </a:rPr>
+                        <a:t>14-28</a:t>
+                      </a:r>
+                      <a:endParaRPr lang="en-US" sz="1200" b="0" i="0" u="none" strike="noStrike">
+                        <a:effectLst/>
+                        <a:latin typeface="Arial" panose="020B0604020202020204" pitchFamily="34" charset="0"/>
+                      </a:endParaRPr>
+                    </a:p>
+                  </a:txBody>
+                  <a:tcPr marL="27432" marR="27432" marT="9144" marB="9144" anchor="ctr"/>
+                </a:tc>
+                <a:tc>
+                  <a:txBody>
+                    <a:bodyPr/>
+                    <a:lstStyle/>
+                    <a:p>
+                      <a:pPr algn="l" fontAlgn="b"/>
+                      <a:r>
+                        <a:rPr lang="en-US" sz="1200" b="0" u="none" strike="noStrike">
+                          <a:effectLst/>
+                        </a:rPr>
+                        <a:t>29-42</a:t>
+                      </a:r>
+                      <a:endParaRPr lang="en-US" sz="1200" b="0" i="0" u="none" strike="noStrike">
+                        <a:effectLst/>
+                        <a:latin typeface="Arial" panose="020B0604020202020204" pitchFamily="34" charset="0"/>
+                      </a:endParaRPr>
+                    </a:p>
+                  </a:txBody>
+                  <a:tcPr marL="27432" marR="27432" marT="9144" marB="9144" anchor="ctr"/>
+                </a:tc>
+                <a:tc>
+                  <a:txBody>
+                    <a:bodyPr/>
+                    <a:lstStyle/>
+                    <a:p>
+                      <a:pPr algn="l" fontAlgn="b"/>
+                      <a:r>
+                        <a:rPr lang="en-US" sz="1200" b="0" u="none" strike="noStrike" dirty="0">
+                          <a:effectLst/>
+                        </a:rPr>
+                        <a:t>14-42</a:t>
+                      </a:r>
+                      <a:endParaRPr lang="en-US" sz="1200" b="0" i="0" u="none" strike="noStrike" dirty="0">
+                        <a:effectLst/>
+                        <a:latin typeface="Arial" panose="020B0604020202020204" pitchFamily="34" charset="0"/>
+                      </a:endParaRPr>
+                    </a:p>
+                  </a:txBody>
+                  <a:tcPr marL="27432" marR="27432" marT="9144" marB="9144" anchor="ctr"/>
+                </a:tc>
+                <a:tc>
+                  <a:txBody>
+                    <a:bodyPr/>
+                    <a:lstStyle/>
+                    <a:p>
+                      <a:pPr algn="r" fontAlgn="b"/>
+                      <a:r>
+                        <a:rPr lang="en-US" sz="1200" b="0" u="none" strike="noStrike">
+                          <a:effectLst/>
+                        </a:rPr>
+                        <a:t>545.0000</a:t>
+                      </a:r>
+                      <a:endParaRPr lang="en-US" sz="1200" b="0" i="0" u="none" strike="noStrike">
+                        <a:effectLst/>
+                        <a:latin typeface="Arial" panose="020B0604020202020204" pitchFamily="34" charset="0"/>
+                      </a:endParaRPr>
+                    </a:p>
+                  </a:txBody>
+                  <a:tcPr marL="27432" marR="27432" marT="9144" marB="9144" anchor="ctr"/>
+                </a:tc>
+                <a:tc>
+                  <a:txBody>
+                    <a:bodyPr/>
+                    <a:lstStyle/>
+                    <a:p>
+                      <a:pPr algn="r" fontAlgn="b"/>
+                      <a:r>
+                        <a:rPr lang="en-US" sz="1200" b="0" u="none" strike="noStrike">
+                          <a:effectLst/>
+                        </a:rPr>
+                        <a:t>21.6000</a:t>
+                      </a:r>
+                      <a:endParaRPr lang="en-US" sz="1200" b="0" i="0" u="none" strike="noStrike">
+                        <a:effectLst/>
+                        <a:latin typeface="Arial" panose="020B0604020202020204" pitchFamily="34" charset="0"/>
+                      </a:endParaRPr>
+                    </a:p>
+                  </a:txBody>
+                  <a:tcPr marL="27432" marR="27432" marT="9144" marB="9144" anchor="ctr"/>
+                </a:tc>
+                <a:tc>
+                  <a:txBody>
+                    <a:bodyPr/>
+                    <a:lstStyle/>
+                    <a:p>
+                      <a:pPr algn="r" fontAlgn="b"/>
+                      <a:r>
+                        <a:rPr lang="en-US" sz="1200" b="0" u="none" strike="noStrike" dirty="0">
+                          <a:effectLst/>
+                        </a:rPr>
+                        <a:t>34.7000</a:t>
+                      </a:r>
+                      <a:endParaRPr lang="en-US" sz="1200" b="0" i="0" u="none" strike="noStrike" dirty="0">
+                        <a:effectLst/>
+                        <a:latin typeface="Arial" panose="020B0604020202020204" pitchFamily="34" charset="0"/>
+                      </a:endParaRPr>
+                    </a:p>
+                  </a:txBody>
+                  <a:tcPr marL="27432" marR="27432" marT="9144" marB="9144" anchor="ctr"/>
+                </a:tc>
+                <a:tc>
+                  <a:txBody>
+                    <a:bodyPr/>
+                    <a:lstStyle/>
+                    <a:p>
+                      <a:pPr algn="r" fontAlgn="b"/>
+                      <a:r>
+                        <a:rPr lang="en-US" sz="1200" b="0" u="none" strike="noStrike" dirty="0">
+                          <a:effectLst/>
+                        </a:rPr>
+                        <a:t>1.6100</a:t>
+                      </a:r>
+                      <a:endParaRPr lang="en-US" sz="1200" b="0" i="0" u="none" strike="noStrike" dirty="0">
+                        <a:effectLst/>
+                        <a:latin typeface="Arial" panose="020B0604020202020204" pitchFamily="34" charset="0"/>
+                      </a:endParaRPr>
+                    </a:p>
+                  </a:txBody>
+                  <a:tcPr marL="27432" marR="27432" marT="9144" marB="9144" anchor="ctr"/>
+                </a:tc>
+                <a:extLst>
+                  <a:ext uri="{0D108BD9-81ED-4DB2-BD59-A6C34878D82A}">
+                    <a16:rowId xmlns:a16="http://schemas.microsoft.com/office/drawing/2014/main" val="3684314561"/>
+                  </a:ext>
+                </a:extLst>
+              </a:tr>
+            </a:tbl>
+          </a:graphicData>
+        </a:graphic>
+      </p:graphicFrame>
+    </p:spTree>
+    <p:extLst>
+      <p:ext uri="{BB962C8B-B14F-4D97-AF65-F5344CB8AC3E}">
+        <p14:creationId xmlns:p14="http://schemas.microsoft.com/office/powerpoint/2010/main" val="1820634318"/>
+      </p:ext>
+    </p:extLst>
+  </p:cSld>
+  <p:clrMapOvr>
+    <a:masterClrMapping/>
+  </p:clrMapOvr>
+</p:sld>
+</file>
+
+<file path=ppt/slides/slide12.xml><?xml version="1.0" encoding="utf-8"?>
+<p:sld xmlns:a="http://schemas.openxmlformats.org/drawingml/2006/main" xmlns:r="http://schemas.openxmlformats.org/officeDocument/2006/relationships" xmlns:p="http://schemas.openxmlformats.org/presentationml/2006/main">
+  <p:cSld>
+    <p:bg>
+      <p:bgPr>
+        <a:solidFill>
+          <a:schemeClr val="bg1"/>
+        </a:solidFill>
+        <a:effectLst/>
+      </p:bgPr>
+    </p:bg>
+    <p:spTree>
+      <p:nvGrpSpPr>
+        <p:cNvPr id="1" name=""/>
+        <p:cNvGrpSpPr/>
+        <p:nvPr/>
+      </p:nvGrpSpPr>
+      <p:grpSpPr>
+        <a:xfrm>
+          <a:off x="0" y="0"/>
+          <a:ext cx="0" cy="0"/>
+          <a:chOff x="0" y="0"/>
+          <a:chExt cx="0" cy="0"/>
+        </a:xfrm>
+      </p:grpSpPr>
+      <p:sp>
+        <p:nvSpPr>
+          <p:cNvPr id="2" name="Title 1">
+            <a:extLst>
+              <a:ext uri="{FF2B5EF4-FFF2-40B4-BE49-F238E27FC236}">
+                <a16:creationId xmlns:a16="http://schemas.microsoft.com/office/drawing/2014/main" id="{F07E19FF-DAD9-4AB4-9D83-993EE9FE6846}"/>
+              </a:ext>
+            </a:extLst>
+          </p:cNvPr>
+          <p:cNvSpPr>
+            <a:spLocks noGrp="1"/>
+          </p:cNvSpPr>
+          <p:nvPr>
+            <p:ph type="title"/>
+          </p:nvPr>
+        </p:nvSpPr>
+        <p:spPr>
+          <a:xfrm>
+            <a:off x="444500" y="412137"/>
+            <a:ext cx="9385300" cy="640080"/>
+          </a:xfrm>
+        </p:spPr>
+        <p:txBody>
+          <a:bodyPr>
+            <a:normAutofit/>
+          </a:bodyPr>
+          <a:lstStyle/>
+          <a:p>
+            <a:r>
+              <a:rPr lang="en-US" dirty="0">
+                <a:latin typeface="Segoe UI Semibold" panose="020B0502040204020203" pitchFamily="34" charset="0"/>
+                <a:cs typeface="Segoe UI Semibold" panose="020B0502040204020203" pitchFamily="34" charset="0"/>
+              </a:rPr>
+              <a:t>3. </a:t>
+            </a:r>
+            <a:r>
+              <a:rPr lang="en-US" dirty="0" err="1">
+                <a:latin typeface="Segoe UI Semibold" panose="020B0502040204020203" pitchFamily="34" charset="0"/>
+                <a:cs typeface="Segoe UI Semibold" panose="020B0502040204020203" pitchFamily="34" charset="0"/>
+              </a:rPr>
+              <a:t>Contoh</a:t>
+            </a:r>
+            <a:r>
+              <a:rPr lang="en-US" dirty="0">
+                <a:latin typeface="Segoe UI Semibold" panose="020B0502040204020203" pitchFamily="34" charset="0"/>
+                <a:cs typeface="Segoe UI Semibold" panose="020B0502040204020203" pitchFamily="34" charset="0"/>
+              </a:rPr>
+              <a:t>: </a:t>
+            </a:r>
+            <a:r>
+              <a:rPr lang="en-US" dirty="0" err="1">
+                <a:latin typeface="Segoe UI Light" panose="020B0502040204020203" pitchFamily="34" charset="0"/>
+                <a:cs typeface="Segoe UI Light" panose="020B0502040204020203" pitchFamily="34" charset="0"/>
+              </a:rPr>
+              <a:t>Analisis</a:t>
+            </a:r>
+            <a:r>
+              <a:rPr lang="en-US" dirty="0">
+                <a:latin typeface="Segoe UI Light" panose="020B0502040204020203" pitchFamily="34" charset="0"/>
+                <a:cs typeface="Segoe UI Light" panose="020B0502040204020203" pitchFamily="34" charset="0"/>
+              </a:rPr>
+              <a:t> (choi 2013)</a:t>
+            </a:r>
+          </a:p>
+        </p:txBody>
+      </p:sp>
+      <p:pic>
+        <p:nvPicPr>
+          <p:cNvPr id="5" name="Picture 4">
+            <a:extLst>
+              <a:ext uri="{FF2B5EF4-FFF2-40B4-BE49-F238E27FC236}">
+                <a16:creationId xmlns:a16="http://schemas.microsoft.com/office/drawing/2014/main" id="{B63FC9BC-CF96-441B-B7D4-1C2C56CD02B8}"/>
+              </a:ext>
+            </a:extLst>
+          </p:cNvPr>
+          <p:cNvPicPr>
+            <a:picLocks noChangeAspect="1"/>
+          </p:cNvPicPr>
+          <p:nvPr/>
+        </p:nvPicPr>
+        <p:blipFill>
+          <a:blip r:embed="rId2">
+            <a:extLst>
+              <a:ext uri="{28A0092B-C50C-407E-A947-70E740481C1C}">
+                <a14:useLocalDpi xmlns:a14="http://schemas.microsoft.com/office/drawing/2010/main" val="0"/>
+              </a:ext>
+            </a:extLst>
+          </a:blip>
+          <a:stretch>
+            <a:fillRect/>
+          </a:stretch>
+        </p:blipFill>
+        <p:spPr>
+          <a:xfrm>
+            <a:off x="444500" y="1420956"/>
+            <a:ext cx="7940728" cy="4016088"/>
+          </a:xfrm>
+          <a:prstGeom prst="rect">
+            <a:avLst/>
+          </a:prstGeom>
+        </p:spPr>
+      </p:pic>
+      <p:sp>
+        <p:nvSpPr>
+          <p:cNvPr id="21" name="Rectangle 20">
+            <a:extLst>
+              <a:ext uri="{FF2B5EF4-FFF2-40B4-BE49-F238E27FC236}">
+                <a16:creationId xmlns:a16="http://schemas.microsoft.com/office/drawing/2014/main" id="{040504DD-0E6C-478B-AE1D-FD3B64F1BA6D}"/>
+              </a:ext>
+            </a:extLst>
+          </p:cNvPr>
+          <p:cNvSpPr/>
+          <p:nvPr/>
+        </p:nvSpPr>
+        <p:spPr>
+          <a:xfrm>
+            <a:off x="2971800" y="2463978"/>
+            <a:ext cx="2438400" cy="222250"/>
+          </a:xfrm>
+          <a:prstGeom prst="rect">
+            <a:avLst/>
+          </a:prstGeom>
+          <a:solidFill>
+            <a:schemeClr val="accent2">
+              <a:alpha val="50000"/>
+            </a:schemeClr>
+          </a:solidFill>
+          <a:ln>
+            <a:noFill/>
+          </a:ln>
+        </p:spPr>
+        <p:style>
+          <a:lnRef idx="0">
+            <a:scrgbClr r="0" g="0" b="0"/>
+          </a:lnRef>
+          <a:fillRef idx="0">
+            <a:scrgbClr r="0" g="0" b="0"/>
+          </a:fillRef>
+          <a:effectRef idx="0">
+            <a:scrgbClr r="0" g="0" b="0"/>
+          </a:effectRef>
+          <a:fontRef idx="minor">
+            <a:schemeClr val="lt1"/>
+          </a:fontRef>
+        </p:style>
+        <p:txBody>
+          <a:bodyPr rtlCol="0" anchor="ctr"/>
+          <a:lstStyle/>
+          <a:p>
+            <a:pPr algn="ctr"/>
+            <a:endParaRPr lang="en-US"/>
+          </a:p>
+        </p:txBody>
+      </p:sp>
+      <p:grpSp>
+        <p:nvGrpSpPr>
+          <p:cNvPr id="26" name="Group 25">
+            <a:extLst>
+              <a:ext uri="{FF2B5EF4-FFF2-40B4-BE49-F238E27FC236}">
+                <a16:creationId xmlns:a16="http://schemas.microsoft.com/office/drawing/2014/main" id="{880B0ABD-B91D-4F13-BBEB-0F69D9E87B0E}"/>
+              </a:ext>
+            </a:extLst>
+          </p:cNvPr>
+          <p:cNvGrpSpPr/>
+          <p:nvPr/>
+        </p:nvGrpSpPr>
+        <p:grpSpPr>
+          <a:xfrm>
+            <a:off x="8498674" y="1524000"/>
+            <a:ext cx="3248826" cy="616179"/>
+            <a:chOff x="4626746" y="4267200"/>
+            <a:chExt cx="3248826" cy="616179"/>
+          </a:xfrm>
+        </p:grpSpPr>
+        <p:grpSp>
+          <p:nvGrpSpPr>
+            <p:cNvPr id="28" name="Group 27">
+              <a:extLst>
+                <a:ext uri="{FF2B5EF4-FFF2-40B4-BE49-F238E27FC236}">
+                  <a16:creationId xmlns:a16="http://schemas.microsoft.com/office/drawing/2014/main" id="{50BDF9E3-CBCC-4D73-BD59-1B06F134998C}"/>
+                </a:ext>
+              </a:extLst>
+            </p:cNvPr>
+            <p:cNvGrpSpPr/>
+            <p:nvPr/>
+          </p:nvGrpSpPr>
+          <p:grpSpPr>
+            <a:xfrm>
+              <a:off x="4626746" y="4267200"/>
+              <a:ext cx="493917" cy="409838"/>
+              <a:chOff x="2679151" y="3410840"/>
+              <a:chExt cx="493917" cy="409838"/>
+            </a:xfrm>
+          </p:grpSpPr>
+          <p:sp>
+            <p:nvSpPr>
+              <p:cNvPr id="30" name="Oval 29" descr="Small circle">
+                <a:extLst>
+                  <a:ext uri="{FF2B5EF4-FFF2-40B4-BE49-F238E27FC236}">
+                    <a16:creationId xmlns:a16="http://schemas.microsoft.com/office/drawing/2014/main" id="{949A56A2-19C7-48C7-9EEA-EAEB69C602E2}"/>
+                  </a:ext>
+                </a:extLst>
+              </p:cNvPr>
+              <p:cNvSpPr>
+                <a:spLocks noChangeAspect="1"/>
+              </p:cNvSpPr>
+              <p:nvPr/>
+            </p:nvSpPr>
+            <p:spPr bwMode="blackWhite">
+              <a:xfrm>
+                <a:off x="2713764" y="3410840"/>
+                <a:ext cx="409838" cy="409838"/>
+              </a:xfrm>
+              <a:prstGeom prst="ellipse">
+                <a:avLst/>
+              </a:prstGeom>
+              <a:solidFill>
+                <a:srgbClr val="AA0000"/>
+              </a:solidFill>
+              <a:ln>
+                <a:noFill/>
+              </a:ln>
+            </p:spPr>
+            <p:style>
+              <a:lnRef idx="2">
+                <a:schemeClr val="accent1">
+                  <a:shade val="50000"/>
+                </a:schemeClr>
+              </a:lnRef>
+              <a:fillRef idx="1">
+                <a:schemeClr val="accent1"/>
+              </a:fillRef>
+              <a:effectRef idx="0">
+                <a:schemeClr val="accent1"/>
+              </a:effectRef>
+              <a:fontRef idx="minor">
+                <a:schemeClr val="lt1"/>
+              </a:fontRef>
+            </p:style>
+            <p:txBody>
+              <a:bodyPr rtlCol="0" anchor="ctr"/>
+              <a:lstStyle/>
+              <a:p>
+                <a:pPr algn="ctr"/>
+                <a:endParaRPr lang="en-US" dirty="0"/>
+              </a:p>
+            </p:txBody>
+          </p:sp>
+          <p:sp>
+            <p:nvSpPr>
+              <p:cNvPr id="31" name="TextBox 30" descr="Number 2">
+                <a:extLst>
+                  <a:ext uri="{FF2B5EF4-FFF2-40B4-BE49-F238E27FC236}">
+                    <a16:creationId xmlns:a16="http://schemas.microsoft.com/office/drawing/2014/main" id="{88D22C66-EB6D-4014-A90F-5A6456A7E3A8}"/>
+                  </a:ext>
+                </a:extLst>
+              </p:cNvPr>
+              <p:cNvSpPr txBox="1">
+                <a:spLocks noChangeAspect="1"/>
+              </p:cNvSpPr>
+              <p:nvPr/>
+            </p:nvSpPr>
+            <p:spPr bwMode="blackWhite">
+              <a:xfrm>
+                <a:off x="2679151" y="3417878"/>
+                <a:ext cx="493917" cy="369332"/>
+              </a:xfrm>
+              <a:prstGeom prst="rect">
+                <a:avLst/>
+              </a:prstGeom>
+              <a:noFill/>
+            </p:spPr>
+            <p:txBody>
+              <a:bodyPr wrap="square" rtlCol="0">
+                <a:spAutoFit/>
+              </a:bodyPr>
+              <a:lstStyle/>
+              <a:p>
+                <a:pPr algn="ctr"/>
+                <a:r>
+                  <a:rPr lang="en-US" dirty="0" err="1">
+                    <a:solidFill>
+                      <a:schemeClr val="bg1"/>
+                    </a:solidFill>
+                    <a:cs typeface="Segoe UI Semibold" panose="020B0702040204020203" pitchFamily="34" charset="0"/>
+                  </a:rPr>
+                  <a:t>i</a:t>
+                </a:r>
+                <a:endParaRPr lang="en-US" dirty="0">
+                  <a:solidFill>
+                    <a:schemeClr val="bg1"/>
+                  </a:solidFill>
+                  <a:cs typeface="Segoe UI Semibold" panose="020B0702040204020203" pitchFamily="34" charset="0"/>
+                </a:endParaRPr>
+              </a:p>
+            </p:txBody>
+          </p:sp>
+        </p:grpSp>
+        <p:sp>
+          <p:nvSpPr>
+            <p:cNvPr id="29" name="TextBox 28">
+              <a:extLst>
+                <a:ext uri="{FF2B5EF4-FFF2-40B4-BE49-F238E27FC236}">
+                  <a16:creationId xmlns:a16="http://schemas.microsoft.com/office/drawing/2014/main" id="{AF21953D-969C-41B3-B78B-51961AA484D3}"/>
+                </a:ext>
+              </a:extLst>
+            </p:cNvPr>
+            <p:cNvSpPr txBox="1"/>
+            <p:nvPr/>
+          </p:nvSpPr>
+          <p:spPr>
+            <a:xfrm>
+              <a:off x="5120663" y="4298604"/>
+              <a:ext cx="2754909" cy="584775"/>
+            </a:xfrm>
+            <a:prstGeom prst="rect">
+              <a:avLst/>
+            </a:prstGeom>
+            <a:noFill/>
+          </p:spPr>
+          <p:txBody>
+            <a:bodyPr wrap="square">
+              <a:spAutoFit/>
+            </a:bodyPr>
+            <a:lstStyle/>
+            <a:p>
+              <a:pPr marL="0" indent="0">
+                <a:spcAft>
+                  <a:spcPts val="1200"/>
+                </a:spcAft>
+                <a:buNone/>
+              </a:pPr>
+              <a:r>
+                <a:rPr lang="en-US" sz="1600" dirty="0" err="1">
+                  <a:solidFill>
+                    <a:schemeClr val="tx1"/>
+                  </a:solidFill>
+                </a:rPr>
+                <a:t>Pengumpulan</a:t>
+              </a:r>
+              <a:r>
+                <a:rPr lang="en-US" sz="1600" dirty="0">
+                  <a:solidFill>
+                    <a:schemeClr val="tx1"/>
+                  </a:solidFill>
+                </a:rPr>
+                <a:t> data </a:t>
+              </a:r>
+              <a:r>
+                <a:rPr lang="en-US" sz="1600" dirty="0" err="1">
+                  <a:solidFill>
+                    <a:schemeClr val="tx1"/>
+                  </a:solidFill>
+                </a:rPr>
+                <a:t>dari</a:t>
+              </a:r>
+              <a:r>
+                <a:rPr lang="en-US" sz="1600" dirty="0">
+                  <a:solidFill>
+                    <a:schemeClr val="tx1"/>
+                  </a:solidFill>
+                </a:rPr>
+                <a:t> KTI </a:t>
+              </a:r>
+              <a:r>
+                <a:rPr lang="en-US" sz="1600" dirty="0" err="1">
+                  <a:solidFill>
+                    <a:schemeClr val="tx1"/>
+                  </a:solidFill>
+                </a:rPr>
+                <a:t>ke</a:t>
+              </a:r>
+              <a:r>
+                <a:rPr lang="en-US" sz="1600" dirty="0">
+                  <a:solidFill>
+                    <a:schemeClr val="tx1"/>
+                  </a:solidFill>
+                </a:rPr>
+                <a:t> </a:t>
+              </a:r>
+              <a:r>
+                <a:rPr lang="en-US" sz="1600" dirty="0" err="1">
+                  <a:solidFill>
+                    <a:schemeClr val="tx1"/>
+                  </a:solidFill>
+                </a:rPr>
+                <a:t>dalam</a:t>
+              </a:r>
+              <a:r>
+                <a:rPr lang="en-US" sz="1600" dirty="0">
+                  <a:solidFill>
+                    <a:schemeClr val="tx1"/>
+                  </a:solidFill>
+                </a:rPr>
+                <a:t> </a:t>
+              </a:r>
+              <a:r>
+                <a:rPr lang="en-US" sz="1600" i="1" dirty="0">
+                  <a:solidFill>
+                    <a:schemeClr val="tx1"/>
+                  </a:solidFill>
+                </a:rPr>
+                <a:t>spreadsheet</a:t>
+              </a:r>
+            </a:p>
+          </p:txBody>
+        </p:sp>
+      </p:grpSp>
+      <p:sp>
+        <p:nvSpPr>
+          <p:cNvPr id="32" name="Rectangle 31">
+            <a:extLst>
+              <a:ext uri="{FF2B5EF4-FFF2-40B4-BE49-F238E27FC236}">
+                <a16:creationId xmlns:a16="http://schemas.microsoft.com/office/drawing/2014/main" id="{F376C59E-35CD-490B-B209-FD267A6D40C0}"/>
+              </a:ext>
+            </a:extLst>
+          </p:cNvPr>
+          <p:cNvSpPr/>
+          <p:nvPr/>
+        </p:nvSpPr>
+        <p:spPr>
+          <a:xfrm>
+            <a:off x="533400" y="2463978"/>
+            <a:ext cx="1143000" cy="507822"/>
+          </a:xfrm>
+          <a:prstGeom prst="rect">
+            <a:avLst/>
+          </a:prstGeom>
+          <a:solidFill>
+            <a:schemeClr val="accent4">
+              <a:alpha val="50000"/>
+            </a:schemeClr>
+          </a:solidFill>
+          <a:ln>
+            <a:noFill/>
+          </a:ln>
+        </p:spPr>
+        <p:style>
+          <a:lnRef idx="0">
+            <a:scrgbClr r="0" g="0" b="0"/>
+          </a:lnRef>
+          <a:fillRef idx="0">
+            <a:scrgbClr r="0" g="0" b="0"/>
+          </a:fillRef>
+          <a:effectRef idx="0">
+            <a:scrgbClr r="0" g="0" b="0"/>
+          </a:effectRef>
+          <a:fontRef idx="minor">
+            <a:schemeClr val="lt1"/>
+          </a:fontRef>
+        </p:style>
+        <p:txBody>
+          <a:bodyPr rtlCol="0" anchor="ctr"/>
+          <a:lstStyle/>
+          <a:p>
+            <a:pPr algn="ctr"/>
+            <a:endParaRPr lang="en-US"/>
+          </a:p>
+        </p:txBody>
+      </p:sp>
+    </p:spTree>
+    <p:extLst>
+      <p:ext uri="{BB962C8B-B14F-4D97-AF65-F5344CB8AC3E}">
+        <p14:creationId xmlns:p14="http://schemas.microsoft.com/office/powerpoint/2010/main" val="2997850018"/>
+      </p:ext>
+    </p:extLst>
+  </p:cSld>
+  <p:clrMapOvr>
+    <a:masterClrMapping/>
+  </p:clrMapOvr>
+</p:sld>
+</file>
+
 <file path=ppt/slides/slide2.xml><?xml version="1.0" encoding="utf-8"?>
 <p:sld xmlns:a="http://schemas.openxmlformats.org/drawingml/2006/main" xmlns:r="http://schemas.openxmlformats.org/officeDocument/2006/relationships" xmlns:p="http://schemas.openxmlformats.org/presentationml/2006/main">
   <p:cSld>
@@ -4898,7 +9102,55 @@
                   <a:schemeClr val="tx1"/>
                 </a:solidFill>
               </a:rPr>
-              <a:t> Bogor</a:t>
+              <a:t> Bogor “</a:t>
+            </a:r>
+            <a:r>
+              <a:rPr lang="en-US" sz="2600" dirty="0" err="1">
+                <a:solidFill>
+                  <a:schemeClr val="tx1"/>
+                </a:solidFill>
+              </a:rPr>
+              <a:t>Ilmu</a:t>
+            </a:r>
+            <a:r>
+              <a:rPr lang="en-US" sz="2600" dirty="0">
+                <a:solidFill>
+                  <a:schemeClr val="tx1"/>
+                </a:solidFill>
+              </a:rPr>
+              <a:t> </a:t>
+            </a:r>
+            <a:r>
+              <a:rPr lang="en-US" sz="2600" dirty="0" err="1">
+                <a:solidFill>
+                  <a:schemeClr val="tx1"/>
+                </a:solidFill>
+              </a:rPr>
+              <a:t>Nutrisi</a:t>
+            </a:r>
+            <a:r>
+              <a:rPr lang="en-US" sz="2600" dirty="0">
+                <a:solidFill>
+                  <a:schemeClr val="tx1"/>
+                </a:solidFill>
+              </a:rPr>
+              <a:t> dan </a:t>
+            </a:r>
+            <a:r>
+              <a:rPr lang="en-US" sz="2600" dirty="0" err="1">
+                <a:solidFill>
+                  <a:schemeClr val="tx1"/>
+                </a:solidFill>
+              </a:rPr>
+              <a:t>Pakan</a:t>
+            </a:r>
+            <a:r>
+              <a:rPr lang="en-US" sz="2600" dirty="0">
+                <a:solidFill>
+                  <a:schemeClr val="tx1"/>
+                </a:solidFill>
+              </a:rPr>
+              <a:t>”</a:t>
             </a:r>
           </a:p>
         </p:txBody>
@@ -5280,7 +9532,7 @@
         <p:spPr>
           <a:xfrm>
             <a:off x="4953000" y="4648200"/>
-            <a:ext cx="2286000" cy="990600"/>
+            <a:ext cx="2438400" cy="990600"/>
           </a:xfrm>
           <a:prstGeom prst="rect">
             <a:avLst/>
@@ -5471,49 +9723,49 @@
           </a:lstStyle>
           <a:p>
             <a:r>
-              <a:rPr lang="en-US" dirty="0" err="1">
+              <a:rPr lang="en-US" sz="1600" dirty="0" err="1">
                 <a:latin typeface="Segoe UI" panose="020B0502040204020203" pitchFamily="34" charset="0"/>
                 <a:cs typeface="Segoe UI" panose="020B0502040204020203" pitchFamily="34" charset="0"/>
               </a:rPr>
               <a:t>Karya</a:t>
             </a:r>
             <a:r>
-              <a:rPr lang="en-US" dirty="0">
+              <a:rPr lang="en-US" sz="1600" dirty="0">
                 <a:latin typeface="Segoe UI" panose="020B0502040204020203" pitchFamily="34" charset="0"/>
                 <a:cs typeface="Segoe UI" panose="020B0502040204020203" pitchFamily="34" charset="0"/>
               </a:rPr>
               <a:t> </a:t>
             </a:r>
             <a:r>
-              <a:rPr lang="en-US" dirty="0" err="1">
+              <a:rPr lang="en-US" sz="1600" dirty="0" err="1">
                 <a:latin typeface="Segoe UI" panose="020B0502040204020203" pitchFamily="34" charset="0"/>
                 <a:cs typeface="Segoe UI" panose="020B0502040204020203" pitchFamily="34" charset="0"/>
               </a:rPr>
               <a:t>tulis</a:t>
             </a:r>
             <a:r>
-              <a:rPr lang="en-US" dirty="0">
+              <a:rPr lang="en-US" sz="1600" dirty="0">
                 <a:latin typeface="Segoe UI" panose="020B0502040204020203" pitchFamily="34" charset="0"/>
                 <a:cs typeface="Segoe UI" panose="020B0502040204020203" pitchFamily="34" charset="0"/>
               </a:rPr>
               <a:t> </a:t>
             </a:r>
             <a:r>
-              <a:rPr lang="en-US" dirty="0" err="1">
+              <a:rPr lang="en-US" sz="1600" dirty="0" err="1">
                 <a:latin typeface="Segoe UI" panose="020B0502040204020203" pitchFamily="34" charset="0"/>
                 <a:cs typeface="Segoe UI" panose="020B0502040204020203" pitchFamily="34" charset="0"/>
               </a:rPr>
               <a:t>ilmiah</a:t>
             </a:r>
             <a:r>
-              <a:rPr lang="en-US" dirty="0">
+              <a:rPr lang="en-US" sz="1600" dirty="0">
                 <a:latin typeface="Segoe UI" panose="020B0502040204020203" pitchFamily="34" charset="0"/>
                 <a:cs typeface="Segoe UI" panose="020B0502040204020203" pitchFamily="34" charset="0"/>
               </a:rPr>
               <a:t> / </a:t>
             </a:r>
             <a:r>
-              <a:rPr lang="en-US" b="1" dirty="0">
+              <a:rPr lang="en-US" sz="1600" b="1" dirty="0">
                 <a:latin typeface="Segoe UI" panose="020B0502040204020203" pitchFamily="34" charset="0"/>
                 <a:cs typeface="Segoe UI" panose="020B0502040204020203" pitchFamily="34" charset="0"/>
               </a:rPr>
@@ -5522,55 +9774,55 @@
           </a:p>
           <a:p>
             <a:r>
-              <a:rPr lang="en-US" b="1" dirty="0">
+              <a:rPr lang="en-US" sz="1600" b="1" dirty="0">
                 <a:latin typeface="Segoe UI" panose="020B0502040204020203" pitchFamily="34" charset="0"/>
                 <a:cs typeface="Segoe UI" panose="020B0502040204020203" pitchFamily="34" charset="0"/>
               </a:rPr>
               <a:t>Data </a:t>
             </a:r>
             <a:r>
-              <a:rPr lang="en-US" b="1" dirty="0" err="1">
+              <a:rPr lang="en-US" sz="1600" b="1" dirty="0" err="1">
                 <a:latin typeface="Segoe UI" panose="020B0502040204020203" pitchFamily="34" charset="0"/>
                 <a:cs typeface="Segoe UI" panose="020B0502040204020203" pitchFamily="34" charset="0"/>
               </a:rPr>
               <a:t>penelitian</a:t>
             </a:r>
             <a:r>
-              <a:rPr lang="en-US" b="1" dirty="0">
+              <a:rPr lang="en-US" sz="1600" b="1" dirty="0">
                 <a:latin typeface="Segoe UI" panose="020B0502040204020203" pitchFamily="34" charset="0"/>
                 <a:cs typeface="Segoe UI" panose="020B0502040204020203" pitchFamily="34" charset="0"/>
               </a:rPr>
               <a:t> </a:t>
             </a:r>
             <a:r>
-              <a:rPr lang="en-US" dirty="0">
+              <a:rPr lang="en-US" sz="1600" dirty="0">
                 <a:latin typeface="Segoe UI" panose="020B0502040204020203" pitchFamily="34" charset="0"/>
                 <a:cs typeface="Segoe UI" panose="020B0502040204020203" pitchFamily="34" charset="0"/>
               </a:rPr>
               <a:t>yang </a:t>
             </a:r>
             <a:r>
-              <a:rPr lang="en-US" dirty="0" err="1">
+              <a:rPr lang="en-US" sz="1600" dirty="0" err="1">
                 <a:latin typeface="Segoe UI" panose="020B0502040204020203" pitchFamily="34" charset="0"/>
                 <a:cs typeface="Segoe UI" panose="020B0502040204020203" pitchFamily="34" charset="0"/>
               </a:rPr>
               <a:t>belum</a:t>
             </a:r>
             <a:r>
-              <a:rPr lang="en-US" dirty="0">
+              <a:rPr lang="en-US" sz="1600" dirty="0">
                 <a:latin typeface="Segoe UI" panose="020B0502040204020203" pitchFamily="34" charset="0"/>
                 <a:cs typeface="Segoe UI" panose="020B0502040204020203" pitchFamily="34" charset="0"/>
               </a:rPr>
               <a:t> </a:t>
             </a:r>
             <a:r>
-              <a:rPr lang="en-US" dirty="0" err="1">
+              <a:rPr lang="en-US" sz="1600" dirty="0" err="1">
                 <a:latin typeface="Segoe UI" panose="020B0502040204020203" pitchFamily="34" charset="0"/>
                 <a:cs typeface="Segoe UI" panose="020B0502040204020203" pitchFamily="34" charset="0"/>
               </a:rPr>
               <a:t>dipublikasikan</a:t>
             </a:r>
-            <a:endParaRPr lang="en-US" dirty="0">
+            <a:endParaRPr lang="en-US" sz="1600" dirty="0">
               <a:latin typeface="Segoe UI" panose="020B0502040204020203" pitchFamily="34" charset="0"/>
               <a:cs typeface="Segoe UI" panose="020B0502040204020203" pitchFamily="34" charset="0"/>
             </a:endParaRPr>
@@ -5594,7 +9846,7 @@
         <p:spPr>
           <a:xfrm>
             <a:off x="7467600" y="4629539"/>
-            <a:ext cx="1943101" cy="990600"/>
+            <a:ext cx="2095501" cy="990600"/>
           </a:xfrm>
           <a:prstGeom prst="rect">
             <a:avLst/>
@@ -5785,61 +10037,61 @@
           </a:lstStyle>
           <a:p>
             <a:r>
-              <a:rPr lang="en-US" b="1" dirty="0" err="1">
+              <a:rPr lang="en-US" sz="1600" b="1" dirty="0" err="1">
                 <a:latin typeface="Segoe UI" panose="020B0502040204020203" pitchFamily="34" charset="0"/>
                 <a:cs typeface="Segoe UI" panose="020B0502040204020203" pitchFamily="34" charset="0"/>
               </a:rPr>
               <a:t>Pengetahuan</a:t>
             </a:r>
-            <a:endParaRPr lang="en-US" b="1" dirty="0">
+            <a:endParaRPr lang="en-US" sz="1600" b="1" dirty="0">
               <a:latin typeface="Segoe UI" panose="020B0502040204020203" pitchFamily="34" charset="0"/>
               <a:cs typeface="Segoe UI" panose="020B0502040204020203" pitchFamily="34" charset="0"/>
             </a:endParaRPr>
           </a:p>
           <a:p>
             <a:r>
-              <a:rPr lang="en-US" b="1" dirty="0">
+              <a:rPr lang="en-US" sz="1600" b="1" dirty="0">
                 <a:latin typeface="Segoe UI" panose="020B0502040204020203" pitchFamily="34" charset="0"/>
                 <a:cs typeface="Segoe UI" panose="020B0502040204020203" pitchFamily="34" charset="0"/>
               </a:rPr>
               <a:t>Gambaran </a:t>
             </a:r>
             <a:r>
-              <a:rPr lang="en-US" b="1" dirty="0" err="1">
+              <a:rPr lang="en-US" sz="1600" b="1" dirty="0" err="1">
                 <a:latin typeface="Segoe UI" panose="020B0502040204020203" pitchFamily="34" charset="0"/>
                 <a:cs typeface="Segoe UI" panose="020B0502040204020203" pitchFamily="34" charset="0"/>
               </a:rPr>
               <a:t>umum</a:t>
             </a:r>
             <a:r>
-              <a:rPr lang="en-US" b="1" dirty="0">
+              <a:rPr lang="en-US" sz="1600" b="1" dirty="0">
                 <a:latin typeface="Segoe UI" panose="020B0502040204020203" pitchFamily="34" charset="0"/>
                 <a:cs typeface="Segoe UI" panose="020B0502040204020203" pitchFamily="34" charset="0"/>
               </a:rPr>
               <a:t> </a:t>
             </a:r>
             <a:r>
-              <a:rPr lang="en-US" dirty="0" err="1">
+              <a:rPr lang="en-US" sz="1600" dirty="0" err="1">
                 <a:latin typeface="Segoe UI" panose="020B0502040204020203" pitchFamily="34" charset="0"/>
                 <a:cs typeface="Segoe UI" panose="020B0502040204020203" pitchFamily="34" charset="0"/>
               </a:rPr>
               <a:t>dari</a:t>
             </a:r>
             <a:r>
-              <a:rPr lang="en-US" dirty="0">
+              <a:rPr lang="en-US" sz="1600" dirty="0">
                 <a:latin typeface="Segoe UI" panose="020B0502040204020203" pitchFamily="34" charset="0"/>
                 <a:cs typeface="Segoe UI" panose="020B0502040204020203" pitchFamily="34" charset="0"/>
               </a:rPr>
               <a:t> </a:t>
             </a:r>
             <a:r>
-              <a:rPr lang="en-US" dirty="0" err="1">
+              <a:rPr lang="en-US" sz="1600" dirty="0" err="1">
                 <a:latin typeface="Segoe UI" panose="020B0502040204020203" pitchFamily="34" charset="0"/>
                 <a:cs typeface="Segoe UI" panose="020B0502040204020203" pitchFamily="34" charset="0"/>
               </a:rPr>
               <a:t>fenomena</a:t>
             </a:r>
-            <a:endParaRPr lang="en-US" dirty="0">
+            <a:endParaRPr lang="en-US" sz="1600" dirty="0">
               <a:latin typeface="Segoe UI" panose="020B0502040204020203" pitchFamily="34" charset="0"/>
               <a:cs typeface="Segoe UI" panose="020B0502040204020203" pitchFamily="34" charset="0"/>
             </a:endParaRPr>
@@ -5942,7 +10194,7 @@
         <p:spPr>
           <a:xfrm>
             <a:off x="444500" y="1509612"/>
-            <a:ext cx="4975869" cy="3977640"/>
+            <a:ext cx="4975869" cy="2605188"/>
           </a:xfrm>
         </p:spPr>
         <p:txBody>
@@ -6450,7 +10702,7 @@
         </p:nvGrpSpPr>
         <p:grpSpPr>
           <a:xfrm>
-            <a:off x="4638199" y="2057400"/>
+            <a:off x="4638199" y="1828800"/>
             <a:ext cx="558179" cy="409838"/>
             <a:chOff x="2647828" y="2417770"/>
             <a:chExt cx="558179" cy="409838"/>
@@ -6568,7 +10820,7 @@
         </p:nvGrpSpPr>
         <p:grpSpPr>
           <a:xfrm>
-            <a:off x="4689390" y="3352800"/>
+            <a:off x="4689390" y="3124200"/>
             <a:ext cx="493917" cy="409838"/>
             <a:chOff x="2679151" y="3410840"/>
             <a:chExt cx="493917" cy="409838"/>
@@ -6806,7 +11058,7 @@
         </p:nvSpPr>
         <p:spPr>
           <a:xfrm>
-            <a:off x="5220482" y="2131042"/>
+            <a:off x="5183307" y="1905000"/>
             <a:ext cx="4380515" cy="3944746"/>
           </a:xfrm>
           <a:prstGeom prst="rect">
@@ -6815,7 +11067,7 @@
         </p:spPr>
         <p:txBody>
           <a:bodyPr vert="horz" lIns="91440" tIns="45720" rIns="91440" bIns="45720" rtlCol="0">
-            <a:normAutofit fontScale="92500" lnSpcReduction="10000"/>
+            <a:noAutofit/>
           </a:bodyPr>
           <a:lstStyle>
             <a:lvl1pPr marL="228598" indent="-228598" algn="l" defTabSz="914391" rtl="0" eaLnBrk="1" latinLnBrk="0" hangingPunct="1">
@@ -7607,7 +11859,7 @@
         </p:spPr>
         <p:txBody>
           <a:bodyPr>
-            <a:normAutofit fontScale="90000"/>
+            <a:normAutofit/>
           </a:bodyPr>
           <a:lstStyle/>
           <a:p>
@@ -7658,28 +11910,7 @@
                 <a:latin typeface="Segoe UI Semibold" panose="020B0502040204020203" pitchFamily="34" charset="0"/>
                 <a:cs typeface="Segoe UI Semibold" panose="020B0502040204020203" pitchFamily="34" charset="0"/>
               </a:rPr>
-              <a:t> KTI / data </a:t>
-            </a:r>
-            <a:r>
-              <a:rPr lang="en-US" dirty="0" err="1">
-                <a:latin typeface="Segoe UI Semibold" panose="020B0502040204020203" pitchFamily="34" charset="0"/>
-                <a:cs typeface="Segoe UI Semibold" panose="020B0502040204020203" pitchFamily="34" charset="0"/>
-              </a:rPr>
-              <a:t>sekunder</a:t>
-            </a:r>
-            <a:r>
-              <a:rPr lang="en-US" dirty="0">
-                <a:latin typeface="Segoe UI Semibold" panose="020B0502040204020203" pitchFamily="34" charset="0"/>
-                <a:cs typeface="Segoe UI Semibold" panose="020B0502040204020203" pitchFamily="34" charset="0"/>
-              </a:rPr>
-              <a:t> </a:t>
-            </a:r>
-            <a:r>
-              <a:rPr lang="en-US" dirty="0" err="1">
-                <a:latin typeface="Segoe UI Semibold" panose="020B0502040204020203" pitchFamily="34" charset="0"/>
-                <a:cs typeface="Segoe UI Semibold" panose="020B0502040204020203" pitchFamily="34" charset="0"/>
-              </a:rPr>
-              <a:t>lainnya</a:t>
+              <a:t> KTI</a:t>
             </a:r>
             <a:endParaRPr lang="en-US" b="1" dirty="0">
               <a:latin typeface="Segoe UI Semibold" panose="020B0502040204020203" pitchFamily="34" charset="0"/>
@@ -8528,7 +12759,7 @@
         </p:spPr>
         <p:txBody>
           <a:bodyPr>
-            <a:normAutofit fontScale="90000"/>
+            <a:normAutofit/>
           </a:bodyPr>
           <a:lstStyle/>
           <a:p>
@@ -8565,61 +12796,22 @@
                 <a:latin typeface="Segoe UI Light" panose="020B0502040204020203" pitchFamily="34" charset="0"/>
                 <a:cs typeface="Segoe UI Light" panose="020B0502040204020203" pitchFamily="34" charset="0"/>
               </a:rPr>
-              <a:t> dan </a:t>
+              <a:t> </a:t>
             </a:r>
             <a:r>
               <a:rPr lang="en-US" dirty="0" err="1">
                 <a:latin typeface="Segoe UI Light" panose="020B0502040204020203" pitchFamily="34" charset="0"/>
                 <a:cs typeface="Segoe UI Light" panose="020B0502040204020203" pitchFamily="34" charset="0"/>
               </a:rPr>
-              <a:t>seleksi</a:t>
+              <a:t>sumber</a:t>
             </a:r>
             <a:r>
               <a:rPr lang="en-US" dirty="0">
                 <a:latin typeface="Segoe UI Light" panose="020B0502040204020203" pitchFamily="34" charset="0"/>
                 <a:cs typeface="Segoe UI Light" panose="020B0502040204020203" pitchFamily="34" charset="0"/>
               </a:rPr>
-              <a:t> </a:t>
-            </a:r>
-            <a:r>
-              <a:rPr lang="en-US" dirty="0" err="1">
-                <a:latin typeface="Segoe UI Light" panose="020B0502040204020203" pitchFamily="34" charset="0"/>
-                <a:cs typeface="Segoe UI Light" panose="020B0502040204020203" pitchFamily="34" charset="0"/>
-              </a:rPr>
-              <a:t>sumber</a:t>
-            </a:r>
-            <a:r>
-              <a:rPr lang="en-US" dirty="0">
-                <a:latin typeface="Segoe UI Light" panose="020B0502040204020203" pitchFamily="34" charset="0"/>
-                <a:cs typeface="Segoe UI Light" panose="020B0502040204020203" pitchFamily="34" charset="0"/>
-              </a:rPr>
-              <a:t> KTI / data </a:t>
-            </a:r>
-            <a:r>
-              <a:rPr lang="en-US" dirty="0" err="1">
-                <a:latin typeface="Segoe UI Light" panose="020B0502040204020203" pitchFamily="34" charset="0"/>
-                <a:cs typeface="Segoe UI Light" panose="020B0502040204020203" pitchFamily="34" charset="0"/>
-              </a:rPr>
-              <a:t>sekunder</a:t>
-            </a:r>
-            <a:r>
-              <a:rPr lang="en-US" dirty="0">
-                <a:latin typeface="Segoe UI Light" panose="020B0502040204020203" pitchFamily="34" charset="0"/>
-                <a:cs typeface="Segoe UI Light" panose="020B0502040204020203" pitchFamily="34" charset="0"/>
-              </a:rPr>
-              <a:t> </a:t>
-            </a:r>
-            <a:r>
-              <a:rPr lang="en-US" dirty="0" err="1">
-                <a:latin typeface="Segoe UI Light" panose="020B0502040204020203" pitchFamily="34" charset="0"/>
-                <a:cs typeface="Segoe UI Light" panose="020B0502040204020203" pitchFamily="34" charset="0"/>
-              </a:rPr>
-              <a:t>lainnya</a:t>
-            </a:r>
-            <a:endParaRPr lang="en-US" dirty="0">
-              <a:latin typeface="Segoe UI Light" panose="020B0502040204020203" pitchFamily="34" charset="0"/>
-              <a:cs typeface="Segoe UI Light" panose="020B0502040204020203" pitchFamily="34" charset="0"/>
-            </a:endParaRPr>
+              <a:t> KTI</a:t>
+            </a:r>
           </a:p>
         </p:txBody>
       </p:sp>
@@ -8801,10 +12993,10 @@
       </p:sp>
       <p:grpSp>
         <p:nvGrpSpPr>
-          <p:cNvPr id="23" name="Group 22">
+          <p:cNvPr id="3" name="Group 2">
             <a:extLst>
               <a:ext uri="{FF2B5EF4-FFF2-40B4-BE49-F238E27FC236}">
-                <a16:creationId xmlns:a16="http://schemas.microsoft.com/office/drawing/2014/main" id="{98CE6929-FA3C-42E1-B43C-06AA2D2F69AD}"/>
+                <a16:creationId xmlns:a16="http://schemas.microsoft.com/office/drawing/2014/main" id="{D8B096C0-5564-41CB-8E15-616C65E7B373}"/>
               </a:ext>
             </a:extLst>
           </p:cNvPr>
@@ -8813,18 +13005,18 @@
         </p:nvGrpSpPr>
         <p:grpSpPr>
           <a:xfrm>
-            <a:off x="8332292" y="1538870"/>
-            <a:ext cx="3364408" cy="884660"/>
-            <a:chOff x="4645796" y="3048448"/>
-            <a:chExt cx="3364408" cy="884660"/>
+            <a:off x="8684000" y="1435200"/>
+            <a:ext cx="3012699" cy="1281309"/>
+            <a:chOff x="8332292" y="1113692"/>
+            <a:chExt cx="3364408" cy="1362484"/>
           </a:xfrm>
         </p:grpSpPr>
         <p:grpSp>
           <p:nvGrpSpPr>
-            <p:cNvPr id="24" name="Group 23">
+            <p:cNvPr id="23" name="Group 22">
               <a:extLst>
                 <a:ext uri="{FF2B5EF4-FFF2-40B4-BE49-F238E27FC236}">
-                  <a16:creationId xmlns:a16="http://schemas.microsoft.com/office/drawing/2014/main" id="{B9B98C45-0552-4C7B-96F5-08B0674BAD76}"/>
+                  <a16:creationId xmlns:a16="http://schemas.microsoft.com/office/drawing/2014/main" id="{98CE6929-FA3C-42E1-B43C-06AA2D2F69AD}"/>
                 </a:ext>
               </a:extLst>
             </p:cNvPr>
@@ -8833,84 +13025,146 @@
           </p:nvGrpSpPr>
           <p:grpSpPr>
             <a:xfrm>
-              <a:off x="4645796" y="3048448"/>
-              <a:ext cx="558179" cy="409838"/>
-              <a:chOff x="2647828" y="2417770"/>
-              <a:chExt cx="558179" cy="409838"/>
+              <a:off x="8332292" y="1538870"/>
+              <a:ext cx="3364408" cy="937306"/>
+              <a:chOff x="4645796" y="3048448"/>
+              <a:chExt cx="3364408" cy="937306"/>
             </a:xfrm>
           </p:grpSpPr>
-          <p:sp>
-            <p:nvSpPr>
-              <p:cNvPr id="26" name="Oval 25" descr="Small circle">
+          <p:grpSp>
+            <p:nvGrpSpPr>
+              <p:cNvPr id="24" name="Group 23">
                 <a:extLst>
                   <a:ext uri="{FF2B5EF4-FFF2-40B4-BE49-F238E27FC236}">
-                    <a16:creationId xmlns:a16="http://schemas.microsoft.com/office/drawing/2014/main" id="{CD012655-3CC3-4643-9C8D-85DC40A0DD6F}"/>
+                    <a16:creationId xmlns:a16="http://schemas.microsoft.com/office/drawing/2014/main" id="{B9B98C45-0552-4C7B-96F5-08B0674BAD76}"/>
                   </a:ext>
                 </a:extLst>
               </p:cNvPr>
-              <p:cNvSpPr>
-                <a:spLocks noChangeAspect="1"/>
-              </p:cNvSpPr>
+              <p:cNvGrpSpPr/>
               <p:nvPr/>
-            </p:nvSpPr>
-            <p:spPr bwMode="blackWhite">
+            </p:nvGrpSpPr>
+            <p:grpSpPr>
               <a:xfrm>
-                <a:off x="2720454" y="2417770"/>
-                <a:ext cx="409838" cy="409838"/>
+                <a:off x="4645796" y="3048448"/>
+                <a:ext cx="558179" cy="409838"/>
+                <a:chOff x="2647828" y="2417770"/>
+                <a:chExt cx="558179" cy="409838"/>
               </a:xfrm>
-              <a:prstGeom prst="ellipse">
-                <a:avLst/>
-              </a:prstGeom>
-              <a:solidFill>
-                <a:srgbClr val="AA0000"/>
-              </a:solidFill>
-              <a:ln>
+            </p:grpSpPr>
+            <p:sp>
+              <p:nvSpPr>
+                <p:cNvPr id="26" name="Oval 25" descr="Small circle">
+                  <a:extLst>
+                    <a:ext uri="{FF2B5EF4-FFF2-40B4-BE49-F238E27FC236}">
+                      <a16:creationId xmlns:a16="http://schemas.microsoft.com/office/drawing/2014/main" id="{CD012655-3CC3-4643-9C8D-85DC40A0DD6F}"/>
+                    </a:ext>
+                  </a:extLst>
+                </p:cNvPr>
+                <p:cNvSpPr>
+                  <a:spLocks noChangeAspect="1"/>
+                </p:cNvSpPr>
+                <p:nvPr/>
+              </p:nvSpPr>
+              <p:spPr bwMode="blackWhite">
+                <a:xfrm>
+                  <a:off x="2720454" y="2417770"/>
+                  <a:ext cx="409838" cy="409838"/>
+                </a:xfrm>
+                <a:prstGeom prst="ellipse">
+                  <a:avLst/>
+                </a:prstGeom>
+                <a:solidFill>
+                  <a:srgbClr val="AA0000"/>
+                </a:solidFill>
+                <a:ln>
+                  <a:noFill/>
+                </a:ln>
+              </p:spPr>
+              <p:style>
+                <a:lnRef idx="2">
+                  <a:schemeClr val="accent1">
+                    <a:shade val="50000"/>
+                  </a:schemeClr>
+                </a:lnRef>
+                <a:fillRef idx="1">
+                  <a:schemeClr val="accent1"/>
+                </a:fillRef>
+                <a:effectRef idx="0">
+                  <a:schemeClr val="accent1"/>
+                </a:effectRef>
+                <a:fontRef idx="minor">
+                  <a:schemeClr val="lt1"/>
+                </a:fontRef>
+              </p:style>
+              <p:txBody>
+                <a:bodyPr rtlCol="0" anchor="ctr"/>
+                <a:lstStyle/>
+                <a:p>
+                  <a:pPr algn="ctr"/>
+                  <a:endParaRPr lang="en-US" dirty="0"/>
+                </a:p>
+              </p:txBody>
+            </p:sp>
+            <p:sp>
+              <p:nvSpPr>
+                <p:cNvPr id="27" name="TextBox 26" descr="Number 1">
+                  <a:extLst>
+                    <a:ext uri="{FF2B5EF4-FFF2-40B4-BE49-F238E27FC236}">
+                      <a16:creationId xmlns:a16="http://schemas.microsoft.com/office/drawing/2014/main" id="{B9360687-2090-4277-AAA6-8CE8C3035EB4}"/>
+                    </a:ext>
+                  </a:extLst>
+                </p:cNvPr>
+                <p:cNvSpPr txBox="1">
+                  <a:spLocks noChangeAspect="1"/>
+                </p:cNvSpPr>
+                <p:nvPr/>
+              </p:nvSpPr>
+              <p:spPr bwMode="blackWhite">
+                <a:xfrm>
+                  <a:off x="2647828" y="2434164"/>
+                  <a:ext cx="558179" cy="369332"/>
+                </a:xfrm>
+                <a:prstGeom prst="rect">
+                  <a:avLst/>
+                </a:prstGeom>
                 <a:noFill/>
-              </a:ln>
-            </p:spPr>
-            <p:style>
-              <a:lnRef idx="2">
-                <a:schemeClr val="accent1">
-                  <a:shade val="50000"/>
-                </a:schemeClr>
-              </a:lnRef>
-              <a:fillRef idx="1">
-                <a:schemeClr val="accent1"/>
-              </a:fillRef>
-              <a:effectRef idx="0">
-                <a:schemeClr val="accent1"/>
-              </a:effectRef>
-              <a:fontRef idx="minor">
-                <a:schemeClr val="lt1"/>
-              </a:fontRef>
-            </p:style>
-            <p:txBody>
-              <a:bodyPr rtlCol="0" anchor="ctr"/>
-              <a:lstStyle/>
-              <a:p>
-                <a:pPr algn="ctr"/>
-                <a:endParaRPr lang="en-US" dirty="0"/>
-              </a:p>
-            </p:txBody>
-          </p:sp>
+              </p:spPr>
+              <p:txBody>
+                <a:bodyPr wrap="square" rtlCol="0">
+                  <a:spAutoFit/>
+                </a:bodyPr>
+                <a:lstStyle/>
+                <a:p>
+                  <a:pPr algn="ctr"/>
+                  <a:r>
+                    <a:rPr lang="en-US" dirty="0">
+                      <a:solidFill>
+                        <a:schemeClr val="bg1"/>
+                      </a:solidFill>
+                      <a:cs typeface="Segoe UI Semibold" panose="020B0702040204020203" pitchFamily="34" charset="0"/>
+                    </a:rPr>
+                    <a:t>i</a:t>
+                  </a:r>
+                </a:p>
+              </p:txBody>
+            </p:sp>
+          </p:grpSp>
           <p:sp>
             <p:nvSpPr>
-              <p:cNvPr id="27" name="TextBox 26" descr="Number 1">
+              <p:cNvPr id="25" name="TextBox 24">
                 <a:extLst>
                   <a:ext uri="{FF2B5EF4-FFF2-40B4-BE49-F238E27FC236}">
-                    <a16:creationId xmlns:a16="http://schemas.microsoft.com/office/drawing/2014/main" id="{B9360687-2090-4277-AAA6-8CE8C3035EB4}"/>
+                    <a16:creationId xmlns:a16="http://schemas.microsoft.com/office/drawing/2014/main" id="{83FB22A4-F3A6-48E8-9CE8-9CD5BE49061B}"/>
                   </a:ext>
                 </a:extLst>
               </p:cNvPr>
-              <p:cNvSpPr txBox="1">
-                <a:spLocks noChangeAspect="1"/>
-              </p:cNvSpPr>
+              <p:cNvSpPr txBox="1"/>
               <p:nvPr/>
             </p:nvSpPr>
-            <p:spPr bwMode="blackWhite">
+            <p:spPr>
               <a:xfrm>
-                <a:off x="2647828" y="2434164"/>
-                <a:ext cx="558179" cy="369332"/>
+                <a:off x="5114604" y="3102111"/>
+                <a:ext cx="2895600" cy="883643"/>
               </a:xfrm>
               <a:prstGeom prst="rect">
                 <a:avLst/>
@@ -8918,119 +13172,113 @@
               <a:noFill/>
             </p:spPr>
             <p:txBody>
-              <a:bodyPr wrap="square" rtlCol="0">
+              <a:bodyPr wrap="square">
                 <a:spAutoFit/>
               </a:bodyPr>
               <a:lstStyle/>
               <a:p>
-                <a:pPr algn="ctr"/>
+                <a:pPr marL="0" indent="0">
+                  <a:spcAft>
+                    <a:spcPts val="1200"/>
+                  </a:spcAft>
+                  <a:buNone/>
+                </a:pPr>
                 <a:r>
-                  <a:rPr lang="en-US" dirty="0">
+                  <a:rPr lang="en-US" sz="1600" b="1" dirty="0" err="1">
                     <a:solidFill>
-                      <a:schemeClr val="bg1"/>
+                      <a:schemeClr val="tx1"/>
                     </a:solidFill>
-                    <a:cs typeface="Segoe UI Semibold" panose="020B0702040204020203" pitchFamily="34" charset="0"/>
                   </a:rPr>
-                  <a:t>i</a:t>
+                  <a:t>Sumber</a:t>
                 </a:r>
+                <a:r>
+                  <a:rPr lang="en-US" sz="1600" dirty="0">
+                    <a:solidFill>
+                      <a:schemeClr val="tx1"/>
+                    </a:solidFill>
+                  </a:rPr>
+                  <a:t>: Basis data </a:t>
+                </a:r>
+                <a:r>
+                  <a:rPr lang="en-US" sz="1600" b="1" dirty="0" err="1">
+                    <a:solidFill>
+                      <a:schemeClr val="tx1"/>
+                    </a:solidFill>
+                  </a:rPr>
+                  <a:t>scopus</a:t>
+                </a:r>
+                <a:r>
+                  <a:rPr lang="en-US" sz="1600" dirty="0"/>
+                  <a:t> </a:t>
+                </a:r>
+                <a:r>
+                  <a:rPr lang="en-US" sz="1600" dirty="0">
+                    <a:sym typeface="Wingdings" panose="05000000000000000000" pitchFamily="2" charset="2"/>
+                  </a:rPr>
+                  <a:t> google </a:t>
+                </a:r>
+                <a:r>
+                  <a:rPr lang="en-US" sz="1600" b="1" dirty="0">
+                    <a:sym typeface="Wingdings" panose="05000000000000000000" pitchFamily="2" charset="2"/>
+                  </a:rPr>
+                  <a:t>scholar</a:t>
+                </a:r>
+                <a:r>
+                  <a:rPr lang="en-US" sz="1600" dirty="0">
+                    <a:sym typeface="Wingdings" panose="05000000000000000000" pitchFamily="2" charset="2"/>
+                  </a:rPr>
+                  <a:t> dan </a:t>
+                </a:r>
+                <a:r>
+                  <a:rPr lang="en-US" sz="1600" b="1" dirty="0">
+                    <a:sym typeface="Wingdings" panose="05000000000000000000" pitchFamily="2" charset="2"/>
+                  </a:rPr>
+                  <a:t>science direct</a:t>
+                </a:r>
+                <a:endParaRPr lang="en-US" sz="1600" b="1" dirty="0">
+                  <a:solidFill>
+                    <a:schemeClr val="tx1"/>
+                  </a:solidFill>
+                </a:endParaRPr>
               </a:p>
             </p:txBody>
           </p:sp>
         </p:grpSp>
-        <p:sp>
-          <p:nvSpPr>
-            <p:cNvPr id="25" name="TextBox 24">
+        <p:pic>
+          <p:nvPicPr>
+            <p:cNvPr id="12" name="Picture 11">
               <a:extLst>
                 <a:ext uri="{FF2B5EF4-FFF2-40B4-BE49-F238E27FC236}">
-                  <a16:creationId xmlns:a16="http://schemas.microsoft.com/office/drawing/2014/main" id="{83FB22A4-F3A6-48E8-9CE8-9CD5BE49061B}"/>
+                  <a16:creationId xmlns:a16="http://schemas.microsoft.com/office/drawing/2014/main" id="{701C0DF6-FFAC-4A8A-BF42-DD09C0D05EDB}"/>
                 </a:ext>
               </a:extLst>
             </p:cNvPr>
-            <p:cNvSpPr txBox="1"/>
+            <p:cNvPicPr>
+              <a:picLocks noChangeAspect="1"/>
+            </p:cNvPicPr>
             <p:nvPr/>
-          </p:nvSpPr>
+          </p:nvPicPr>
+          <p:blipFill rotWithShape="1">
+            <a:blip r:embed="rId4">
+              <a:extLst>
+                <a:ext uri="{28A0092B-C50C-407E-A947-70E740481C1C}">
+                  <a14:useLocalDpi xmlns:a14="http://schemas.microsoft.com/office/drawing/2010/main" val="0"/>
+                </a:ext>
+              </a:extLst>
+            </a:blip>
+            <a:srcRect l="74027" t="32727" r="20320" b="59172"/>
+            <a:stretch/>
+          </p:blipFill>
           <p:spPr>
             <a:xfrm>
-              <a:off x="5114604" y="3102111"/>
-              <a:ext cx="2895600" cy="830997"/>
+              <a:off x="8609837" y="1113692"/>
+              <a:ext cx="541573" cy="548640"/>
             </a:xfrm>
             <a:prstGeom prst="rect">
               <a:avLst/>
             </a:prstGeom>
-            <a:noFill/>
           </p:spPr>
-          <p:txBody>
-            <a:bodyPr wrap="square">
-              <a:spAutoFit/>
-            </a:bodyPr>
-            <a:lstStyle/>
-            <a:p>
-              <a:pPr marL="0" indent="0">
-                <a:spcAft>
-                  <a:spcPts val="1200"/>
-                </a:spcAft>
-                <a:buNone/>
-              </a:pPr>
-              <a:r>
-                <a:rPr lang="en-US" sz="1600" b="1" dirty="0" err="1">
-                  <a:solidFill>
-                    <a:schemeClr val="tx1"/>
-                  </a:solidFill>
-                </a:rPr>
-                <a:t>Sumber</a:t>
-              </a:r>
-              <a:r>
-                <a:rPr lang="en-US" sz="1600" dirty="0">
-                  <a:solidFill>
-                    <a:schemeClr val="tx1"/>
-                  </a:solidFill>
-                </a:rPr>
-                <a:t>: Basis data </a:t>
-              </a:r>
-              <a:r>
-                <a:rPr lang="en-US" sz="1600" b="1" dirty="0" err="1">
-                  <a:solidFill>
-                    <a:schemeClr val="tx1"/>
-                  </a:solidFill>
-                </a:rPr>
-                <a:t>scopus</a:t>
-              </a:r>
-              <a:r>
-                <a:rPr lang="en-US" sz="1600" dirty="0"/>
-                <a:t> </a:t>
-              </a:r>
-              <a:r>
-                <a:rPr lang="en-US" sz="1600" dirty="0">
-                  <a:sym typeface="Wingdings" panose="05000000000000000000" pitchFamily="2" charset="2"/>
-                </a:rPr>
-                <a:t> google </a:t>
-              </a:r>
-              <a:r>
-                <a:rPr lang="en-US" sz="1600" b="1" dirty="0">
-                  <a:sym typeface="Wingdings" panose="05000000000000000000" pitchFamily="2" charset="2"/>
-                </a:rPr>
-                <a:t>scholar</a:t>
-              </a:r>
-              <a:r>
-                <a:rPr lang="en-US" sz="1600" dirty="0">
-                  <a:sym typeface="Wingdings" panose="05000000000000000000" pitchFamily="2" charset="2"/>
-                </a:rPr>
-                <a:t> dan </a:t>
-              </a:r>
-              <a:r>
-                <a:rPr lang="en-US" sz="1600" b="1" dirty="0">
-                  <a:sym typeface="Wingdings" panose="05000000000000000000" pitchFamily="2" charset="2"/>
-                </a:rPr>
-                <a:t>science direct</a:t>
-              </a:r>
-              <a:endParaRPr lang="en-US" sz="1600" b="1" dirty="0">
-                <a:solidFill>
-                  <a:schemeClr val="tx1"/>
-                </a:solidFill>
-              </a:endParaRPr>
-            </a:p>
-          </p:txBody>
-        </p:sp>
+        </p:pic>
       </p:grpSp>
     </p:spTree>
     <p:extLst>
@@ -9094,7 +13342,7 @@
         </p:spPr>
         <p:txBody>
           <a:bodyPr>
-            <a:normAutofit fontScale="90000"/>
+            <a:normAutofit/>
           </a:bodyPr>
           <a:lstStyle/>
           <a:p>
@@ -9124,68 +13372,15 @@
                 <a:latin typeface="Segoe UI Light" panose="020B0502040204020203" pitchFamily="34" charset="0"/>
                 <a:cs typeface="Segoe UI Light" panose="020B0502040204020203" pitchFamily="34" charset="0"/>
               </a:rPr>
-              <a:t>Pencarian</a:t>
+              <a:t>Seleksi</a:t>
             </a:r>
             <a:r>
               <a:rPr lang="en-US" dirty="0">
                 <a:latin typeface="Segoe UI Light" panose="020B0502040204020203" pitchFamily="34" charset="0"/>
                 <a:cs typeface="Segoe UI Light" panose="020B0502040204020203" pitchFamily="34" charset="0"/>
               </a:rPr>
-              <a:t> dan </a:t>
-            </a:r>
-            <a:r>
-              <a:rPr lang="en-US" dirty="0" err="1">
-                <a:latin typeface="Segoe UI Light" panose="020B0502040204020203" pitchFamily="34" charset="0"/>
-                <a:cs typeface="Segoe UI Light" panose="020B0502040204020203" pitchFamily="34" charset="0"/>
-              </a:rPr>
-              <a:t>seleksi</a:t>
-            </a:r>
-            <a:r>
-              <a:rPr lang="en-US" dirty="0">
-                <a:latin typeface="Segoe UI Light" panose="020B0502040204020203" pitchFamily="34" charset="0"/>
-                <a:cs typeface="Segoe UI Light" panose="020B0502040204020203" pitchFamily="34" charset="0"/>
-              </a:rPr>
-              <a:t> </a:t>
-            </a:r>
-            <a:r>
-              <a:rPr lang="en-US" dirty="0" err="1">
-                <a:latin typeface="Segoe UI Light" panose="020B0502040204020203" pitchFamily="34" charset="0"/>
-                <a:cs typeface="Segoe UI Light" panose="020B0502040204020203" pitchFamily="34" charset="0"/>
-              </a:rPr>
-              <a:t>sumber</a:t>
-            </a:r>
-            <a:r>
-              <a:rPr lang="en-US" dirty="0">
-                <a:latin typeface="Segoe UI Light" panose="020B0502040204020203" pitchFamily="34" charset="0"/>
-                <a:cs typeface="Segoe UI Light" panose="020B0502040204020203" pitchFamily="34" charset="0"/>
-              </a:rPr>
-              <a:t> KTI / data </a:t>
-            </a:r>
-            <a:r>
-              <a:rPr lang="en-US" dirty="0" err="1">
-                <a:latin typeface="Segoe UI Light" panose="020B0502040204020203" pitchFamily="34" charset="0"/>
-                <a:cs typeface="Segoe UI Light" panose="020B0502040204020203" pitchFamily="34" charset="0"/>
-              </a:rPr>
-              <a:t>sekunder</a:t>
-            </a:r>
-            <a:r>
-              <a:rPr lang="en-US" dirty="0">
-                <a:latin typeface="Segoe UI Light" panose="020B0502040204020203" pitchFamily="34" charset="0"/>
-                <a:cs typeface="Segoe UI Light" panose="020B0502040204020203" pitchFamily="34" charset="0"/>
-              </a:rPr>
-              <a:t> </a:t>
-            </a:r>
-            <a:r>
-              <a:rPr lang="en-US" dirty="0" err="1">
-                <a:latin typeface="Segoe UI Light" panose="020B0502040204020203" pitchFamily="34" charset="0"/>
-                <a:cs typeface="Segoe UI Light" panose="020B0502040204020203" pitchFamily="34" charset="0"/>
-              </a:rPr>
-              <a:t>lainnya</a:t>
-            </a:r>
-            <a:endParaRPr lang="en-US" dirty="0">
-              <a:latin typeface="Segoe UI Light" panose="020B0502040204020203" pitchFamily="34" charset="0"/>
-              <a:cs typeface="Segoe UI Light" panose="020B0502040204020203" pitchFamily="34" charset="0"/>
-            </a:endParaRPr>
+              <a:t> KTI (Choi 2013)</a:t>
+            </a:r>
           </a:p>
         </p:txBody>
       </p:sp>
@@ -9216,8 +13411,8 @@
         </p:blipFill>
         <p:spPr>
           <a:xfrm>
-            <a:off x="532818" y="1219200"/>
-            <a:ext cx="6858582" cy="4981312"/>
+            <a:off x="532818" y="1600200"/>
+            <a:ext cx="6172782" cy="4600312"/>
           </a:xfrm>
           <a:prstGeom prst="rect">
             <a:avLst/>
@@ -9238,8 +13433,8 @@
         </p:nvSpPr>
         <p:spPr>
           <a:xfrm>
-            <a:off x="609601" y="3657600"/>
-            <a:ext cx="1600200" cy="152400"/>
+            <a:off x="647701" y="3816350"/>
+            <a:ext cx="1333500" cy="222250"/>
           </a:xfrm>
           <a:prstGeom prst="rect">
             <a:avLst/>
@@ -9277,295 +13472,6 @@
           </a:p>
         </p:txBody>
       </p:sp>
-      <p:grpSp>
-        <p:nvGrpSpPr>
-          <p:cNvPr id="17" name="Group 16">
-            <a:extLst>
-              <a:ext uri="{FF2B5EF4-FFF2-40B4-BE49-F238E27FC236}">
-                <a16:creationId xmlns:a16="http://schemas.microsoft.com/office/drawing/2014/main" id="{794C0846-A77B-4596-A620-400BA47E5926}"/>
-              </a:ext>
-            </a:extLst>
-          </p:cNvPr>
-          <p:cNvGrpSpPr/>
-          <p:nvPr/>
-        </p:nvGrpSpPr>
-        <p:grpSpPr>
-          <a:xfrm>
-            <a:off x="8229600" y="1374916"/>
-            <a:ext cx="3526654" cy="1108622"/>
-            <a:chOff x="4626746" y="4267200"/>
-            <a:chExt cx="3526654" cy="1108622"/>
-          </a:xfrm>
-        </p:grpSpPr>
-        <p:grpSp>
-          <p:nvGrpSpPr>
-            <p:cNvPr id="18" name="Group 17">
-              <a:extLst>
-                <a:ext uri="{FF2B5EF4-FFF2-40B4-BE49-F238E27FC236}">
-                  <a16:creationId xmlns:a16="http://schemas.microsoft.com/office/drawing/2014/main" id="{18A86E81-84AF-4742-AD2C-F3E6CBDD0503}"/>
-                </a:ext>
-              </a:extLst>
-            </p:cNvPr>
-            <p:cNvGrpSpPr/>
-            <p:nvPr/>
-          </p:nvGrpSpPr>
-          <p:grpSpPr>
-            <a:xfrm>
-              <a:off x="4626746" y="4267200"/>
-              <a:ext cx="493917" cy="409838"/>
-              <a:chOff x="2679151" y="3410840"/>
-              <a:chExt cx="493917" cy="409838"/>
-            </a:xfrm>
-          </p:grpSpPr>
-          <p:sp>
-            <p:nvSpPr>
-              <p:cNvPr id="20" name="Oval 19" descr="Small circle">
-                <a:extLst>
-                  <a:ext uri="{FF2B5EF4-FFF2-40B4-BE49-F238E27FC236}">
-                    <a16:creationId xmlns:a16="http://schemas.microsoft.com/office/drawing/2014/main" id="{B2649139-AEAA-4607-80F2-2E3D135A5C61}"/>
-                  </a:ext>
-                </a:extLst>
-              </p:cNvPr>
-              <p:cNvSpPr>
-                <a:spLocks noChangeAspect="1"/>
-              </p:cNvSpPr>
-              <p:nvPr/>
-            </p:nvSpPr>
-            <p:spPr bwMode="blackWhite">
-              <a:xfrm>
-                <a:off x="2713764" y="3410840"/>
-                <a:ext cx="409838" cy="409838"/>
-              </a:xfrm>
-              <a:prstGeom prst="ellipse">
-                <a:avLst/>
-              </a:prstGeom>
-              <a:solidFill>
-                <a:srgbClr val="AA0000"/>
-              </a:solidFill>
-              <a:ln>
-                <a:noFill/>
-              </a:ln>
-            </p:spPr>
-            <p:style>
-              <a:lnRef idx="2">
-                <a:schemeClr val="accent1">
-                  <a:shade val="50000"/>
-                </a:schemeClr>
-              </a:lnRef>
-              <a:fillRef idx="1">
-                <a:schemeClr val="accent1"/>
-              </a:fillRef>
-              <a:effectRef idx="0">
-                <a:schemeClr val="accent1"/>
-              </a:effectRef>
-              <a:fontRef idx="minor">
-                <a:schemeClr val="lt1"/>
-              </a:fontRef>
-            </p:style>
-            <p:txBody>
-              <a:bodyPr rtlCol="0" anchor="ctr"/>
-              <a:lstStyle/>
-              <a:p>
-                <a:pPr algn="ctr"/>
-                <a:endParaRPr lang="en-US" dirty="0"/>
-              </a:p>
-            </p:txBody>
-          </p:sp>
-          <p:sp>
-            <p:nvSpPr>
-              <p:cNvPr id="22" name="TextBox 21" descr="Number 2">
-                <a:extLst>
-                  <a:ext uri="{FF2B5EF4-FFF2-40B4-BE49-F238E27FC236}">
-                    <a16:creationId xmlns:a16="http://schemas.microsoft.com/office/drawing/2014/main" id="{CF6A023D-E353-40FB-A546-8BEB7EAAA8FB}"/>
-                  </a:ext>
-                </a:extLst>
-              </p:cNvPr>
-              <p:cNvSpPr txBox="1">
-                <a:spLocks noChangeAspect="1"/>
-              </p:cNvSpPr>
-              <p:nvPr/>
-            </p:nvSpPr>
-            <p:spPr bwMode="blackWhite">
-              <a:xfrm>
-                <a:off x="2679151" y="3417878"/>
-                <a:ext cx="493917" cy="369332"/>
-              </a:xfrm>
-              <a:prstGeom prst="rect">
-                <a:avLst/>
-              </a:prstGeom>
-              <a:noFill/>
-            </p:spPr>
-            <p:txBody>
-              <a:bodyPr wrap="square" rtlCol="0">
-                <a:spAutoFit/>
-              </a:bodyPr>
-              <a:lstStyle/>
-              <a:p>
-                <a:pPr algn="ctr"/>
-                <a:r>
-                  <a:rPr lang="en-US" dirty="0">
-                    <a:solidFill>
-                      <a:schemeClr val="bg1"/>
-                    </a:solidFill>
-                    <a:cs typeface="Segoe UI Semibold" panose="020B0702040204020203" pitchFamily="34" charset="0"/>
-                  </a:rPr>
-                  <a:t>ii</a:t>
-                </a:r>
-              </a:p>
-            </p:txBody>
-          </p:sp>
-        </p:grpSp>
-        <p:sp>
-          <p:nvSpPr>
-            <p:cNvPr id="19" name="TextBox 18">
-              <a:extLst>
-                <a:ext uri="{FF2B5EF4-FFF2-40B4-BE49-F238E27FC236}">
-                  <a16:creationId xmlns:a16="http://schemas.microsoft.com/office/drawing/2014/main" id="{2CAC4B62-322C-4A8E-AAF5-C9471BB8FAB8}"/>
-                </a:ext>
-              </a:extLst>
-            </p:cNvPr>
-            <p:cNvSpPr txBox="1"/>
-            <p:nvPr/>
-          </p:nvSpPr>
-          <p:spPr>
-            <a:xfrm>
-              <a:off x="5120663" y="4298604"/>
-              <a:ext cx="3032737" cy="1077218"/>
-            </a:xfrm>
-            <a:prstGeom prst="rect">
-              <a:avLst/>
-            </a:prstGeom>
-            <a:noFill/>
-          </p:spPr>
-          <p:txBody>
-            <a:bodyPr wrap="square">
-              <a:spAutoFit/>
-            </a:bodyPr>
-            <a:lstStyle/>
-            <a:p>
-              <a:pPr marL="0" indent="0">
-                <a:spcAft>
-                  <a:spcPts val="1200"/>
-                </a:spcAft>
-                <a:buNone/>
-              </a:pPr>
-              <a:r>
-                <a:rPr lang="en-US" sz="1600" b="1" dirty="0" err="1">
-                  <a:solidFill>
-                    <a:schemeClr val="tx1"/>
-                  </a:solidFill>
-                </a:rPr>
-                <a:t>Seleksi</a:t>
-              </a:r>
-              <a:r>
-                <a:rPr lang="en-US" sz="1600" dirty="0">
-                  <a:solidFill>
-                    <a:schemeClr val="tx1"/>
-                  </a:solidFill>
-                </a:rPr>
-                <a:t>: </a:t>
-              </a:r>
-              <a:r>
-                <a:rPr lang="en-US" sz="1600" b="1" dirty="0" err="1">
-                  <a:solidFill>
-                    <a:schemeClr val="tx1"/>
-                  </a:solidFill>
-                </a:rPr>
-                <a:t>satuan</a:t>
-              </a:r>
-              <a:r>
-                <a:rPr lang="en-US" sz="1600" dirty="0">
-                  <a:solidFill>
-                    <a:schemeClr val="tx1"/>
-                  </a:solidFill>
-                </a:rPr>
-                <a:t> level/</a:t>
-              </a:r>
-              <a:r>
-                <a:rPr lang="en-US" sz="1600" dirty="0" err="1">
-                  <a:solidFill>
-                    <a:schemeClr val="tx1"/>
-                  </a:solidFill>
-                </a:rPr>
-                <a:t>dosis</a:t>
-              </a:r>
-              <a:r>
-                <a:rPr lang="en-US" sz="1600" dirty="0"/>
-                <a:t> </a:t>
-              </a:r>
-              <a:r>
-                <a:rPr lang="en-US" sz="1600" dirty="0" err="1"/>
-                <a:t>tertera</a:t>
-              </a:r>
-              <a:r>
-                <a:rPr lang="en-US" sz="1600" dirty="0"/>
-                <a:t>, </a:t>
-              </a:r>
-              <a:r>
-                <a:rPr lang="en-US" sz="1600" b="1" dirty="0" err="1">
-                  <a:solidFill>
-                    <a:schemeClr val="tx1"/>
-                  </a:solidFill>
-                </a:rPr>
-                <a:t>ternak</a:t>
-              </a:r>
-              <a:r>
-                <a:rPr lang="en-US" sz="1600" dirty="0">
-                  <a:solidFill>
-                    <a:schemeClr val="tx1"/>
-                  </a:solidFill>
-                </a:rPr>
-                <a:t> (</a:t>
-              </a:r>
-              <a:r>
-                <a:rPr lang="en-US" sz="1600" dirty="0" err="1">
-                  <a:solidFill>
-                    <a:schemeClr val="tx1"/>
-                  </a:solidFill>
-                </a:rPr>
-                <a:t>ayam</a:t>
-              </a:r>
-              <a:r>
-                <a:rPr lang="en-US" sz="1600" dirty="0">
-                  <a:solidFill>
-                    <a:schemeClr val="tx1"/>
-                  </a:solidFill>
-                </a:rPr>
-                <a:t> </a:t>
-              </a:r>
-              <a:r>
-                <a:rPr lang="en-US" sz="1600" dirty="0" err="1">
-                  <a:solidFill>
-                    <a:schemeClr val="tx1"/>
-                  </a:solidFill>
-                </a:rPr>
-                <a:t>pedaging</a:t>
-              </a:r>
-              <a:r>
-                <a:rPr lang="en-US" sz="1600" dirty="0">
-                  <a:solidFill>
-                    <a:schemeClr val="tx1"/>
-                  </a:solidFill>
-                </a:rPr>
-                <a:t>/broiler), dan parameter </a:t>
-              </a:r>
-              <a:r>
-                <a:rPr lang="en-US" sz="1600" dirty="0" err="1">
-                  <a:solidFill>
-                    <a:schemeClr val="tx1"/>
-                  </a:solidFill>
-                </a:rPr>
-                <a:t>performa</a:t>
-              </a:r>
-              <a:endParaRPr lang="en-US" sz="1600" dirty="0">
-                <a:solidFill>
-                  <a:schemeClr val="tx1"/>
-                </a:solidFill>
-              </a:endParaRPr>
-            </a:p>
-          </p:txBody>
-        </p:sp>
-      </p:grpSp>
       <p:sp>
         <p:nvSpPr>
           <p:cNvPr id="23" name="Rectangle 22">
@@ -9580,8 +13486,8 @@
         </p:nvSpPr>
         <p:spPr>
           <a:xfrm>
-            <a:off x="762000" y="3267075"/>
-            <a:ext cx="3733799" cy="152400"/>
+            <a:off x="647701" y="3435350"/>
+            <a:ext cx="3467099" cy="222250"/>
           </a:xfrm>
           <a:prstGeom prst="rect">
             <a:avLst/>
@@ -9633,8 +13539,8 @@
         </p:nvSpPr>
         <p:spPr>
           <a:xfrm>
-            <a:off x="4505324" y="5791200"/>
-            <a:ext cx="1971676" cy="152400"/>
+            <a:off x="4114800" y="5797550"/>
+            <a:ext cx="1828800" cy="222250"/>
           </a:xfrm>
           <a:prstGeom prst="rect">
             <a:avLst/>
@@ -9672,10 +13578,2031 @@
           </a:p>
         </p:txBody>
       </p:sp>
+      <p:grpSp>
+        <p:nvGrpSpPr>
+          <p:cNvPr id="3" name="Group 2">
+            <a:extLst>
+              <a:ext uri="{FF2B5EF4-FFF2-40B4-BE49-F238E27FC236}">
+                <a16:creationId xmlns:a16="http://schemas.microsoft.com/office/drawing/2014/main" id="{21C84691-E44B-4762-BE66-0AD8B739BE5C}"/>
+              </a:ext>
+            </a:extLst>
+          </p:cNvPr>
+          <p:cNvGrpSpPr/>
+          <p:nvPr/>
+        </p:nvGrpSpPr>
+        <p:grpSpPr>
+          <a:xfrm>
+            <a:off x="7839657" y="1524000"/>
+            <a:ext cx="3810000" cy="1345952"/>
+            <a:chOff x="8534400" y="1339303"/>
+            <a:chExt cx="3810000" cy="1345952"/>
+          </a:xfrm>
+        </p:grpSpPr>
+        <p:grpSp>
+          <p:nvGrpSpPr>
+            <p:cNvPr id="17" name="Group 16">
+              <a:extLst>
+                <a:ext uri="{FF2B5EF4-FFF2-40B4-BE49-F238E27FC236}">
+                  <a16:creationId xmlns:a16="http://schemas.microsoft.com/office/drawing/2014/main" id="{794C0846-A77B-4596-A620-400BA47E5926}"/>
+                </a:ext>
+              </a:extLst>
+            </p:cNvPr>
+            <p:cNvGrpSpPr/>
+            <p:nvPr/>
+          </p:nvGrpSpPr>
+          <p:grpSpPr>
+            <a:xfrm>
+              <a:off x="8534400" y="1822854"/>
+              <a:ext cx="3810000" cy="862401"/>
+              <a:chOff x="4626746" y="4267200"/>
+              <a:chExt cx="3810000" cy="862401"/>
+            </a:xfrm>
+          </p:grpSpPr>
+          <p:grpSp>
+            <p:nvGrpSpPr>
+              <p:cNvPr id="18" name="Group 17">
+                <a:extLst>
+                  <a:ext uri="{FF2B5EF4-FFF2-40B4-BE49-F238E27FC236}">
+                    <a16:creationId xmlns:a16="http://schemas.microsoft.com/office/drawing/2014/main" id="{18A86E81-84AF-4742-AD2C-F3E6CBDD0503}"/>
+                  </a:ext>
+                </a:extLst>
+              </p:cNvPr>
+              <p:cNvGrpSpPr/>
+              <p:nvPr/>
+            </p:nvGrpSpPr>
+            <p:grpSpPr>
+              <a:xfrm>
+                <a:off x="4626746" y="4267200"/>
+                <a:ext cx="493917" cy="409838"/>
+                <a:chOff x="2679151" y="3410840"/>
+                <a:chExt cx="493917" cy="409838"/>
+              </a:xfrm>
+            </p:grpSpPr>
+            <p:sp>
+              <p:nvSpPr>
+                <p:cNvPr id="20" name="Oval 19" descr="Small circle">
+                  <a:extLst>
+                    <a:ext uri="{FF2B5EF4-FFF2-40B4-BE49-F238E27FC236}">
+                      <a16:creationId xmlns:a16="http://schemas.microsoft.com/office/drawing/2014/main" id="{B2649139-AEAA-4607-80F2-2E3D135A5C61}"/>
+                    </a:ext>
+                  </a:extLst>
+                </p:cNvPr>
+                <p:cNvSpPr>
+                  <a:spLocks noChangeAspect="1"/>
+                </p:cNvSpPr>
+                <p:nvPr/>
+              </p:nvSpPr>
+              <p:spPr bwMode="blackWhite">
+                <a:xfrm>
+                  <a:off x="2713764" y="3410840"/>
+                  <a:ext cx="409838" cy="409838"/>
+                </a:xfrm>
+                <a:prstGeom prst="ellipse">
+                  <a:avLst/>
+                </a:prstGeom>
+                <a:solidFill>
+                  <a:srgbClr val="AA0000"/>
+                </a:solidFill>
+                <a:ln>
+                  <a:noFill/>
+                </a:ln>
+              </p:spPr>
+              <p:style>
+                <a:lnRef idx="2">
+                  <a:schemeClr val="accent1">
+                    <a:shade val="50000"/>
+                  </a:schemeClr>
+                </a:lnRef>
+                <a:fillRef idx="1">
+                  <a:schemeClr val="accent1"/>
+                </a:fillRef>
+                <a:effectRef idx="0">
+                  <a:schemeClr val="accent1"/>
+                </a:effectRef>
+                <a:fontRef idx="minor">
+                  <a:schemeClr val="lt1"/>
+                </a:fontRef>
+              </p:style>
+              <p:txBody>
+                <a:bodyPr rtlCol="0" anchor="ctr"/>
+                <a:lstStyle/>
+                <a:p>
+                  <a:pPr algn="ctr"/>
+                  <a:endParaRPr lang="en-US" dirty="0"/>
+                </a:p>
+              </p:txBody>
+            </p:sp>
+            <p:sp>
+              <p:nvSpPr>
+                <p:cNvPr id="22" name="TextBox 21" descr="Number 2">
+                  <a:extLst>
+                    <a:ext uri="{FF2B5EF4-FFF2-40B4-BE49-F238E27FC236}">
+                      <a16:creationId xmlns:a16="http://schemas.microsoft.com/office/drawing/2014/main" id="{CF6A023D-E353-40FB-A546-8BEB7EAAA8FB}"/>
+                    </a:ext>
+                  </a:extLst>
+                </p:cNvPr>
+                <p:cNvSpPr txBox="1">
+                  <a:spLocks noChangeAspect="1"/>
+                </p:cNvSpPr>
+                <p:nvPr/>
+              </p:nvSpPr>
+              <p:spPr bwMode="blackWhite">
+                <a:xfrm>
+                  <a:off x="2679151" y="3417878"/>
+                  <a:ext cx="493917" cy="369332"/>
+                </a:xfrm>
+                <a:prstGeom prst="rect">
+                  <a:avLst/>
+                </a:prstGeom>
+                <a:noFill/>
+              </p:spPr>
+              <p:txBody>
+                <a:bodyPr wrap="square" rtlCol="0">
+                  <a:spAutoFit/>
+                </a:bodyPr>
+                <a:lstStyle/>
+                <a:p>
+                  <a:pPr algn="ctr"/>
+                  <a:r>
+                    <a:rPr lang="en-US" dirty="0">
+                      <a:solidFill>
+                        <a:schemeClr val="bg1"/>
+                      </a:solidFill>
+                      <a:cs typeface="Segoe UI Semibold" panose="020B0702040204020203" pitchFamily="34" charset="0"/>
+                    </a:rPr>
+                    <a:t>ii</a:t>
+                  </a:r>
+                </a:p>
+              </p:txBody>
+            </p:sp>
+          </p:grpSp>
+          <p:sp>
+            <p:nvSpPr>
+              <p:cNvPr id="19" name="TextBox 18">
+                <a:extLst>
+                  <a:ext uri="{FF2B5EF4-FFF2-40B4-BE49-F238E27FC236}">
+                    <a16:creationId xmlns:a16="http://schemas.microsoft.com/office/drawing/2014/main" id="{2CAC4B62-322C-4A8E-AAF5-C9471BB8FAB8}"/>
+                  </a:ext>
+                </a:extLst>
+              </p:cNvPr>
+              <p:cNvSpPr txBox="1"/>
+              <p:nvPr/>
+            </p:nvSpPr>
+            <p:spPr>
+              <a:xfrm>
+                <a:off x="5120663" y="4298604"/>
+                <a:ext cx="3316083" cy="830997"/>
+              </a:xfrm>
+              <a:prstGeom prst="rect">
+                <a:avLst/>
+              </a:prstGeom>
+              <a:noFill/>
+            </p:spPr>
+            <p:txBody>
+              <a:bodyPr wrap="square">
+                <a:spAutoFit/>
+              </a:bodyPr>
+              <a:lstStyle/>
+              <a:p>
+                <a:pPr marL="0" indent="0">
+                  <a:spcAft>
+                    <a:spcPts val="1200"/>
+                  </a:spcAft>
+                  <a:buNone/>
+                </a:pPr>
+                <a:r>
+                  <a:rPr lang="en-US" sz="1600" b="1" dirty="0" err="1">
+                    <a:solidFill>
+                      <a:schemeClr val="tx1"/>
+                    </a:solidFill>
+                  </a:rPr>
+                  <a:t>Seleksi</a:t>
+                </a:r>
+                <a:r>
+                  <a:rPr lang="en-US" sz="1600" dirty="0">
+                    <a:solidFill>
+                      <a:schemeClr val="tx1"/>
+                    </a:solidFill>
+                  </a:rPr>
+                  <a:t>: </a:t>
+                </a:r>
+                <a:r>
+                  <a:rPr lang="en-US" sz="1600" b="1" dirty="0" err="1">
+                    <a:solidFill>
+                      <a:schemeClr val="tx1"/>
+                    </a:solidFill>
+                  </a:rPr>
+                  <a:t>satuan</a:t>
+                </a:r>
+                <a:r>
+                  <a:rPr lang="en-US" sz="1600" dirty="0">
+                    <a:solidFill>
+                      <a:schemeClr val="tx1"/>
+                    </a:solidFill>
+                  </a:rPr>
+                  <a:t> level/</a:t>
+                </a:r>
+                <a:r>
+                  <a:rPr lang="en-US" sz="1600" dirty="0" err="1">
+                    <a:solidFill>
+                      <a:schemeClr val="tx1"/>
+                    </a:solidFill>
+                  </a:rPr>
+                  <a:t>dosis</a:t>
+                </a:r>
+                <a:r>
+                  <a:rPr lang="en-US" sz="1600" dirty="0"/>
+                  <a:t> </a:t>
+                </a:r>
+                <a:r>
+                  <a:rPr lang="en-US" sz="1600" dirty="0" err="1"/>
+                  <a:t>tertera</a:t>
+                </a:r>
+                <a:r>
+                  <a:rPr lang="en-US" sz="1600" dirty="0"/>
+                  <a:t>, </a:t>
+                </a:r>
+                <a:r>
+                  <a:rPr lang="en-US" sz="1600" b="1" dirty="0" err="1">
+                    <a:solidFill>
+                      <a:schemeClr val="tx1"/>
+                    </a:solidFill>
+                  </a:rPr>
+                  <a:t>ternak</a:t>
+                </a:r>
+                <a:r>
+                  <a:rPr lang="en-US" sz="1600" dirty="0">
+                    <a:solidFill>
+                      <a:schemeClr val="tx1"/>
+                    </a:solidFill>
+                  </a:rPr>
+                  <a:t> (</a:t>
+                </a:r>
+                <a:r>
+                  <a:rPr lang="en-US" sz="1600" dirty="0" err="1">
+                    <a:solidFill>
+                      <a:schemeClr val="tx1"/>
+                    </a:solidFill>
+                  </a:rPr>
+                  <a:t>ayam</a:t>
+                </a:r>
+                <a:r>
+                  <a:rPr lang="en-US" sz="1600" dirty="0">
+                    <a:solidFill>
+                      <a:schemeClr val="tx1"/>
+                    </a:solidFill>
+                  </a:rPr>
+                  <a:t> </a:t>
+                </a:r>
+                <a:r>
+                  <a:rPr lang="en-US" sz="1600" dirty="0" err="1">
+                    <a:solidFill>
+                      <a:schemeClr val="tx1"/>
+                    </a:solidFill>
+                  </a:rPr>
+                  <a:t>pedaging</a:t>
+                </a:r>
+                <a:r>
+                  <a:rPr lang="en-US" sz="1600" dirty="0">
+                    <a:solidFill>
+                      <a:schemeClr val="tx1"/>
+                    </a:solidFill>
+                  </a:rPr>
+                  <a:t>/broiler), dan parameter </a:t>
+                </a:r>
+                <a:r>
+                  <a:rPr lang="en-US" sz="1600" dirty="0" err="1">
+                    <a:solidFill>
+                      <a:schemeClr val="tx1"/>
+                    </a:solidFill>
+                  </a:rPr>
+                  <a:t>performa</a:t>
+                </a:r>
+                <a:endParaRPr lang="en-US" sz="1600" dirty="0">
+                  <a:solidFill>
+                    <a:schemeClr val="tx1"/>
+                  </a:solidFill>
+                </a:endParaRPr>
+              </a:p>
+            </p:txBody>
+          </p:sp>
+        </p:grpSp>
+        <p:pic>
+          <p:nvPicPr>
+            <p:cNvPr id="12" name="Picture 11">
+              <a:extLst>
+                <a:ext uri="{FF2B5EF4-FFF2-40B4-BE49-F238E27FC236}">
+                  <a16:creationId xmlns:a16="http://schemas.microsoft.com/office/drawing/2014/main" id="{57F98C52-CCAA-429D-96F7-AAFB166191C3}"/>
+                </a:ext>
+              </a:extLst>
+            </p:cNvPr>
+            <p:cNvPicPr>
+              <a:picLocks noChangeAspect="1"/>
+            </p:cNvPicPr>
+            <p:nvPr/>
+          </p:nvPicPr>
+          <p:blipFill rotWithShape="1">
+            <a:blip r:embed="rId3">
+              <a:extLst>
+                <a:ext uri="{28A0092B-C50C-407E-A947-70E740481C1C}">
+                  <a14:useLocalDpi xmlns:a14="http://schemas.microsoft.com/office/drawing/2010/main" val="0"/>
+                </a:ext>
+              </a:extLst>
+            </a:blip>
+            <a:srcRect l="78267" t="40004" r="15373" b="50999"/>
+            <a:stretch/>
+          </p:blipFill>
+          <p:spPr>
+            <a:xfrm>
+              <a:off x="8766077" y="1339303"/>
+              <a:ext cx="524479" cy="524480"/>
+            </a:xfrm>
+            <a:prstGeom prst="rect">
+              <a:avLst/>
+            </a:prstGeom>
+          </p:spPr>
+        </p:pic>
+      </p:grpSp>
     </p:spTree>
     <p:extLst>
       <p:ext uri="{BB962C8B-B14F-4D97-AF65-F5344CB8AC3E}">
         <p14:creationId xmlns:p14="http://schemas.microsoft.com/office/powerpoint/2010/main" val="3428201024"/>
+      </p:ext>
+    </p:extLst>
+  </p:cSld>
+  <p:clrMapOvr>
+    <a:masterClrMapping/>
+  </p:clrMapOvr>
+</p:sld>
+</file>
+
+<file path=ppt/slides/slide9.xml><?xml version="1.0" encoding="utf-8"?>
+<p:sld xmlns:a="http://schemas.openxmlformats.org/drawingml/2006/main" xmlns:r="http://schemas.openxmlformats.org/officeDocument/2006/relationships" xmlns:p="http://schemas.openxmlformats.org/presentationml/2006/main">
+  <p:cSld>
+    <p:bg>
+      <p:bgPr>
+        <a:solidFill>
+          <a:schemeClr val="bg1"/>
+        </a:solidFill>
+        <a:effectLst/>
+      </p:bgPr>
+    </p:bg>
+    <p:spTree>
+      <p:nvGrpSpPr>
+        <p:cNvPr id="1" name=""/>
+        <p:cNvGrpSpPr/>
+        <p:nvPr/>
+      </p:nvGrpSpPr>
+      <p:grpSpPr>
+        <a:xfrm>
+          <a:off x="0" y="0"/>
+          <a:ext cx="0" cy="0"/>
+          <a:chOff x="0" y="0"/>
+          <a:chExt cx="0" cy="0"/>
+        </a:xfrm>
+      </p:grpSpPr>
+      <p:sp>
+        <p:nvSpPr>
+          <p:cNvPr id="2" name="Title 1">
+            <a:extLst>
+              <a:ext uri="{FF2B5EF4-FFF2-40B4-BE49-F238E27FC236}">
+                <a16:creationId xmlns:a16="http://schemas.microsoft.com/office/drawing/2014/main" id="{F07E19FF-DAD9-4AB4-9D83-993EE9FE6846}"/>
+              </a:ext>
+            </a:extLst>
+          </p:cNvPr>
+          <p:cNvSpPr>
+            <a:spLocks noGrp="1"/>
+          </p:cNvSpPr>
+          <p:nvPr>
+            <p:ph type="title"/>
+          </p:nvPr>
+        </p:nvSpPr>
+        <p:spPr>
+          <a:xfrm>
+            <a:off x="444500" y="412137"/>
+            <a:ext cx="9146972" cy="640080"/>
+          </a:xfrm>
+        </p:spPr>
+        <p:txBody>
+          <a:bodyPr>
+            <a:normAutofit/>
+          </a:bodyPr>
+          <a:lstStyle/>
+          <a:p>
+            <a:r>
+              <a:rPr lang="en-US" dirty="0">
+                <a:latin typeface="Segoe UI Semibold" panose="020B0502040204020203" pitchFamily="34" charset="0"/>
+                <a:cs typeface="Segoe UI Semibold" panose="020B0502040204020203" pitchFamily="34" charset="0"/>
+              </a:rPr>
+              <a:t>3. </a:t>
+            </a:r>
+            <a:r>
+              <a:rPr lang="en-US" dirty="0" err="1">
+                <a:latin typeface="Segoe UI Semibold" panose="020B0502040204020203" pitchFamily="34" charset="0"/>
+                <a:cs typeface="Segoe UI Semibold" panose="020B0502040204020203" pitchFamily="34" charset="0"/>
+              </a:rPr>
+              <a:t>Tabulasi</a:t>
+            </a:r>
+            <a:r>
+              <a:rPr lang="en-US" dirty="0">
+                <a:latin typeface="Segoe UI Semibold" panose="020B0502040204020203" pitchFamily="34" charset="0"/>
+                <a:cs typeface="Segoe UI Semibold" panose="020B0502040204020203" pitchFamily="34" charset="0"/>
+              </a:rPr>
+              <a:t> data dan </a:t>
+            </a:r>
+            <a:r>
+              <a:rPr lang="en-US" dirty="0" err="1">
+                <a:latin typeface="Segoe UI Semibold" panose="020B0502040204020203" pitchFamily="34" charset="0"/>
+                <a:cs typeface="Segoe UI Semibold" panose="020B0502040204020203" pitchFamily="34" charset="0"/>
+              </a:rPr>
+              <a:t>analisis</a:t>
+            </a:r>
+            <a:endParaRPr lang="en-US" b="1" dirty="0">
+              <a:latin typeface="Segoe UI Semibold" panose="020B0502040204020203" pitchFamily="34" charset="0"/>
+              <a:cs typeface="Segoe UI Semibold" panose="020B0502040204020203" pitchFamily="34" charset="0"/>
+            </a:endParaRPr>
+          </a:p>
+        </p:txBody>
+      </p:sp>
+      <p:grpSp>
+        <p:nvGrpSpPr>
+          <p:cNvPr id="7" name="Group 6">
+            <a:extLst>
+              <a:ext uri="{FF2B5EF4-FFF2-40B4-BE49-F238E27FC236}">
+                <a16:creationId xmlns:a16="http://schemas.microsoft.com/office/drawing/2014/main" id="{C5032E93-4B5C-4DFB-B7E1-B56D7CA121D6}"/>
+              </a:ext>
+            </a:extLst>
+          </p:cNvPr>
+          <p:cNvGrpSpPr/>
+          <p:nvPr/>
+        </p:nvGrpSpPr>
+        <p:grpSpPr>
+          <a:xfrm>
+            <a:off x="1117381" y="2683371"/>
+            <a:ext cx="558179" cy="409838"/>
+            <a:chOff x="2647828" y="2417770"/>
+            <a:chExt cx="558179" cy="409838"/>
+          </a:xfrm>
+        </p:grpSpPr>
+        <p:sp>
+          <p:nvSpPr>
+            <p:cNvPr id="40" name="Oval 39" descr="Small circle">
+              <a:extLst>
+                <a:ext uri="{FF2B5EF4-FFF2-40B4-BE49-F238E27FC236}">
+                  <a16:creationId xmlns:a16="http://schemas.microsoft.com/office/drawing/2014/main" id="{0C3A28BB-9675-8648-9563-A663628F48F5}"/>
+                </a:ext>
+              </a:extLst>
+            </p:cNvPr>
+            <p:cNvSpPr>
+              <a:spLocks noChangeAspect="1"/>
+            </p:cNvSpPr>
+            <p:nvPr/>
+          </p:nvSpPr>
+          <p:spPr bwMode="blackWhite">
+            <a:xfrm>
+              <a:off x="2720454" y="2417770"/>
+              <a:ext cx="409838" cy="409838"/>
+            </a:xfrm>
+            <a:prstGeom prst="ellipse">
+              <a:avLst/>
+            </a:prstGeom>
+            <a:solidFill>
+              <a:srgbClr val="AA0000"/>
+            </a:solidFill>
+            <a:ln>
+              <a:noFill/>
+            </a:ln>
+          </p:spPr>
+          <p:style>
+            <a:lnRef idx="2">
+              <a:schemeClr val="accent1">
+                <a:shade val="50000"/>
+              </a:schemeClr>
+            </a:lnRef>
+            <a:fillRef idx="1">
+              <a:schemeClr val="accent1"/>
+            </a:fillRef>
+            <a:effectRef idx="0">
+              <a:schemeClr val="accent1"/>
+            </a:effectRef>
+            <a:fontRef idx="minor">
+              <a:schemeClr val="lt1"/>
+            </a:fontRef>
+          </p:style>
+          <p:txBody>
+            <a:bodyPr rtlCol="0" anchor="ctr"/>
+            <a:lstStyle/>
+            <a:p>
+              <a:pPr algn="ctr"/>
+              <a:endParaRPr lang="en-US" dirty="0"/>
+            </a:p>
+          </p:txBody>
+        </p:sp>
+        <p:sp>
+          <p:nvSpPr>
+            <p:cNvPr id="41" name="TextBox 40" descr="Number 1">
+              <a:extLst>
+                <a:ext uri="{FF2B5EF4-FFF2-40B4-BE49-F238E27FC236}">
+                  <a16:creationId xmlns:a16="http://schemas.microsoft.com/office/drawing/2014/main" id="{516D502C-EEB8-7641-9141-D6049BAE3252}"/>
+                </a:ext>
+              </a:extLst>
+            </p:cNvPr>
+            <p:cNvSpPr txBox="1">
+              <a:spLocks noChangeAspect="1"/>
+            </p:cNvSpPr>
+            <p:nvPr/>
+          </p:nvSpPr>
+          <p:spPr bwMode="blackWhite">
+            <a:xfrm>
+              <a:off x="2647828" y="2434164"/>
+              <a:ext cx="558179" cy="369332"/>
+            </a:xfrm>
+            <a:prstGeom prst="rect">
+              <a:avLst/>
+            </a:prstGeom>
+            <a:noFill/>
+          </p:spPr>
+          <p:txBody>
+            <a:bodyPr wrap="square" rtlCol="0">
+              <a:spAutoFit/>
+            </a:bodyPr>
+            <a:lstStyle/>
+            <a:p>
+              <a:pPr algn="ctr"/>
+              <a:r>
+                <a:rPr lang="en-US" dirty="0">
+                  <a:solidFill>
+                    <a:schemeClr val="bg1"/>
+                  </a:solidFill>
+                  <a:cs typeface="Segoe UI Semibold" panose="020B0702040204020203" pitchFamily="34" charset="0"/>
+                </a:rPr>
+                <a:t>i</a:t>
+              </a:r>
+            </a:p>
+          </p:txBody>
+        </p:sp>
+      </p:grpSp>
+      <p:sp>
+        <p:nvSpPr>
+          <p:cNvPr id="51" name="Content Placeholder 7">
+            <a:extLst>
+              <a:ext uri="{FF2B5EF4-FFF2-40B4-BE49-F238E27FC236}">
+                <a16:creationId xmlns:a16="http://schemas.microsoft.com/office/drawing/2014/main" id="{A6D40621-9F60-B248-A84C-7DCBF898D4DB}"/>
+              </a:ext>
+            </a:extLst>
+          </p:cNvPr>
+          <p:cNvSpPr txBox="1">
+            <a:spLocks/>
+          </p:cNvSpPr>
+          <p:nvPr/>
+        </p:nvSpPr>
+        <p:spPr>
+          <a:xfrm>
+            <a:off x="1600200" y="2768525"/>
+            <a:ext cx="2590800" cy="640081"/>
+          </a:xfrm>
+          <a:prstGeom prst="rect">
+            <a:avLst/>
+          </a:prstGeom>
+        </p:spPr>
+        <p:txBody>
+          <a:bodyPr vert="horz" lIns="91440" tIns="45720" rIns="91440" bIns="45720" rtlCol="0">
+            <a:normAutofit/>
+          </a:bodyPr>
+          <a:lstStyle>
+            <a:lvl1pPr marL="228598" indent="-228598" algn="l" defTabSz="914391" rtl="0" eaLnBrk="1" latinLnBrk="0" hangingPunct="1">
+              <a:lnSpc>
+                <a:spcPct val="100000"/>
+              </a:lnSpc>
+              <a:spcBef>
+                <a:spcPts val="1000"/>
+              </a:spcBef>
+              <a:buFont typeface="Arial" panose="020B0604020202020204" pitchFamily="34" charset="0"/>
+              <a:buChar char="•"/>
+              <a:defRPr lang="en-US" sz="1400" kern="1200" smtClean="0">
+                <a:solidFill>
+                  <a:schemeClr val="tx1">
+                    <a:lumMod val="75000"/>
+                    <a:lumOff val="25000"/>
+                  </a:schemeClr>
+                </a:solidFill>
+                <a:latin typeface="+mn-lt"/>
+                <a:ea typeface="+mn-ea"/>
+                <a:cs typeface="+mn-cs"/>
+              </a:defRPr>
+            </a:lvl1pPr>
+            <a:lvl2pPr marL="685793" indent="-228598" algn="l" defTabSz="914391" rtl="0" eaLnBrk="1" latinLnBrk="0" hangingPunct="1">
+              <a:lnSpc>
+                <a:spcPct val="100000"/>
+              </a:lnSpc>
+              <a:spcBef>
+                <a:spcPts val="500"/>
+              </a:spcBef>
+              <a:buFont typeface="Arial" panose="020B0604020202020204" pitchFamily="34" charset="0"/>
+              <a:buChar char="•"/>
+              <a:defRPr lang="en-US" sz="1400" kern="1200" smtClean="0">
+                <a:solidFill>
+                  <a:schemeClr val="tx1">
+                    <a:lumMod val="75000"/>
+                    <a:lumOff val="25000"/>
+                  </a:schemeClr>
+                </a:solidFill>
+                <a:latin typeface="+mn-lt"/>
+                <a:ea typeface="+mn-ea"/>
+                <a:cs typeface="+mn-cs"/>
+              </a:defRPr>
+            </a:lvl2pPr>
+            <a:lvl3pPr marL="1142989" indent="-228598" algn="l" defTabSz="914391" rtl="0" eaLnBrk="1" latinLnBrk="0" hangingPunct="1">
+              <a:lnSpc>
+                <a:spcPct val="100000"/>
+              </a:lnSpc>
+              <a:spcBef>
+                <a:spcPts val="500"/>
+              </a:spcBef>
+              <a:buFont typeface="Arial" panose="020B0604020202020204" pitchFamily="34" charset="0"/>
+              <a:buChar char="•"/>
+              <a:defRPr lang="en-US" sz="1400" kern="1200" smtClean="0">
+                <a:solidFill>
+                  <a:schemeClr val="tx1">
+                    <a:lumMod val="75000"/>
+                    <a:lumOff val="25000"/>
+                  </a:schemeClr>
+                </a:solidFill>
+                <a:latin typeface="+mn-lt"/>
+                <a:ea typeface="+mn-ea"/>
+                <a:cs typeface="+mn-cs"/>
+              </a:defRPr>
+            </a:lvl3pPr>
+            <a:lvl4pPr marL="1600185" indent="-228598" algn="l" defTabSz="914391" rtl="0" eaLnBrk="1" latinLnBrk="0" hangingPunct="1">
+              <a:lnSpc>
+                <a:spcPct val="100000"/>
+              </a:lnSpc>
+              <a:spcBef>
+                <a:spcPts val="500"/>
+              </a:spcBef>
+              <a:buFont typeface="Arial" panose="020B0604020202020204" pitchFamily="34" charset="0"/>
+              <a:buChar char="•"/>
+              <a:defRPr lang="en-US" sz="1400" kern="1200" smtClean="0">
+                <a:solidFill>
+                  <a:schemeClr val="tx1">
+                    <a:lumMod val="75000"/>
+                    <a:lumOff val="25000"/>
+                  </a:schemeClr>
+                </a:solidFill>
+                <a:latin typeface="+mn-lt"/>
+                <a:ea typeface="+mn-ea"/>
+                <a:cs typeface="+mn-cs"/>
+              </a:defRPr>
+            </a:lvl4pPr>
+            <a:lvl5pPr marL="2057380" indent="-228598" algn="l" defTabSz="914391" rtl="0" eaLnBrk="1" latinLnBrk="0" hangingPunct="1">
+              <a:lnSpc>
+                <a:spcPct val="100000"/>
+              </a:lnSpc>
+              <a:spcBef>
+                <a:spcPts val="500"/>
+              </a:spcBef>
+              <a:buFont typeface="Arial" panose="020B0604020202020204" pitchFamily="34" charset="0"/>
+              <a:buChar char="•"/>
+              <a:defRPr lang="en-US" sz="1400" kern="1200">
+                <a:solidFill>
+                  <a:schemeClr val="tx1">
+                    <a:lumMod val="75000"/>
+                    <a:lumOff val="25000"/>
+                  </a:schemeClr>
+                </a:solidFill>
+                <a:latin typeface="+mn-lt"/>
+                <a:ea typeface="+mn-ea"/>
+                <a:cs typeface="+mn-cs"/>
+              </a:defRPr>
+            </a:lvl5pPr>
+            <a:lvl6pPr marL="2514576" indent="-228598" algn="l" defTabSz="914391" rtl="0" eaLnBrk="1" latinLnBrk="0" hangingPunct="1">
+              <a:lnSpc>
+                <a:spcPct val="90000"/>
+              </a:lnSpc>
+              <a:spcBef>
+                <a:spcPts val="500"/>
+              </a:spcBef>
+              <a:buFont typeface="Arial" panose="020B0604020202020204" pitchFamily="34" charset="0"/>
+              <a:buChar char="•"/>
+              <a:defRPr sz="1800" kern="1200">
+                <a:solidFill>
+                  <a:schemeClr val="tx1"/>
+                </a:solidFill>
+                <a:latin typeface="+mn-lt"/>
+                <a:ea typeface="+mn-ea"/>
+                <a:cs typeface="+mn-cs"/>
+              </a:defRPr>
+            </a:lvl6pPr>
+            <a:lvl7pPr marL="2971772" indent="-228598" algn="l" defTabSz="914391" rtl="0" eaLnBrk="1" latinLnBrk="0" hangingPunct="1">
+              <a:lnSpc>
+                <a:spcPct val="90000"/>
+              </a:lnSpc>
+              <a:spcBef>
+                <a:spcPts val="500"/>
+              </a:spcBef>
+              <a:buFont typeface="Arial" panose="020B0604020202020204" pitchFamily="34" charset="0"/>
+              <a:buChar char="•"/>
+              <a:defRPr sz="1800" kern="1200">
+                <a:solidFill>
+                  <a:schemeClr val="tx1"/>
+                </a:solidFill>
+                <a:latin typeface="+mn-lt"/>
+                <a:ea typeface="+mn-ea"/>
+                <a:cs typeface="+mn-cs"/>
+              </a:defRPr>
+            </a:lvl7pPr>
+            <a:lvl8pPr marL="3428967" indent="-228598" algn="l" defTabSz="914391" rtl="0" eaLnBrk="1" latinLnBrk="0" hangingPunct="1">
+              <a:lnSpc>
+                <a:spcPct val="90000"/>
+              </a:lnSpc>
+              <a:spcBef>
+                <a:spcPts val="500"/>
+              </a:spcBef>
+              <a:buFont typeface="Arial" panose="020B0604020202020204" pitchFamily="34" charset="0"/>
+              <a:buChar char="•"/>
+              <a:defRPr sz="1800" kern="1200">
+                <a:solidFill>
+                  <a:schemeClr val="tx1"/>
+                </a:solidFill>
+                <a:latin typeface="+mn-lt"/>
+                <a:ea typeface="+mn-ea"/>
+                <a:cs typeface="+mn-cs"/>
+              </a:defRPr>
+            </a:lvl8pPr>
+            <a:lvl9pPr marL="3886163" indent="-228598" algn="l" defTabSz="914391" rtl="0" eaLnBrk="1" latinLnBrk="0" hangingPunct="1">
+              <a:lnSpc>
+                <a:spcPct val="90000"/>
+              </a:lnSpc>
+              <a:spcBef>
+                <a:spcPts val="500"/>
+              </a:spcBef>
+              <a:buFont typeface="Arial" panose="020B0604020202020204" pitchFamily="34" charset="0"/>
+              <a:buChar char="•"/>
+              <a:defRPr sz="1800" kern="1200">
+                <a:solidFill>
+                  <a:schemeClr val="tx1"/>
+                </a:solidFill>
+                <a:latin typeface="+mn-lt"/>
+                <a:ea typeface="+mn-ea"/>
+                <a:cs typeface="+mn-cs"/>
+              </a:defRPr>
+            </a:lvl9pPr>
+          </a:lstStyle>
+          <a:p>
+            <a:pPr marL="0" indent="0">
+              <a:spcAft>
+                <a:spcPts val="1200"/>
+              </a:spcAft>
+              <a:buNone/>
+            </a:pPr>
+            <a:r>
+              <a:rPr lang="en-US" sz="1600" dirty="0" err="1">
+                <a:solidFill>
+                  <a:schemeClr val="tx1"/>
+                </a:solidFill>
+              </a:rPr>
+              <a:t>Pengumpulan</a:t>
+            </a:r>
+            <a:r>
+              <a:rPr lang="en-US" sz="1600" dirty="0">
+                <a:solidFill>
+                  <a:schemeClr val="tx1"/>
+                </a:solidFill>
+              </a:rPr>
+              <a:t> data </a:t>
+            </a:r>
+            <a:r>
+              <a:rPr lang="en-US" sz="1600" dirty="0" err="1">
+                <a:solidFill>
+                  <a:schemeClr val="tx1"/>
+                </a:solidFill>
+              </a:rPr>
+              <a:t>dari</a:t>
+            </a:r>
+            <a:r>
+              <a:rPr lang="en-US" sz="1600" dirty="0">
+                <a:solidFill>
+                  <a:schemeClr val="tx1"/>
+                </a:solidFill>
+              </a:rPr>
+              <a:t> KTI </a:t>
+            </a:r>
+            <a:r>
+              <a:rPr lang="en-US" sz="1600" dirty="0" err="1">
+                <a:solidFill>
+                  <a:schemeClr val="tx1"/>
+                </a:solidFill>
+              </a:rPr>
+              <a:t>ke</a:t>
+            </a:r>
+            <a:r>
+              <a:rPr lang="en-US" sz="1600" dirty="0">
+                <a:solidFill>
+                  <a:schemeClr val="tx1"/>
+                </a:solidFill>
+              </a:rPr>
+              <a:t> </a:t>
+            </a:r>
+            <a:r>
+              <a:rPr lang="en-US" sz="1600" dirty="0" err="1">
+                <a:solidFill>
+                  <a:schemeClr val="tx1"/>
+                </a:solidFill>
+              </a:rPr>
+              <a:t>dalam</a:t>
+            </a:r>
+            <a:r>
+              <a:rPr lang="en-US" sz="1600" dirty="0">
+                <a:solidFill>
+                  <a:schemeClr val="tx1"/>
+                </a:solidFill>
+              </a:rPr>
+              <a:t> </a:t>
+            </a:r>
+            <a:r>
+              <a:rPr lang="en-US" sz="1600" i="1" dirty="0">
+                <a:solidFill>
+                  <a:schemeClr val="tx1"/>
+                </a:solidFill>
+              </a:rPr>
+              <a:t>spreadsheet</a:t>
+            </a:r>
+          </a:p>
+        </p:txBody>
+      </p:sp>
+      <p:pic>
+        <p:nvPicPr>
+          <p:cNvPr id="4" name="Picture 3">
+            <a:extLst>
+              <a:ext uri="{FF2B5EF4-FFF2-40B4-BE49-F238E27FC236}">
+                <a16:creationId xmlns:a16="http://schemas.microsoft.com/office/drawing/2014/main" id="{9682BA9D-3044-4DEF-8CCC-F45623FFBD45}"/>
+              </a:ext>
+            </a:extLst>
+          </p:cNvPr>
+          <p:cNvPicPr>
+            <a:picLocks noChangeAspect="1"/>
+          </p:cNvPicPr>
+          <p:nvPr/>
+        </p:nvPicPr>
+        <p:blipFill rotWithShape="1">
+          <a:blip r:embed="rId2">
+            <a:extLst>
+              <a:ext uri="{28A0092B-C50C-407E-A947-70E740481C1C}">
+                <a14:useLocalDpi xmlns:a14="http://schemas.microsoft.com/office/drawing/2010/main" val="0"/>
+              </a:ext>
+            </a:extLst>
+          </a:blip>
+          <a:srcRect l="23565" t="21035" r="31279" b="15419"/>
+          <a:stretch/>
+        </p:blipFill>
+        <p:spPr>
+          <a:xfrm>
+            <a:off x="4267200" y="2209800"/>
+            <a:ext cx="3125211" cy="3109136"/>
+          </a:xfrm>
+          <a:prstGeom prst="rect">
+            <a:avLst/>
+          </a:prstGeom>
+        </p:spPr>
+      </p:pic>
+      <p:grpSp>
+        <p:nvGrpSpPr>
+          <p:cNvPr id="16" name="Group 15">
+            <a:extLst>
+              <a:ext uri="{FF2B5EF4-FFF2-40B4-BE49-F238E27FC236}">
+                <a16:creationId xmlns:a16="http://schemas.microsoft.com/office/drawing/2014/main" id="{0D109C0E-B4A1-4F42-A885-644C9F296B6D}"/>
+              </a:ext>
+            </a:extLst>
+          </p:cNvPr>
+          <p:cNvGrpSpPr/>
+          <p:nvPr/>
+        </p:nvGrpSpPr>
+        <p:grpSpPr>
+          <a:xfrm>
+            <a:off x="7670581" y="4390762"/>
+            <a:ext cx="558179" cy="409838"/>
+            <a:chOff x="2647828" y="2417770"/>
+            <a:chExt cx="558179" cy="409838"/>
+          </a:xfrm>
+        </p:grpSpPr>
+        <p:sp>
+          <p:nvSpPr>
+            <p:cNvPr id="17" name="Oval 16" descr="Small circle">
+              <a:extLst>
+                <a:ext uri="{FF2B5EF4-FFF2-40B4-BE49-F238E27FC236}">
+                  <a16:creationId xmlns:a16="http://schemas.microsoft.com/office/drawing/2014/main" id="{FDA2B5C0-A05F-4321-B930-9AB5460DFDF9}"/>
+                </a:ext>
+              </a:extLst>
+            </p:cNvPr>
+            <p:cNvSpPr>
+              <a:spLocks noChangeAspect="1"/>
+            </p:cNvSpPr>
+            <p:nvPr/>
+          </p:nvSpPr>
+          <p:spPr bwMode="blackWhite">
+            <a:xfrm>
+              <a:off x="2720454" y="2417770"/>
+              <a:ext cx="409838" cy="409838"/>
+            </a:xfrm>
+            <a:prstGeom prst="ellipse">
+              <a:avLst/>
+            </a:prstGeom>
+            <a:solidFill>
+              <a:srgbClr val="AA0000"/>
+            </a:solidFill>
+            <a:ln>
+              <a:noFill/>
+            </a:ln>
+          </p:spPr>
+          <p:style>
+            <a:lnRef idx="2">
+              <a:schemeClr val="accent1">
+                <a:shade val="50000"/>
+              </a:schemeClr>
+            </a:lnRef>
+            <a:fillRef idx="1">
+              <a:schemeClr val="accent1"/>
+            </a:fillRef>
+            <a:effectRef idx="0">
+              <a:schemeClr val="accent1"/>
+            </a:effectRef>
+            <a:fontRef idx="minor">
+              <a:schemeClr val="lt1"/>
+            </a:fontRef>
+          </p:style>
+          <p:txBody>
+            <a:bodyPr rtlCol="0" anchor="ctr"/>
+            <a:lstStyle/>
+            <a:p>
+              <a:pPr algn="ctr"/>
+              <a:endParaRPr lang="en-US" dirty="0"/>
+            </a:p>
+          </p:txBody>
+        </p:sp>
+        <p:sp>
+          <p:nvSpPr>
+            <p:cNvPr id="18" name="TextBox 17" descr="Number 1">
+              <a:extLst>
+                <a:ext uri="{FF2B5EF4-FFF2-40B4-BE49-F238E27FC236}">
+                  <a16:creationId xmlns:a16="http://schemas.microsoft.com/office/drawing/2014/main" id="{A987227D-38B8-4D31-8BB4-C4E897B9BF3F}"/>
+                </a:ext>
+              </a:extLst>
+            </p:cNvPr>
+            <p:cNvSpPr txBox="1">
+              <a:spLocks noChangeAspect="1"/>
+            </p:cNvSpPr>
+            <p:nvPr/>
+          </p:nvSpPr>
+          <p:spPr bwMode="blackWhite">
+            <a:xfrm>
+              <a:off x="2647828" y="2434164"/>
+              <a:ext cx="558179" cy="369332"/>
+            </a:xfrm>
+            <a:prstGeom prst="rect">
+              <a:avLst/>
+            </a:prstGeom>
+            <a:noFill/>
+          </p:spPr>
+          <p:txBody>
+            <a:bodyPr wrap="square" rtlCol="0">
+              <a:spAutoFit/>
+            </a:bodyPr>
+            <a:lstStyle/>
+            <a:p>
+              <a:pPr algn="ctr"/>
+              <a:r>
+                <a:rPr lang="en-US" dirty="0">
+                  <a:solidFill>
+                    <a:schemeClr val="bg1"/>
+                  </a:solidFill>
+                  <a:cs typeface="Segoe UI Semibold" panose="020B0702040204020203" pitchFamily="34" charset="0"/>
+                </a:rPr>
+                <a:t>ii</a:t>
+              </a:r>
+            </a:p>
+          </p:txBody>
+        </p:sp>
+      </p:grpSp>
+      <p:sp>
+        <p:nvSpPr>
+          <p:cNvPr id="19" name="Content Placeholder 7">
+            <a:extLst>
+              <a:ext uri="{FF2B5EF4-FFF2-40B4-BE49-F238E27FC236}">
+                <a16:creationId xmlns:a16="http://schemas.microsoft.com/office/drawing/2014/main" id="{89E81481-00EC-44FA-A8C8-269C03C22113}"/>
+              </a:ext>
+            </a:extLst>
+          </p:cNvPr>
+          <p:cNvSpPr txBox="1">
+            <a:spLocks/>
+          </p:cNvSpPr>
+          <p:nvPr/>
+        </p:nvSpPr>
+        <p:spPr>
+          <a:xfrm>
+            <a:off x="8153400" y="4419600"/>
+            <a:ext cx="2743200" cy="762000"/>
+          </a:xfrm>
+          <a:prstGeom prst="rect">
+            <a:avLst/>
+          </a:prstGeom>
+        </p:spPr>
+        <p:txBody>
+          <a:bodyPr vert="horz" lIns="91440" tIns="45720" rIns="91440" bIns="45720" rtlCol="0">
+            <a:noAutofit/>
+          </a:bodyPr>
+          <a:lstStyle>
+            <a:lvl1pPr marL="228598" indent="-228598" algn="l" defTabSz="914391" rtl="0" eaLnBrk="1" latinLnBrk="0" hangingPunct="1">
+              <a:lnSpc>
+                <a:spcPct val="100000"/>
+              </a:lnSpc>
+              <a:spcBef>
+                <a:spcPts val="1000"/>
+              </a:spcBef>
+              <a:buFont typeface="Arial" panose="020B0604020202020204" pitchFamily="34" charset="0"/>
+              <a:buChar char="•"/>
+              <a:defRPr lang="en-US" sz="1400" kern="1200" smtClean="0">
+                <a:solidFill>
+                  <a:schemeClr val="tx1">
+                    <a:lumMod val="75000"/>
+                    <a:lumOff val="25000"/>
+                  </a:schemeClr>
+                </a:solidFill>
+                <a:latin typeface="+mn-lt"/>
+                <a:ea typeface="+mn-ea"/>
+                <a:cs typeface="+mn-cs"/>
+              </a:defRPr>
+            </a:lvl1pPr>
+            <a:lvl2pPr marL="685793" indent="-228598" algn="l" defTabSz="914391" rtl="0" eaLnBrk="1" latinLnBrk="0" hangingPunct="1">
+              <a:lnSpc>
+                <a:spcPct val="100000"/>
+              </a:lnSpc>
+              <a:spcBef>
+                <a:spcPts val="500"/>
+              </a:spcBef>
+              <a:buFont typeface="Arial" panose="020B0604020202020204" pitchFamily="34" charset="0"/>
+              <a:buChar char="•"/>
+              <a:defRPr lang="en-US" sz="1400" kern="1200" smtClean="0">
+                <a:solidFill>
+                  <a:schemeClr val="tx1">
+                    <a:lumMod val="75000"/>
+                    <a:lumOff val="25000"/>
+                  </a:schemeClr>
+                </a:solidFill>
+                <a:latin typeface="+mn-lt"/>
+                <a:ea typeface="+mn-ea"/>
+                <a:cs typeface="+mn-cs"/>
+              </a:defRPr>
+            </a:lvl2pPr>
+            <a:lvl3pPr marL="1142989" indent="-228598" algn="l" defTabSz="914391" rtl="0" eaLnBrk="1" latinLnBrk="0" hangingPunct="1">
+              <a:lnSpc>
+                <a:spcPct val="100000"/>
+              </a:lnSpc>
+              <a:spcBef>
+                <a:spcPts val="500"/>
+              </a:spcBef>
+              <a:buFont typeface="Arial" panose="020B0604020202020204" pitchFamily="34" charset="0"/>
+              <a:buChar char="•"/>
+              <a:defRPr lang="en-US" sz="1400" kern="1200" smtClean="0">
+                <a:solidFill>
+                  <a:schemeClr val="tx1">
+                    <a:lumMod val="75000"/>
+                    <a:lumOff val="25000"/>
+                  </a:schemeClr>
+                </a:solidFill>
+                <a:latin typeface="+mn-lt"/>
+                <a:ea typeface="+mn-ea"/>
+                <a:cs typeface="+mn-cs"/>
+              </a:defRPr>
+            </a:lvl3pPr>
+            <a:lvl4pPr marL="1600185" indent="-228598" algn="l" defTabSz="914391" rtl="0" eaLnBrk="1" latinLnBrk="0" hangingPunct="1">
+              <a:lnSpc>
+                <a:spcPct val="100000"/>
+              </a:lnSpc>
+              <a:spcBef>
+                <a:spcPts val="500"/>
+              </a:spcBef>
+              <a:buFont typeface="Arial" panose="020B0604020202020204" pitchFamily="34" charset="0"/>
+              <a:buChar char="•"/>
+              <a:defRPr lang="en-US" sz="1400" kern="1200" smtClean="0">
+                <a:solidFill>
+                  <a:schemeClr val="tx1">
+                    <a:lumMod val="75000"/>
+                    <a:lumOff val="25000"/>
+                  </a:schemeClr>
+                </a:solidFill>
+                <a:latin typeface="+mn-lt"/>
+                <a:ea typeface="+mn-ea"/>
+                <a:cs typeface="+mn-cs"/>
+              </a:defRPr>
+            </a:lvl4pPr>
+            <a:lvl5pPr marL="2057380" indent="-228598" algn="l" defTabSz="914391" rtl="0" eaLnBrk="1" latinLnBrk="0" hangingPunct="1">
+              <a:lnSpc>
+                <a:spcPct val="100000"/>
+              </a:lnSpc>
+              <a:spcBef>
+                <a:spcPts val="500"/>
+              </a:spcBef>
+              <a:buFont typeface="Arial" panose="020B0604020202020204" pitchFamily="34" charset="0"/>
+              <a:buChar char="•"/>
+              <a:defRPr lang="en-US" sz="1400" kern="1200">
+                <a:solidFill>
+                  <a:schemeClr val="tx1">
+                    <a:lumMod val="75000"/>
+                    <a:lumOff val="25000"/>
+                  </a:schemeClr>
+                </a:solidFill>
+                <a:latin typeface="+mn-lt"/>
+                <a:ea typeface="+mn-ea"/>
+                <a:cs typeface="+mn-cs"/>
+              </a:defRPr>
+            </a:lvl5pPr>
+            <a:lvl6pPr marL="2514576" indent="-228598" algn="l" defTabSz="914391" rtl="0" eaLnBrk="1" latinLnBrk="0" hangingPunct="1">
+              <a:lnSpc>
+                <a:spcPct val="90000"/>
+              </a:lnSpc>
+              <a:spcBef>
+                <a:spcPts val="500"/>
+              </a:spcBef>
+              <a:buFont typeface="Arial" panose="020B0604020202020204" pitchFamily="34" charset="0"/>
+              <a:buChar char="•"/>
+              <a:defRPr sz="1800" kern="1200">
+                <a:solidFill>
+                  <a:schemeClr val="tx1"/>
+                </a:solidFill>
+                <a:latin typeface="+mn-lt"/>
+                <a:ea typeface="+mn-ea"/>
+                <a:cs typeface="+mn-cs"/>
+              </a:defRPr>
+            </a:lvl6pPr>
+            <a:lvl7pPr marL="2971772" indent="-228598" algn="l" defTabSz="914391" rtl="0" eaLnBrk="1" latinLnBrk="0" hangingPunct="1">
+              <a:lnSpc>
+                <a:spcPct val="90000"/>
+              </a:lnSpc>
+              <a:spcBef>
+                <a:spcPts val="500"/>
+              </a:spcBef>
+              <a:buFont typeface="Arial" panose="020B0604020202020204" pitchFamily="34" charset="0"/>
+              <a:buChar char="•"/>
+              <a:defRPr sz="1800" kern="1200">
+                <a:solidFill>
+                  <a:schemeClr val="tx1"/>
+                </a:solidFill>
+                <a:latin typeface="+mn-lt"/>
+                <a:ea typeface="+mn-ea"/>
+                <a:cs typeface="+mn-cs"/>
+              </a:defRPr>
+            </a:lvl7pPr>
+            <a:lvl8pPr marL="3428967" indent="-228598" algn="l" defTabSz="914391" rtl="0" eaLnBrk="1" latinLnBrk="0" hangingPunct="1">
+              <a:lnSpc>
+                <a:spcPct val="90000"/>
+              </a:lnSpc>
+              <a:spcBef>
+                <a:spcPts val="500"/>
+              </a:spcBef>
+              <a:buFont typeface="Arial" panose="020B0604020202020204" pitchFamily="34" charset="0"/>
+              <a:buChar char="•"/>
+              <a:defRPr sz="1800" kern="1200">
+                <a:solidFill>
+                  <a:schemeClr val="tx1"/>
+                </a:solidFill>
+                <a:latin typeface="+mn-lt"/>
+                <a:ea typeface="+mn-ea"/>
+                <a:cs typeface="+mn-cs"/>
+              </a:defRPr>
+            </a:lvl8pPr>
+            <a:lvl9pPr marL="3886163" indent="-228598" algn="l" defTabSz="914391" rtl="0" eaLnBrk="1" latinLnBrk="0" hangingPunct="1">
+              <a:lnSpc>
+                <a:spcPct val="90000"/>
+              </a:lnSpc>
+              <a:spcBef>
+                <a:spcPts val="500"/>
+              </a:spcBef>
+              <a:buFont typeface="Arial" panose="020B0604020202020204" pitchFamily="34" charset="0"/>
+              <a:buChar char="•"/>
+              <a:defRPr sz="1800" kern="1200">
+                <a:solidFill>
+                  <a:schemeClr val="tx1"/>
+                </a:solidFill>
+                <a:latin typeface="+mn-lt"/>
+                <a:ea typeface="+mn-ea"/>
+                <a:cs typeface="+mn-cs"/>
+              </a:defRPr>
+            </a:lvl9pPr>
+          </a:lstStyle>
+          <a:p>
+            <a:pPr marL="0" indent="0">
+              <a:spcAft>
+                <a:spcPts val="1200"/>
+              </a:spcAft>
+              <a:buNone/>
+            </a:pPr>
+            <a:r>
+              <a:rPr lang="en-US" sz="1600" dirty="0" err="1">
+                <a:solidFill>
+                  <a:schemeClr val="tx1"/>
+                </a:solidFill>
+              </a:rPr>
+              <a:t>Analisis</a:t>
+            </a:r>
+            <a:r>
+              <a:rPr lang="en-US" sz="1600" dirty="0">
+                <a:solidFill>
+                  <a:schemeClr val="tx1"/>
+                </a:solidFill>
+              </a:rPr>
+              <a:t> data </a:t>
+            </a:r>
+            <a:r>
+              <a:rPr lang="en-US" sz="1600" dirty="0" err="1">
+                <a:solidFill>
+                  <a:schemeClr val="tx1"/>
+                </a:solidFill>
+              </a:rPr>
+              <a:t>menggunakan</a:t>
+            </a:r>
+            <a:r>
+              <a:rPr lang="en-US" sz="1600" dirty="0">
+                <a:solidFill>
+                  <a:schemeClr val="tx1"/>
+                </a:solidFill>
+              </a:rPr>
+              <a:t> </a:t>
+            </a:r>
+            <a:r>
+              <a:rPr lang="en-US" sz="1600" i="1" dirty="0">
+                <a:solidFill>
+                  <a:schemeClr val="tx1"/>
+                </a:solidFill>
+              </a:rPr>
+              <a:t>linear mixed model </a:t>
+            </a:r>
+            <a:r>
+              <a:rPr lang="en-US" sz="1600" dirty="0">
+                <a:solidFill>
+                  <a:schemeClr val="tx1"/>
+                </a:solidFill>
+              </a:rPr>
+              <a:t>(St-Pierre 2001) pada </a:t>
+            </a:r>
+            <a:r>
+              <a:rPr lang="en-US" sz="1600" dirty="0" err="1">
+                <a:solidFill>
+                  <a:schemeClr val="tx1"/>
+                </a:solidFill>
+              </a:rPr>
+              <a:t>aplikasi</a:t>
+            </a:r>
+            <a:r>
+              <a:rPr lang="en-US" sz="1600" dirty="0">
+                <a:solidFill>
+                  <a:schemeClr val="tx1"/>
+                </a:solidFill>
+              </a:rPr>
+              <a:t> R</a:t>
+            </a:r>
+            <a:endParaRPr lang="en-US" sz="1600" i="1" dirty="0">
+              <a:solidFill>
+                <a:schemeClr val="tx1"/>
+              </a:solidFill>
+            </a:endParaRPr>
+          </a:p>
+        </p:txBody>
+      </p:sp>
+      <mc:AlternateContent xmlns:mc="http://schemas.openxmlformats.org/markup-compatibility/2006">
+        <mc:Choice xmlns:a14="http://schemas.microsoft.com/office/drawing/2010/main" Requires="a14">
+          <p:sp>
+            <p:nvSpPr>
+              <p:cNvPr id="5" name="TextBox 4">
+                <a:extLst>
+                  <a:ext uri="{FF2B5EF4-FFF2-40B4-BE49-F238E27FC236}">
+                    <a16:creationId xmlns:a16="http://schemas.microsoft.com/office/drawing/2014/main" id="{1721DC3E-0751-4FAB-811D-AB16244934FB}"/>
+                  </a:ext>
+                </a:extLst>
+              </p:cNvPr>
+              <p:cNvSpPr txBox="1"/>
+              <p:nvPr/>
+            </p:nvSpPr>
+            <p:spPr>
+              <a:xfrm>
+                <a:off x="7743207" y="2683371"/>
+                <a:ext cx="3472189" cy="399084"/>
+              </a:xfrm>
+              <a:prstGeom prst="rect">
+                <a:avLst/>
+              </a:prstGeom>
+              <a:noFill/>
+            </p:spPr>
+            <p:txBody>
+              <a:bodyPr wrap="square" lIns="0" tIns="0" rIns="0" bIns="0" rtlCol="0">
+                <a:spAutoFit/>
+              </a:bodyPr>
+              <a:lstStyle/>
+              <a:p>
+                <a14:m>
+                  <m:oMathPara xmlns:m="http://schemas.openxmlformats.org/officeDocument/2006/math">
+                    <m:oMathParaPr>
+                      <m:jc m:val="centerGroup"/>
+                    </m:oMathParaPr>
+                    <m:oMath xmlns:m="http://schemas.openxmlformats.org/officeDocument/2006/math">
+                      <m:sSub>
+                        <m:sSubPr>
+                          <m:ctrlPr>
+                            <a:rPr lang="en-US" sz="2400" i="1" smtClean="0">
+                              <a:latin typeface="Cambria Math" panose="02040503050406030204" pitchFamily="18" charset="0"/>
+                            </a:rPr>
+                          </m:ctrlPr>
+                        </m:sSubPr>
+                        <m:e>
+                          <m:r>
+                            <a:rPr lang="en-US" sz="2400" b="0" i="1" smtClean="0">
+                              <a:latin typeface="Cambria Math" panose="02040503050406030204" pitchFamily="18" charset="0"/>
+                            </a:rPr>
+                            <m:t>𝑌</m:t>
+                          </m:r>
+                        </m:e>
+                        <m:sub>
+                          <m:r>
+                            <a:rPr lang="en-US" sz="2400" b="0" i="1" smtClean="0">
+                              <a:latin typeface="Cambria Math" panose="02040503050406030204" pitchFamily="18" charset="0"/>
+                            </a:rPr>
+                            <m:t>𝑖𝑗</m:t>
+                          </m:r>
+                        </m:sub>
+                      </m:sSub>
+                      <m:r>
+                        <m:rPr>
+                          <m:nor/>
+                        </m:rPr>
+                        <a:rPr lang="en-US" sz="2400"/>
+                        <m:t> </m:t>
+                      </m:r>
+                      <m:r>
+                        <m:rPr>
+                          <m:nor/>
+                        </m:rPr>
+                        <a:rPr lang="en-US" sz="2400" b="0" i="0" smtClean="0"/>
+                        <m:t>=</m:t>
+                      </m:r>
+                      <m:r>
+                        <m:rPr>
+                          <m:nor/>
+                        </m:rPr>
+                        <a:rPr lang="en-US" sz="2400"/>
+                        <m:t> </m:t>
+                      </m:r>
+                      <m:sSub>
+                        <m:sSubPr>
+                          <m:ctrlPr>
+                            <a:rPr lang="en-US" sz="2400" i="1" smtClean="0">
+                              <a:latin typeface="Cambria Math" panose="02040503050406030204" pitchFamily="18" charset="0"/>
+                            </a:rPr>
+                          </m:ctrlPr>
+                        </m:sSubPr>
+                        <m:e>
+                          <m:r>
+                            <a:rPr lang="en-US" sz="2400" b="0" i="1" smtClean="0">
+                              <a:latin typeface="Cambria Math" panose="02040503050406030204" pitchFamily="18" charset="0"/>
+                            </a:rPr>
+                            <m:t>𝐵</m:t>
+                          </m:r>
+                        </m:e>
+                        <m:sub>
+                          <m:r>
+                            <a:rPr lang="en-US" sz="2400" b="0" i="1" smtClean="0">
+                              <a:latin typeface="Cambria Math" panose="02040503050406030204" pitchFamily="18" charset="0"/>
+                            </a:rPr>
+                            <m:t>0</m:t>
+                          </m:r>
+                        </m:sub>
+                      </m:sSub>
+                      <m:r>
+                        <m:rPr>
+                          <m:nor/>
+                        </m:rPr>
+                        <a:rPr lang="en-US" sz="2400"/>
+                        <m:t> + </m:t>
+                      </m:r>
+                      <m:sSub>
+                        <m:sSubPr>
+                          <m:ctrlPr>
+                            <a:rPr lang="en-US" sz="2400" i="1" smtClean="0">
+                              <a:latin typeface="Cambria Math" panose="02040503050406030204" pitchFamily="18" charset="0"/>
+                            </a:rPr>
+                          </m:ctrlPr>
+                        </m:sSubPr>
+                        <m:e>
+                          <m:r>
+                            <a:rPr lang="en-US" sz="2400" b="0" i="1" smtClean="0">
+                              <a:latin typeface="Cambria Math" panose="02040503050406030204" pitchFamily="18" charset="0"/>
+                            </a:rPr>
+                            <m:t>𝐵</m:t>
+                          </m:r>
+                        </m:e>
+                        <m:sub>
+                          <m:r>
+                            <a:rPr lang="en-US" sz="2400" b="0" i="1" smtClean="0">
+                              <a:latin typeface="Cambria Math" panose="02040503050406030204" pitchFamily="18" charset="0"/>
+                            </a:rPr>
+                            <m:t>1</m:t>
+                          </m:r>
+                        </m:sub>
+                      </m:sSub>
+                      <m:sSub>
+                        <m:sSubPr>
+                          <m:ctrlPr>
+                            <a:rPr lang="en-US" sz="2400" i="1" smtClean="0">
+                              <a:latin typeface="Cambria Math" panose="02040503050406030204" pitchFamily="18" charset="0"/>
+                            </a:rPr>
+                          </m:ctrlPr>
+                        </m:sSubPr>
+                        <m:e>
+                          <m:r>
+                            <a:rPr lang="en-US" sz="2400" b="0" i="1" smtClean="0">
+                              <a:latin typeface="Cambria Math" panose="02040503050406030204" pitchFamily="18" charset="0"/>
+                            </a:rPr>
+                            <m:t>𝑋</m:t>
+                          </m:r>
+                        </m:e>
+                        <m:sub>
+                          <m:r>
+                            <a:rPr lang="en-US" sz="2400" b="0" i="1" smtClean="0">
+                              <a:latin typeface="Cambria Math" panose="02040503050406030204" pitchFamily="18" charset="0"/>
+                            </a:rPr>
+                            <m:t>𝑖𝑗</m:t>
+                          </m:r>
+                        </m:sub>
+                      </m:sSub>
+                      <m:r>
+                        <m:rPr>
+                          <m:nor/>
+                        </m:rPr>
+                        <a:rPr lang="en-US" sz="2400"/>
+                        <m:t> + </m:t>
+                      </m:r>
+                      <m:sSub>
+                        <m:sSubPr>
+                          <m:ctrlPr>
+                            <a:rPr lang="en-US" sz="2400" i="1" smtClean="0">
+                              <a:latin typeface="Cambria Math" panose="02040503050406030204" pitchFamily="18" charset="0"/>
+                            </a:rPr>
+                          </m:ctrlPr>
+                        </m:sSubPr>
+                        <m:e>
+                          <m:r>
+                            <a:rPr lang="en-US" sz="2400" b="0" i="1" smtClean="0">
+                              <a:latin typeface="Cambria Math" panose="02040503050406030204" pitchFamily="18" charset="0"/>
+                            </a:rPr>
+                            <m:t>𝑠</m:t>
+                          </m:r>
+                        </m:e>
+                        <m:sub>
+                          <m:r>
+                            <a:rPr lang="en-US" sz="2400" b="0" i="1" smtClean="0">
+                              <a:latin typeface="Cambria Math" panose="02040503050406030204" pitchFamily="18" charset="0"/>
+                            </a:rPr>
+                            <m:t>𝑖</m:t>
+                          </m:r>
+                        </m:sub>
+                      </m:sSub>
+                      <m:r>
+                        <m:rPr>
+                          <m:nor/>
+                        </m:rPr>
+                        <a:rPr lang="en-US" sz="2400"/>
+                        <m:t>+ </m:t>
+                      </m:r>
+                      <m:sSub>
+                        <m:sSubPr>
+                          <m:ctrlPr>
+                            <a:rPr lang="en-US" sz="2400" i="1" smtClean="0">
+                              <a:latin typeface="Cambria Math" panose="02040503050406030204" pitchFamily="18" charset="0"/>
+                            </a:rPr>
+                          </m:ctrlPr>
+                        </m:sSubPr>
+                        <m:e>
+                          <m:r>
+                            <a:rPr lang="en-US" sz="2400" b="0" i="1" smtClean="0">
+                              <a:latin typeface="Cambria Math" panose="02040503050406030204" pitchFamily="18" charset="0"/>
+                            </a:rPr>
+                            <m:t>𝑒</m:t>
+                          </m:r>
+                        </m:e>
+                        <m:sub>
+                          <m:r>
+                            <a:rPr lang="en-US" sz="2400" b="0" i="1" smtClean="0">
+                              <a:latin typeface="Cambria Math" panose="02040503050406030204" pitchFamily="18" charset="0"/>
+                            </a:rPr>
+                            <m:t>𝑖𝑗</m:t>
+                          </m:r>
+                        </m:sub>
+                      </m:sSub>
+                    </m:oMath>
+                  </m:oMathPara>
+                </a14:m>
+                <a:endParaRPr lang="en-US" sz="2400" dirty="0"/>
+              </a:p>
+            </p:txBody>
+          </p:sp>
+        </mc:Choice>
+        <mc:Fallback>
+          <p:sp>
+            <p:nvSpPr>
+              <p:cNvPr id="5" name="TextBox 4">
+                <a:extLst>
+                  <a:ext uri="{FF2B5EF4-FFF2-40B4-BE49-F238E27FC236}">
+                    <a16:creationId xmlns:a16="http://schemas.microsoft.com/office/drawing/2014/main" id="{1721DC3E-0751-4FAB-811D-AB16244934FB}"/>
+                  </a:ext>
+                </a:extLst>
+              </p:cNvPr>
+              <p:cNvSpPr txBox="1">
+                <a:spLocks noRot="1" noChangeAspect="1" noMove="1" noResize="1" noEditPoints="1" noAdjustHandles="1" noChangeArrowheads="1" noChangeShapeType="1" noTextEdit="1"/>
+              </p:cNvSpPr>
+              <p:nvPr/>
+            </p:nvSpPr>
+            <p:spPr>
+              <a:xfrm>
+                <a:off x="7743207" y="2683371"/>
+                <a:ext cx="3472189" cy="399084"/>
+              </a:xfrm>
+              <a:prstGeom prst="rect">
+                <a:avLst/>
+              </a:prstGeom>
+              <a:blipFill>
+                <a:blip r:embed="rId3"/>
+                <a:stretch>
+                  <a:fillRect l="-1579" r="-1053" b="-24242"/>
+                </a:stretch>
+              </a:blipFill>
+            </p:spPr>
+            <p:txBody>
+              <a:bodyPr/>
+              <a:lstStyle/>
+              <a:p>
+                <a:r>
+                  <a:rPr lang="en-US">
+                    <a:noFill/>
+                  </a:rPr>
+                  <a:t> </a:t>
+                </a:r>
+              </a:p>
+            </p:txBody>
+          </p:sp>
+        </mc:Fallback>
+      </mc:AlternateContent>
+      <mc:AlternateContent xmlns:mc="http://schemas.openxmlformats.org/markup-compatibility/2006">
+        <mc:Choice xmlns:a14="http://schemas.microsoft.com/office/drawing/2010/main" Requires="a14">
+          <p:sp>
+            <p:nvSpPr>
+              <p:cNvPr id="23" name="TextBox 22">
+                <a:extLst>
+                  <a:ext uri="{FF2B5EF4-FFF2-40B4-BE49-F238E27FC236}">
+                    <a16:creationId xmlns:a16="http://schemas.microsoft.com/office/drawing/2014/main" id="{0230464C-B0DC-4F6F-8103-28FC2950A82F}"/>
+                  </a:ext>
+                </a:extLst>
+              </p:cNvPr>
+              <p:cNvSpPr txBox="1"/>
+              <p:nvPr/>
+            </p:nvSpPr>
+            <p:spPr>
+              <a:xfrm>
+                <a:off x="7772400" y="3175337"/>
+                <a:ext cx="3893811" cy="1052789"/>
+              </a:xfrm>
+              <a:prstGeom prst="rect">
+                <a:avLst/>
+              </a:prstGeom>
+              <a:noFill/>
+            </p:spPr>
+            <p:txBody>
+              <a:bodyPr wrap="square">
+                <a:spAutoFit/>
+              </a:bodyPr>
+              <a:lstStyle/>
+              <a:p>
+                <a:pPr/>
+                <a14:m>
+                  <m:oMath xmlns:m="http://schemas.openxmlformats.org/officeDocument/2006/math">
+                    <m:sSub>
+                      <m:sSubPr>
+                        <m:ctrlPr>
+                          <a:rPr lang="en-US" sz="1000" i="1" dirty="0" smtClean="0">
+                            <a:latin typeface="Cambria Math" panose="02040503050406030204" pitchFamily="18" charset="0"/>
+                          </a:rPr>
+                        </m:ctrlPr>
+                      </m:sSubPr>
+                      <m:e>
+                        <m:r>
+                          <a:rPr lang="en-US" sz="1000" b="0" i="1" dirty="0" smtClean="0">
+                            <a:latin typeface="Cambria Math" panose="02040503050406030204" pitchFamily="18" charset="0"/>
+                          </a:rPr>
+                          <m:t>𝑌</m:t>
+                        </m:r>
+                      </m:e>
+                      <m:sub>
+                        <m:r>
+                          <a:rPr lang="en-US" sz="1000" b="0" i="1" dirty="0" smtClean="0">
+                            <a:latin typeface="Cambria Math" panose="02040503050406030204" pitchFamily="18" charset="0"/>
+                          </a:rPr>
+                          <m:t>𝑖𝑗</m:t>
+                        </m:r>
+                      </m:sub>
+                    </m:sSub>
+                    <m:r>
+                      <a:rPr lang="en-US" sz="1000" b="0" i="1" dirty="0" smtClean="0">
+                        <a:latin typeface="Cambria Math" panose="02040503050406030204" pitchFamily="18" charset="0"/>
+                      </a:rPr>
+                      <m:t>=</m:t>
+                    </m:r>
+                  </m:oMath>
+                </a14:m>
+                <a:r>
+                  <a:rPr lang="en-US" sz="1000" dirty="0"/>
+                  <a:t> </a:t>
+                </a:r>
+                <a:r>
+                  <a:rPr lang="en-US" sz="1000" dirty="0" err="1"/>
+                  <a:t>variabel</a:t>
+                </a:r>
+                <a:r>
+                  <a:rPr lang="en-US" sz="1000" dirty="0"/>
+                  <a:t> </a:t>
+                </a:r>
+                <a:r>
+                  <a:rPr lang="en-US" sz="1000" dirty="0" err="1"/>
+                  <a:t>dependen</a:t>
+                </a:r>
+                <a:r>
+                  <a:rPr lang="en-US" sz="1000" dirty="0"/>
+                  <a:t> (bb, Kg)</a:t>
+                </a:r>
+              </a:p>
+              <a:p>
+                <a:pPr/>
+                <a14:m>
+                  <m:oMath xmlns:m="http://schemas.openxmlformats.org/officeDocument/2006/math">
+                    <m:sSub>
+                      <m:sSubPr>
+                        <m:ctrlPr>
+                          <a:rPr lang="en-US" sz="1000" i="1" dirty="0" smtClean="0">
+                            <a:latin typeface="Cambria Math" panose="02040503050406030204" pitchFamily="18" charset="0"/>
+                          </a:rPr>
+                        </m:ctrlPr>
+                      </m:sSubPr>
+                      <m:e>
+                        <m:r>
+                          <a:rPr lang="en-US" sz="1000" b="0" i="1" dirty="0" smtClean="0">
+                            <a:latin typeface="Cambria Math" panose="02040503050406030204" pitchFamily="18" charset="0"/>
+                          </a:rPr>
+                          <m:t>𝐵</m:t>
+                        </m:r>
+                      </m:e>
+                      <m:sub>
+                        <m:r>
+                          <a:rPr lang="en-US" sz="1000" b="0" i="1" dirty="0" smtClean="0">
+                            <a:latin typeface="Cambria Math" panose="02040503050406030204" pitchFamily="18" charset="0"/>
+                          </a:rPr>
+                          <m:t>0</m:t>
+                        </m:r>
+                      </m:sub>
+                    </m:sSub>
+                    <m:r>
+                      <a:rPr lang="en-US" sz="1000" b="0" i="1" dirty="0" smtClean="0">
+                        <a:latin typeface="Cambria Math" panose="02040503050406030204" pitchFamily="18" charset="0"/>
+                      </a:rPr>
+                      <m:t>=</m:t>
+                    </m:r>
+                  </m:oMath>
+                </a14:m>
+                <a:r>
+                  <a:rPr lang="en-US" sz="1000" dirty="0"/>
+                  <a:t> </a:t>
+                </a:r>
+                <a:r>
+                  <a:rPr lang="en-US" sz="1000" dirty="0" err="1"/>
+                  <a:t>titik</a:t>
+                </a:r>
+                <a:r>
+                  <a:rPr lang="en-US" sz="1000" dirty="0"/>
+                  <a:t> </a:t>
+                </a:r>
+                <a:r>
+                  <a:rPr lang="en-US" sz="1000" dirty="0" err="1"/>
+                  <a:t>potong</a:t>
+                </a:r>
+                <a:r>
+                  <a:rPr lang="en-US" sz="1000" dirty="0"/>
+                  <a:t> (intercept)</a:t>
+                </a:r>
+              </a:p>
+              <a:p>
+                <a:pPr/>
+                <a14:m>
+                  <m:oMath xmlns:m="http://schemas.openxmlformats.org/officeDocument/2006/math">
+                    <m:sSub>
+                      <m:sSubPr>
+                        <m:ctrlPr>
+                          <a:rPr lang="en-US" sz="1000" i="1" dirty="0" smtClean="0">
+                            <a:latin typeface="Cambria Math" panose="02040503050406030204" pitchFamily="18" charset="0"/>
+                          </a:rPr>
+                        </m:ctrlPr>
+                      </m:sSubPr>
+                      <m:e>
+                        <m:r>
+                          <a:rPr lang="en-US" sz="1000" b="0" i="1" dirty="0" smtClean="0">
+                            <a:latin typeface="Cambria Math" panose="02040503050406030204" pitchFamily="18" charset="0"/>
+                          </a:rPr>
+                          <m:t>𝐵</m:t>
+                        </m:r>
+                      </m:e>
+                      <m:sub>
+                        <m:r>
+                          <a:rPr lang="en-US" sz="1000" b="0" i="1" dirty="0" smtClean="0">
+                            <a:latin typeface="Cambria Math" panose="02040503050406030204" pitchFamily="18" charset="0"/>
+                          </a:rPr>
+                          <m:t>1</m:t>
+                        </m:r>
+                      </m:sub>
+                    </m:sSub>
+                    <m:r>
+                      <a:rPr lang="en-US" sz="1000" b="0" i="1" dirty="0" smtClean="0">
+                        <a:latin typeface="Cambria Math" panose="02040503050406030204" pitchFamily="18" charset="0"/>
+                      </a:rPr>
+                      <m:t>=</m:t>
+                    </m:r>
+                  </m:oMath>
+                </a14:m>
+                <a:r>
+                  <a:rPr lang="en-US" sz="1000" dirty="0"/>
+                  <a:t> </a:t>
+                </a:r>
+                <a:r>
+                  <a:rPr lang="en-US" sz="1000" dirty="0" err="1"/>
+                  <a:t>koefisien</a:t>
+                </a:r>
+                <a:r>
+                  <a:rPr lang="en-US" sz="1000" dirty="0"/>
+                  <a:t> </a:t>
+                </a:r>
+                <a:r>
+                  <a:rPr lang="en-US" sz="1000" dirty="0" err="1"/>
+                  <a:t>regresi</a:t>
+                </a:r>
+                <a:r>
+                  <a:rPr lang="en-US" sz="1000" dirty="0"/>
+                  <a:t> linier (slope)</a:t>
+                </a:r>
+              </a:p>
+              <a:p>
+                <a:pPr/>
+                <a14:m>
+                  <m:oMath xmlns:m="http://schemas.openxmlformats.org/officeDocument/2006/math">
+                    <m:sSub>
+                      <m:sSubPr>
+                        <m:ctrlPr>
+                          <a:rPr lang="en-US" sz="1000" i="1" dirty="0" smtClean="0">
+                            <a:latin typeface="Cambria Math" panose="02040503050406030204" pitchFamily="18" charset="0"/>
+                          </a:rPr>
+                        </m:ctrlPr>
+                      </m:sSubPr>
+                      <m:e>
+                        <m:r>
+                          <a:rPr lang="en-US" sz="1000" b="0" i="1" dirty="0" smtClean="0">
+                            <a:latin typeface="Cambria Math" panose="02040503050406030204" pitchFamily="18" charset="0"/>
+                          </a:rPr>
+                          <m:t>𝑋</m:t>
+                        </m:r>
+                      </m:e>
+                      <m:sub>
+                        <m:r>
+                          <a:rPr lang="en-US" sz="1000" b="0" i="1" dirty="0" smtClean="0">
+                            <a:latin typeface="Cambria Math" panose="02040503050406030204" pitchFamily="18" charset="0"/>
+                          </a:rPr>
+                          <m:t>𝑖𝑗</m:t>
+                        </m:r>
+                      </m:sub>
+                    </m:sSub>
+                    <m:r>
+                      <a:rPr lang="en-US" sz="1000" b="0" i="1" dirty="0" smtClean="0">
+                        <a:latin typeface="Cambria Math" panose="02040503050406030204" pitchFamily="18" charset="0"/>
+                      </a:rPr>
+                      <m:t>=</m:t>
+                    </m:r>
+                  </m:oMath>
+                </a14:m>
+                <a:r>
+                  <a:rPr lang="en-US" sz="1000" dirty="0"/>
+                  <a:t> </a:t>
+                </a:r>
+                <a:r>
+                  <a:rPr lang="en-US" sz="1000" dirty="0" err="1"/>
+                  <a:t>nilai</a:t>
+                </a:r>
+                <a:r>
+                  <a:rPr lang="en-US" sz="1000" dirty="0"/>
+                  <a:t> </a:t>
+                </a:r>
+                <a:r>
+                  <a:rPr lang="en-US" sz="1000" dirty="0" err="1"/>
+                  <a:t>variabel</a:t>
+                </a:r>
+                <a:r>
+                  <a:rPr lang="en-US" sz="1000" dirty="0"/>
+                  <a:t> </a:t>
+                </a:r>
+                <a:r>
+                  <a:rPr lang="en-US" sz="1000" dirty="0" err="1"/>
+                  <a:t>prediktor</a:t>
+                </a:r>
+                <a:r>
+                  <a:rPr lang="en-US" sz="1000" dirty="0"/>
+                  <a:t> (level PAM)</a:t>
+                </a:r>
+              </a:p>
+              <a:p>
+                <a:pPr/>
+                <a14:m>
+                  <m:oMath xmlns:m="http://schemas.openxmlformats.org/officeDocument/2006/math">
+                    <m:sSub>
+                      <m:sSubPr>
+                        <m:ctrlPr>
+                          <a:rPr lang="en-US" sz="1000" i="1" dirty="0" smtClean="0">
+                            <a:latin typeface="Cambria Math" panose="02040503050406030204" pitchFamily="18" charset="0"/>
+                          </a:rPr>
+                        </m:ctrlPr>
+                      </m:sSubPr>
+                      <m:e>
+                        <m:r>
+                          <a:rPr lang="en-US" sz="1000" b="0" i="1" dirty="0" smtClean="0">
+                            <a:latin typeface="Cambria Math" panose="02040503050406030204" pitchFamily="18" charset="0"/>
+                          </a:rPr>
+                          <m:t>𝑠</m:t>
+                        </m:r>
+                      </m:e>
+                      <m:sub>
+                        <m:r>
+                          <a:rPr lang="en-US" sz="1000" b="0" i="1" dirty="0" smtClean="0">
+                            <a:latin typeface="Cambria Math" panose="02040503050406030204" pitchFamily="18" charset="0"/>
+                          </a:rPr>
+                          <m:t>𝑖</m:t>
+                        </m:r>
+                      </m:sub>
+                    </m:sSub>
+                    <m:r>
+                      <a:rPr lang="en-US" sz="1000" b="0" i="1" dirty="0" smtClean="0">
+                        <a:latin typeface="Cambria Math" panose="02040503050406030204" pitchFamily="18" charset="0"/>
+                      </a:rPr>
+                      <m:t>=</m:t>
+                    </m:r>
+                  </m:oMath>
+                </a14:m>
+                <a:r>
+                  <a:rPr lang="en-US" sz="1000" dirty="0"/>
+                  <a:t> efek </a:t>
+                </a:r>
+                <a:r>
+                  <a:rPr lang="en-US" sz="1000" dirty="0" err="1"/>
+                  <a:t>acak</a:t>
+                </a:r>
+                <a:r>
+                  <a:rPr lang="en-US" sz="1000" dirty="0"/>
+                  <a:t> </a:t>
+                </a:r>
+                <a:r>
+                  <a:rPr lang="en-US" sz="1000" dirty="0" err="1"/>
+                  <a:t>studi</a:t>
+                </a:r>
+                <a:r>
+                  <a:rPr lang="en-US" sz="1000" dirty="0"/>
+                  <a:t> </a:t>
+                </a:r>
+                <a:r>
+                  <a:rPr lang="en-US" sz="1000" dirty="0" err="1"/>
+                  <a:t>ke-i</a:t>
+                </a:r>
+                <a:endParaRPr lang="en-US" sz="1000" dirty="0"/>
+              </a:p>
+              <a:p>
+                <a14:m>
+                  <m:oMath xmlns:m="http://schemas.openxmlformats.org/officeDocument/2006/math">
+                    <m:sSub>
+                      <m:sSubPr>
+                        <m:ctrlPr>
+                          <a:rPr lang="en-US" sz="1000" i="1" dirty="0" smtClean="0">
+                            <a:latin typeface="Cambria Math" panose="02040503050406030204" pitchFamily="18" charset="0"/>
+                          </a:rPr>
+                        </m:ctrlPr>
+                      </m:sSubPr>
+                      <m:e>
+                        <m:r>
+                          <a:rPr lang="en-US" sz="1000" b="0" i="1" dirty="0" smtClean="0">
+                            <a:latin typeface="Cambria Math" panose="02040503050406030204" pitchFamily="18" charset="0"/>
+                          </a:rPr>
+                          <m:t>𝑒</m:t>
+                        </m:r>
+                      </m:e>
+                      <m:sub>
+                        <m:r>
+                          <a:rPr lang="en-US" sz="1000" b="0" i="1" dirty="0" smtClean="0">
+                            <a:latin typeface="Cambria Math" panose="02040503050406030204" pitchFamily="18" charset="0"/>
+                          </a:rPr>
+                          <m:t>𝑖𝑗</m:t>
+                        </m:r>
+                      </m:sub>
+                    </m:sSub>
+                    <m:r>
+                      <a:rPr lang="en-US" sz="1000" b="0" i="1" dirty="0" smtClean="0">
+                        <a:latin typeface="Cambria Math" panose="02040503050406030204" pitchFamily="18" charset="0"/>
+                      </a:rPr>
+                      <m:t>=</m:t>
+                    </m:r>
+                  </m:oMath>
+                </a14:m>
+                <a:r>
+                  <a:rPr lang="en-US" sz="1000" dirty="0"/>
+                  <a:t>  </a:t>
+                </a:r>
+                <a:r>
+                  <a:rPr lang="en-US" sz="1000" dirty="0" err="1"/>
+                  <a:t>kesalahan</a:t>
+                </a:r>
+                <a:r>
+                  <a:rPr lang="en-US" sz="1000" dirty="0"/>
+                  <a:t> yang </a:t>
+                </a:r>
+                <a:r>
+                  <a:rPr lang="en-US" sz="1000" dirty="0" err="1"/>
+                  <a:t>tidak</a:t>
+                </a:r>
+                <a:r>
+                  <a:rPr lang="en-US" sz="1000" dirty="0"/>
+                  <a:t> </a:t>
+                </a:r>
+                <a:r>
+                  <a:rPr lang="en-US" sz="1000" dirty="0" err="1"/>
+                  <a:t>dapat</a:t>
+                </a:r>
+                <a:r>
+                  <a:rPr lang="en-US" sz="1000" dirty="0"/>
+                  <a:t> </a:t>
+                </a:r>
+                <a:r>
+                  <a:rPr lang="en-US" sz="1000" dirty="0" err="1"/>
+                  <a:t>dijelaskan</a:t>
+                </a:r>
+                <a:endParaRPr lang="en-US" sz="1000" dirty="0"/>
+              </a:p>
+            </p:txBody>
+          </p:sp>
+        </mc:Choice>
+        <mc:Fallback>
+          <p:sp>
+            <p:nvSpPr>
+              <p:cNvPr id="23" name="TextBox 22">
+                <a:extLst>
+                  <a:ext uri="{FF2B5EF4-FFF2-40B4-BE49-F238E27FC236}">
+                    <a16:creationId xmlns:a16="http://schemas.microsoft.com/office/drawing/2014/main" id="{0230464C-B0DC-4F6F-8103-28FC2950A82F}"/>
+                  </a:ext>
+                </a:extLst>
+              </p:cNvPr>
+              <p:cNvSpPr txBox="1">
+                <a:spLocks noRot="1" noChangeAspect="1" noMove="1" noResize="1" noEditPoints="1" noAdjustHandles="1" noChangeArrowheads="1" noChangeShapeType="1" noTextEdit="1"/>
+              </p:cNvSpPr>
+              <p:nvPr/>
+            </p:nvSpPr>
+            <p:spPr>
+              <a:xfrm>
+                <a:off x="7772400" y="3175337"/>
+                <a:ext cx="3893811" cy="1052789"/>
+              </a:xfrm>
+              <a:prstGeom prst="rect">
+                <a:avLst/>
+              </a:prstGeom>
+              <a:blipFill>
+                <a:blip r:embed="rId4"/>
+                <a:stretch>
+                  <a:fillRect/>
+                </a:stretch>
+              </a:blipFill>
+            </p:spPr>
+            <p:txBody>
+              <a:bodyPr/>
+              <a:lstStyle/>
+              <a:p>
+                <a:r>
+                  <a:rPr lang="en-US">
+                    <a:noFill/>
+                  </a:rPr>
+                  <a:t> </a:t>
+                </a:r>
+              </a:p>
+            </p:txBody>
+          </p:sp>
+        </mc:Fallback>
+      </mc:AlternateContent>
+    </p:spTree>
+    <p:extLst>
+      <p:ext uri="{BB962C8B-B14F-4D97-AF65-F5344CB8AC3E}">
+        <p14:creationId xmlns:p14="http://schemas.microsoft.com/office/powerpoint/2010/main" val="1524131299"/>
       </p:ext>
     </p:extLst>
   </p:cSld>
@@ -10182,34 +16109,6 @@
 </file>
 
 <file path=customXml/item1.xml><?xml version="1.0" encoding="utf-8"?>
-<p:properties xmlns:p="http://schemas.microsoft.com/office/2006/metadata/properties" xmlns:xsi="http://www.w3.org/2001/XMLSchema-instance" xmlns:pc="http://schemas.microsoft.com/office/infopath/2007/PartnerControls">
-  <documentManagement>
-    <Status xmlns="71af3243-3dd4-4a8d-8c0d-dd76da1f02a5">Not started</Status>
-    <_ip_UnifiedCompliancePolicyUIAction xmlns="http://schemas.microsoft.com/sharepoint/v3" xsi:nil="true"/>
-    <Image xmlns="71af3243-3dd4-4a8d-8c0d-dd76da1f02a5">
-      <Url xsi:nil="true"/>
-      <Description xsi:nil="true"/>
-    </Image>
-    <_ip_UnifiedCompliancePolicyProperties xmlns="http://schemas.microsoft.com/sharepoint/v3" xsi:nil="true"/>
-    <ImageTagsTaxHTField xmlns="71af3243-3dd4-4a8d-8c0d-dd76da1f02a5">
-      <Terms xmlns="http://schemas.microsoft.com/office/infopath/2007/PartnerControls"/>
-    </ImageTagsTaxHTField>
-    <TaxCatchAll xmlns="230e9df3-be65-4c73-a93b-d1236ebd677e"/>
-    <MediaServiceKeyPoints xmlns="71af3243-3dd4-4a8d-8c0d-dd76da1f02a5" xsi:nil="true"/>
-  </documentManagement>
-</p:properties>
-</file>
-
-<file path=customXml/item2.xml><?xml version="1.0" encoding="utf-8"?>
-<?mso-contentType ?>
-<FormTemplates xmlns="http://schemas.microsoft.com/sharepoint/v3/contenttype/forms">
-  <Display>DocumentLibraryForm</Display>
-  <Edit>DocumentLibraryForm</Edit>
-  <New>DocumentLibraryForm</New>
-</FormTemplates>
-</file>
-
-<file path=customXml/item3.xml><?xml version="1.0" encoding="utf-8"?>
 <ct:contentTypeSchema xmlns:ct="http://schemas.microsoft.com/office/2006/metadata/contentType" xmlns:ma="http://schemas.microsoft.com/office/2006/metadata/properties/metaAttributes" ct:_="" ma:_="" ma:contentTypeName="Document" ma:contentTypeID="0x01010079F111ED35F8CC479449609E8A0923A6" ma:contentTypeVersion="20" ma:contentTypeDescription="Create a new document." ma:contentTypeScope="" ma:versionID="1267097ee5f5874adfcc408041ae252e">
   <xsd:schema xmlns:xsd="http://www.w3.org/2001/XMLSchema" xmlns:xs="http://www.w3.org/2001/XMLSchema" xmlns:p="http://schemas.microsoft.com/office/2006/metadata/properties" xmlns:ns1="http://schemas.microsoft.com/sharepoint/v3" xmlns:ns2="71af3243-3dd4-4a8d-8c0d-dd76da1f02a5" xmlns:ns3="16c05727-aa75-4e4a-9b5f-8a80a1165891" xmlns:ns4="230e9df3-be65-4c73-a93b-d1236ebd677e" targetNamespace="http://schemas.microsoft.com/office/2006/metadata/properties" ma:root="true" ma:fieldsID="395891a93df65b14727750f2c06c306c" ns1:_="" ns2:_="" ns3:_="" ns4:_="">
     <xsd:import namespace="http://schemas.microsoft.com/sharepoint/v3"/>
@@ -10485,27 +16384,35 @@
 </ct:contentTypeSchema>
 </file>
 
-<file path=customXml/itemProps1.xml><?xml version="1.0" encoding="utf-8"?>
-<ds:datastoreItem xmlns:ds="http://schemas.openxmlformats.org/officeDocument/2006/customXml" ds:itemID="{1C44B501-5DE1-46D9-B449-400C46FE1425}">
-  <ds:schemaRefs>
-    <ds:schemaRef ds:uri="http://schemas.microsoft.com/office/2006/metadata/properties"/>
-    <ds:schemaRef ds:uri="http://schemas.microsoft.com/office/infopath/2007/PartnerControls"/>
-    <ds:schemaRef ds:uri="71af3243-3dd4-4a8d-8c0d-dd76da1f02a5"/>
-    <ds:schemaRef ds:uri="http://schemas.microsoft.com/sharepoint/v3"/>
-    <ds:schemaRef ds:uri="230e9df3-be65-4c73-a93b-d1236ebd677e"/>
-  </ds:schemaRefs>
-</ds:datastoreItem>
+<file path=customXml/item2.xml><?xml version="1.0" encoding="utf-8"?>
+<?mso-contentType ?>
+<FormTemplates xmlns="http://schemas.microsoft.com/sharepoint/v3/contenttype/forms">
+  <Display>DocumentLibraryForm</Display>
+  <Edit>DocumentLibraryForm</Edit>
+  <New>DocumentLibraryForm</New>
+</FormTemplates>
 </file>
 
-<file path=customXml/itemProps2.xml><?xml version="1.0" encoding="utf-8"?>
-<ds:datastoreItem xmlns:ds="http://schemas.openxmlformats.org/officeDocument/2006/customXml" ds:itemID="{77DD0DBF-30B2-4FC6-A5E7-8374DC718037}">
-  <ds:schemaRefs>
-    <ds:schemaRef ds:uri="http://schemas.microsoft.com/sharepoint/v3/contenttype/forms"/>
-  </ds:schemaRefs>
-</ds:datastoreItem>
+<file path=customXml/item3.xml><?xml version="1.0" encoding="utf-8"?>
+<p:properties xmlns:p="http://schemas.microsoft.com/office/2006/metadata/properties" xmlns:xsi="http://www.w3.org/2001/XMLSchema-instance" xmlns:pc="http://schemas.microsoft.com/office/infopath/2007/PartnerControls">
+  <documentManagement>
+    <Status xmlns="71af3243-3dd4-4a8d-8c0d-dd76da1f02a5">Not started</Status>
+    <_ip_UnifiedCompliancePolicyUIAction xmlns="http://schemas.microsoft.com/sharepoint/v3" xsi:nil="true"/>
+    <Image xmlns="71af3243-3dd4-4a8d-8c0d-dd76da1f02a5">
+      <Url xsi:nil="true"/>
+      <Description xsi:nil="true"/>
+    </Image>
+    <_ip_UnifiedCompliancePolicyProperties xmlns="http://schemas.microsoft.com/sharepoint/v3" xsi:nil="true"/>
+    <ImageTagsTaxHTField xmlns="71af3243-3dd4-4a8d-8c0d-dd76da1f02a5">
+      <Terms xmlns="http://schemas.microsoft.com/office/infopath/2007/PartnerControls"/>
+    </ImageTagsTaxHTField>
+    <TaxCatchAll xmlns="230e9df3-be65-4c73-a93b-d1236ebd677e"/>
+    <MediaServiceKeyPoints xmlns="71af3243-3dd4-4a8d-8c0d-dd76da1f02a5" xsi:nil="true"/>
+  </documentManagement>
+</p:properties>
 </file>
 
-<file path=customXml/itemProps3.xml><?xml version="1.0" encoding="utf-8"?>
+<file path=customXml/itemProps1.xml><?xml version="1.0" encoding="utf-8"?>
 <ds:datastoreItem xmlns:ds="http://schemas.openxmlformats.org/officeDocument/2006/customXml" ds:itemID="{B2A44EB6-3BD3-4FF9-B8D1-D973C54C3ED7}">
   <ds:schemaRefs>
     <ds:schemaRef ds:uri="http://schemas.microsoft.com/office/2006/metadata/contentType"/>
@@ -10526,6 +16433,26 @@
 </ds:datastoreItem>
 </file>
 
+<file path=customXml/itemProps2.xml><?xml version="1.0" encoding="utf-8"?>
+<ds:datastoreItem xmlns:ds="http://schemas.openxmlformats.org/officeDocument/2006/customXml" ds:itemID="{77DD0DBF-30B2-4FC6-A5E7-8374DC718037}">
+  <ds:schemaRefs>
+    <ds:schemaRef ds:uri="http://schemas.microsoft.com/sharepoint/v3/contenttype/forms"/>
+  </ds:schemaRefs>
+</ds:datastoreItem>
+</file>
+
+<file path=customXml/itemProps3.xml><?xml version="1.0" encoding="utf-8"?>
+<ds:datastoreItem xmlns:ds="http://schemas.openxmlformats.org/officeDocument/2006/customXml" ds:itemID="{1C44B501-5DE1-46D9-B449-400C46FE1425}">
+  <ds:schemaRefs>
+    <ds:schemaRef ds:uri="http://schemas.microsoft.com/office/2006/metadata/properties"/>
+    <ds:schemaRef ds:uri="http://schemas.microsoft.com/office/infopath/2007/PartnerControls"/>
+    <ds:schemaRef ds:uri="71af3243-3dd4-4a8d-8c0d-dd76da1f02a5"/>
+    <ds:schemaRef ds:uri="http://schemas.microsoft.com/sharepoint/v3"/>
+    <ds:schemaRef ds:uri="230e9df3-be65-4c73-a93b-d1236ebd677e"/>
+  </ds:schemaRefs>
+</ds:datastoreItem>
+</file>
+
 <file path=docMetadata/LabelInfo.xml><?xml version="1.0" encoding="utf-8"?>
 <clbl:labelList xmlns:clbl="http://schemas.microsoft.com/office/2020/mipLabelMetadata">
   <clbl:label id="{f42aa342-8706-4288-bd11-ebb85995028c}" enabled="1" method="Standard" siteId="{72f988bf-86f1-41af-91ab-2d7cd011db47}" removed="0"/>

--- a/ch3_reference/Presentation_2022__Sholikin.pptx
+++ b/ch3_reference/Presentation_2022__Sholikin.pptx
@@ -4927,12 +4927,16 @@
               <a:t>Tabulasi</a:t>
             </a:r>
             <a:r>
-              <a:rPr lang="en-US" dirty="0">
+              <a:rPr lang="en-US">
                 <a:latin typeface="Segoe UI Light" panose="020B0502040204020203" pitchFamily="34" charset="0"/>
                 <a:cs typeface="Segoe UI Light" panose="020B0502040204020203" pitchFamily="34" charset="0"/>
               </a:rPr>
-              <a:t> data (choi 2013)</a:t>
-            </a:r>
+              <a:t> data</a:t>
+            </a:r>
+            <a:endParaRPr lang="en-US" dirty="0">
+              <a:latin typeface="Segoe UI Light" panose="020B0502040204020203" pitchFamily="34" charset="0"/>
+              <a:cs typeface="Segoe UI Light" panose="020B0502040204020203" pitchFamily="34" charset="0"/>
+            </a:endParaRPr>
           </a:p>
         </p:txBody>
       </p:sp>
@@ -8036,8 +8040,8 @@
           </a:graphicData>
         </a:graphic>
       </p:graphicFrame>
-      <mc:AlternateContent xmlns:mc="http://schemas.openxmlformats.org/markup-compatibility/2006">
-        <mc:Choice xmlns:a14="http://schemas.microsoft.com/office/drawing/2010/main" Requires="a14">
+      <mc:AlternateContent xmlns:mc="http://schemas.openxmlformats.org/markup-compatibility/2006" xmlns:a14="http://schemas.microsoft.com/office/drawing/2010/main">
+        <mc:Choice Requires="a14">
           <p:sp>
             <p:nvSpPr>
               <p:cNvPr id="4" name="TextBox 3">
@@ -8273,7 +8277,7 @@
             </p:txBody>
           </p:sp>
         </mc:Choice>
-        <mc:Fallback>
+        <mc:Fallback xmlns="">
           <p:sp>
             <p:nvSpPr>
               <p:cNvPr id="4" name="TextBox 3">
@@ -12902,7 +12906,7 @@
           <p:nvPr>
             <p:extLst>
               <p:ext uri="{D42A27DB-BD31-4B8C-83A1-F6EECF244321}">
-                <p14:modId xmlns:p14="http://schemas.microsoft.com/office/powerpoint/2010/main" val="1720249715"/>
+                <p14:modId xmlns:p14="http://schemas.microsoft.com/office/powerpoint/2010/main" val="2770986487"/>
               </p:ext>
             </p:extLst>
           </p:nvPr>
@@ -14724,8 +14728,8 @@
           </a:graphicData>
         </a:graphic>
       </p:graphicFrame>
-      <mc:AlternateContent xmlns:mc="http://schemas.openxmlformats.org/markup-compatibility/2006">
-        <mc:Choice xmlns:a14="http://schemas.microsoft.com/office/drawing/2010/main" Requires="a14">
+      <mc:AlternateContent xmlns:mc="http://schemas.openxmlformats.org/markup-compatibility/2006" xmlns:a14="http://schemas.microsoft.com/office/drawing/2010/main">
+        <mc:Choice Requires="a14">
           <p:sp>
             <p:nvSpPr>
               <p:cNvPr id="15" name="TextBox 14">
@@ -15121,7 +15125,7 @@
             </p:txBody>
           </p:sp>
         </mc:Choice>
-        <mc:Fallback>
+        <mc:Fallback xmlns="">
           <p:sp>
             <p:nvSpPr>
               <p:cNvPr id="15" name="TextBox 14">
@@ -15490,7 +15494,7 @@
           <p:nvPr>
             <p:extLst>
               <p:ext uri="{D42A27DB-BD31-4B8C-83A1-F6EECF244321}">
-                <p14:modId xmlns:p14="http://schemas.microsoft.com/office/powerpoint/2010/main" val="792252668"/>
+                <p14:modId xmlns:p14="http://schemas.microsoft.com/office/powerpoint/2010/main" val="1071331375"/>
               </p:ext>
             </p:extLst>
           </p:nvPr>
@@ -17642,7 +17646,7 @@
         </p:nvGrpSpPr>
         <p:grpSpPr>
           <a:xfrm>
-            <a:off x="8323450" y="1892271"/>
+            <a:off x="5947571" y="4574596"/>
             <a:ext cx="3012699" cy="1373905"/>
             <a:chOff x="4645796" y="3048448"/>
             <a:chExt cx="3364407" cy="1460942"/>
@@ -17739,7 +17743,7 @@
             <p:spPr bwMode="blackWhite">
               <a:xfrm>
                 <a:off x="2647828" y="2434164"/>
-                <a:ext cx="558179" cy="369332"/>
+                <a:ext cx="558179" cy="392729"/>
               </a:xfrm>
               <a:prstGeom prst="rect">
                 <a:avLst/>
@@ -17760,7 +17764,7 @@
                     </a:solidFill>
                     <a:cs typeface="Segoe UI Semibold" panose="020B0702040204020203" pitchFamily="34" charset="0"/>
                   </a:rPr>
-                  <a:t>i</a:t>
+                  <a:t>ii</a:t>
                 </a:r>
               </a:p>
             </p:txBody>
@@ -17951,7 +17955,7 @@
         </p:nvGrpSpPr>
         <p:grpSpPr>
           <a:xfrm>
-            <a:off x="8323450" y="3988019"/>
+            <a:off x="5947571" y="3124200"/>
             <a:ext cx="3012699" cy="1127684"/>
             <a:chOff x="4645796" y="3048448"/>
             <a:chExt cx="3364408" cy="1199123"/>
@@ -18063,14 +18067,20 @@
               <a:p>
                 <a:pPr algn="ctr"/>
                 <a:r>
-                  <a:rPr lang="en-US" dirty="0">
+                  <a:rPr lang="en-US" dirty="0" err="1">
                     <a:solidFill>
                       <a:schemeClr val="bg1"/>
                     </a:solidFill>
                     <a:cs typeface="Segoe UI Semibold" panose="020B0702040204020203" pitchFamily="34" charset="0"/>
                   </a:rPr>
-                  <a:t>ii</a:t>
+                  <a:t>i</a:t>
                 </a:r>
+                <a:endParaRPr lang="en-US" dirty="0">
+                  <a:solidFill>
+                    <a:schemeClr val="bg1"/>
+                  </a:solidFill>
+                  <a:cs typeface="Segoe UI Semibold" panose="020B0702040204020203" pitchFamily="34" charset="0"/>
+                </a:endParaRPr>
               </a:p>
             </p:txBody>
           </p:sp>
@@ -18284,14 +18294,13 @@
               </a:ext>
             </a:extLst>
           </a:blip>
-          <a:stretch>
-            <a:fillRect/>
-          </a:stretch>
+          <a:srcRect/>
+          <a:stretch/>
         </p:blipFill>
         <p:spPr>
           <a:xfrm>
-            <a:off x="676732" y="1755857"/>
-            <a:ext cx="7138296" cy="3359846"/>
+            <a:off x="538762" y="1476414"/>
+            <a:ext cx="5054043" cy="5054043"/>
           </a:xfrm>
           <a:prstGeom prst="rect">
             <a:avLst/>
@@ -25337,8 +25346,8 @@
           </p:txBody>
         </p:sp>
       </p:grpSp>
-      <mc:AlternateContent xmlns:mc="http://schemas.openxmlformats.org/markup-compatibility/2006">
-        <mc:Choice xmlns:a14="http://schemas.microsoft.com/office/drawing/2010/main" Requires="a14">
+      <mc:AlternateContent xmlns:mc="http://schemas.openxmlformats.org/markup-compatibility/2006" xmlns:a14="http://schemas.microsoft.com/office/drawing/2010/main">
+        <mc:Choice Requires="a14">
           <p:sp>
             <p:nvSpPr>
               <p:cNvPr id="19" name="Content Placeholder 7">
@@ -25687,7 +25696,7 @@
             </p:txBody>
           </p:sp>
         </mc:Choice>
-        <mc:Fallback>
+        <mc:Fallback xmlns="">
           <p:sp>
             <p:nvSpPr>
               <p:cNvPr id="19" name="Content Placeholder 7">
@@ -25732,8 +25741,8 @@
           </p:sp>
         </mc:Fallback>
       </mc:AlternateContent>
-      <mc:AlternateContent xmlns:mc="http://schemas.openxmlformats.org/markup-compatibility/2006">
-        <mc:Choice xmlns:a14="http://schemas.microsoft.com/office/drawing/2010/main" Requires="a14">
+      <mc:AlternateContent xmlns:mc="http://schemas.openxmlformats.org/markup-compatibility/2006" xmlns:a14="http://schemas.microsoft.com/office/drawing/2010/main">
+        <mc:Choice Requires="a14">
           <p:sp>
             <p:nvSpPr>
               <p:cNvPr id="5" name="TextBox 4">
@@ -25969,7 +25978,7 @@
             </p:txBody>
           </p:sp>
         </mc:Choice>
-        <mc:Fallback>
+        <mc:Fallback xmlns="">
           <p:sp>
             <p:nvSpPr>
               <p:cNvPr id="5" name="TextBox 4">
@@ -26014,8 +26023,8 @@
           </p:sp>
         </mc:Fallback>
       </mc:AlternateContent>
-      <mc:AlternateContent xmlns:mc="http://schemas.openxmlformats.org/markup-compatibility/2006">
-        <mc:Choice xmlns:a14="http://schemas.microsoft.com/office/drawing/2010/main" Requires="a14">
+      <mc:AlternateContent xmlns:mc="http://schemas.openxmlformats.org/markup-compatibility/2006" xmlns:a14="http://schemas.microsoft.com/office/drawing/2010/main">
+        <mc:Choice Requires="a14">
           <p:sp>
             <p:nvSpPr>
               <p:cNvPr id="23" name="TextBox 22">
@@ -26414,7 +26423,7 @@
             </p:txBody>
           </p:sp>
         </mc:Choice>
-        <mc:Fallback>
+        <mc:Fallback xmlns="">
           <p:sp>
             <p:nvSpPr>
               <p:cNvPr id="23" name="TextBox 22">
